--- a/2016111417_夏震_答辩PPT.pptx
+++ b/2016111417_夏震_答辩PPT.pptx
@@ -228,7 +228,7 @@
           <a:p>
             <a:fld id="{CF21178E-41DD-435F-9943-0C570A4E2608}" type="datetimeFigureOut">
               <a:rPr lang="zh-CN" altLang="en-US" smtClean="0"/>
-              <a:t>2019-05-22</a:t>
+              <a:t>2019-05-24</a:t>
             </a:fld>
             <a:endParaRPr lang="zh-CN" altLang="en-US"/>
           </a:p>
@@ -1476,7 +1476,22 @@
           <a:p>
             <a:r>
               <a:rPr lang="zh-CN" altLang="en-US" dirty="0" smtClean="0"/>
-              <a:t>在现代电网中，电力通信网保证了电力网络的安全有效运行，确保了电力业务可以在实际环境中安全准确的执行。电力通信网的主要工作是协调电力系统发电部件、送电部件、变电部件、配电部件、用电部件等组成部分的联合运转，并有力地保障了电力生产和电网调度自动化的通信需求。提高电力通信网的通信质量、增强电力通信网的可靠性十分重要，这是一个贯穿整个电力通信网生命周期的持续过程。故障容忍是在发生不同类型的故障时，故障处理系统可以为故障单元提供可替代组件以避免系统出错的处理机制。故障容忍可以通过增强电力通信网的可靠性来保证电力通信网能继续提供服务，从而支撑着电网的安全运行。</a:t>
+              <a:t>在现代电网中，电力通信网保证了电力网络的安全有效运行，确保了电力业务可以在实际环境中安全准确的执行</a:t>
+            </a:r>
+            <a:r>
+              <a:rPr lang="zh-CN" altLang="en-US" dirty="0" smtClean="0"/>
+              <a:t>。</a:t>
+            </a:r>
+            <a:endParaRPr lang="en-US" altLang="zh-CN" dirty="0" smtClean="0"/>
+          </a:p>
+          <a:p>
+            <a:r>
+              <a:rPr lang="zh-CN" altLang="en-US" dirty="0" smtClean="0"/>
+              <a:t>电力</a:t>
+            </a:r>
+            <a:r>
+              <a:rPr lang="zh-CN" altLang="en-US" dirty="0" smtClean="0"/>
+              <a:t>通信网的主要工作是协调电力系统发电部件、送电部件、变电部件、配电部件、用电部件等组成部分的联合运转，并有力地保障了电力生产和电网调度自动化的通信需求。提高电力通信网的通信质量、增强电力通信网的可靠性十分重要，这是一个贯穿整个电力通信网生命周期的持续过程。故障容忍是在发生不同类型的故障时，故障处理系统可以为故障单元提供可替代组件以避免系统出错的处理机制。故障容忍可以通过增强电力通信网的可靠性来保证电力通信网能继续提供服务，从而支撑着电网的安全运行。</a:t>
             </a:r>
           </a:p>
           <a:p>
@@ -1642,7 +1657,11 @@
           <a:p>
             <a:r>
               <a:rPr lang="zh-CN" altLang="en-US" dirty="0" smtClean="0"/>
-              <a:t>综上所述，研究面向级联故障和区域故障的电力通信备份算法对于电网安全稳定运行具有重要的理论意义和应用价值。</a:t>
+              <a:t>所以，</a:t>
+            </a:r>
+            <a:r>
+              <a:rPr lang="zh-CN" altLang="en-US" dirty="0" smtClean="0"/>
+              <a:t>研究面向级联故障和区域故障的电力通信备份算法对于电网安全稳定运行具有重要的理论意义和应用价值。</a:t>
             </a:r>
           </a:p>
           <a:p>
@@ -2066,10 +2085,10 @@
                 <a:ea typeface="+mn-ea"/>
                 <a:cs typeface="+mn-cs"/>
               </a:rPr>
-              <a:t>尽管此类随机灾害的发生概率较小，但是波及范围很大。例如</a:t>
-            </a:r>
-            <a:r>
-              <a:rPr lang="en-US" altLang="zh-CN" sz="1200" kern="1200" dirty="0" smtClean="0">
+              <a:t>尽管此类随机灾害的发生概率较小，但是波及范围</a:t>
+            </a:r>
+            <a:r>
+              <a:rPr lang="zh-CN" altLang="zh-CN" sz="1200" kern="1200" dirty="0" smtClean="0">
                 <a:solidFill>
                   <a:schemeClr val="tx1"/>
                 </a:solidFill>
@@ -2078,7 +2097,7 @@
                 <a:ea typeface="+mn-ea"/>
                 <a:cs typeface="+mn-cs"/>
               </a:rPr>
-              <a:t>2006</a:t>
+              <a:t>很大目前</a:t>
             </a:r>
             <a:r>
               <a:rPr lang="zh-CN" altLang="zh-CN" sz="1200" kern="1200" dirty="0" smtClean="0">
@@ -2090,55 +2109,7 @@
                 <a:ea typeface="+mn-ea"/>
                 <a:cs typeface="+mn-cs"/>
               </a:rPr>
-              <a:t>年</a:t>
-            </a:r>
-            <a:r>
-              <a:rPr lang="en-US" altLang="zh-CN" sz="1200" kern="1200" dirty="0" smtClean="0">
-                <a:solidFill>
-                  <a:schemeClr val="tx1"/>
-                </a:solidFill>
-                <a:effectLst/>
-                <a:latin typeface="+mn-lt"/>
-                <a:ea typeface="+mn-ea"/>
-                <a:cs typeface="+mn-cs"/>
-              </a:rPr>
-              <a:t>12</a:t>
-            </a:r>
-            <a:r>
-              <a:rPr lang="zh-CN" altLang="zh-CN" sz="1200" kern="1200" dirty="0" smtClean="0">
-                <a:solidFill>
-                  <a:schemeClr val="tx1"/>
-                </a:solidFill>
-                <a:effectLst/>
-                <a:latin typeface="+mn-lt"/>
-                <a:ea typeface="+mn-ea"/>
-                <a:cs typeface="+mn-cs"/>
-              </a:rPr>
-              <a:t>月台湾地震造成的多条电缆崩溃，几个月内亚洲部分地区的通信速度降低，几个数据中心和相应的云端服务处于离线状态</a:t>
-            </a:r>
-            <a:r>
-              <a:rPr lang="en-US" altLang="zh-CN" sz="1200" kern="1200" dirty="0" smtClean="0">
-                <a:solidFill>
-                  <a:schemeClr val="tx1"/>
-                </a:solidFill>
-                <a:effectLst/>
-                <a:latin typeface="+mn-lt"/>
-                <a:ea typeface="+mn-ea"/>
-                <a:cs typeface="+mn-cs"/>
-              </a:rPr>
-              <a:t>[25]</a:t>
-            </a:r>
-            <a:r>
-              <a:rPr lang="zh-CN" altLang="zh-CN" sz="1200" kern="1200" dirty="0" smtClean="0">
-                <a:solidFill>
-                  <a:schemeClr val="tx1"/>
-                </a:solidFill>
-                <a:effectLst/>
-                <a:latin typeface="+mn-lt"/>
-                <a:ea typeface="+mn-ea"/>
-                <a:cs typeface="+mn-cs"/>
-              </a:rPr>
-              <a:t>。目前，网络运营商在发生大规模区域故障时提供服务连续性的典型方法是分配额外的备用链路，因为这将创造更多的备用路径。然而，主链路和备用链路都容易受到相同灾难引起的相同影响，该备份方式性价比很低。</a:t>
+              <a:t>，网络运营商在发生大规模区域故障时提供服务连续性的典型方法是分配额外的备用链路，因为这将创造更多的备用路径。然而，主链路和备用链路都容易受到相同灾难引起的相同影响，该备份方式性价比很低。</a:t>
             </a:r>
           </a:p>
           <a:p>
@@ -2834,7 +2805,7 @@
           <a:p>
             <a:fld id="{ECF5C816-4069-4AEE-9D93-3A23DA05D637}" type="datetime1">
               <a:rPr lang="zh-CN" altLang="en-US" smtClean="0"/>
-              <a:t>2019-05-22</a:t>
+              <a:t>2019-05-24</a:t>
             </a:fld>
             <a:endParaRPr lang="zh-CN" altLang="en-US"/>
           </a:p>
@@ -3004,7 +2975,7 @@
           <a:p>
             <a:fld id="{0E681340-ABCF-486C-96DE-318D6FBC4FA7}" type="datetime1">
               <a:rPr lang="zh-CN" altLang="en-US" smtClean="0"/>
-              <a:t>2019-05-22</a:t>
+              <a:t>2019-05-24</a:t>
             </a:fld>
             <a:endParaRPr lang="zh-CN" altLang="en-US"/>
           </a:p>
@@ -3184,7 +3155,7 @@
           <a:p>
             <a:fld id="{9E174B88-74D6-46F4-8F34-2E0E03C3C400}" type="datetime1">
               <a:rPr lang="zh-CN" altLang="en-US" smtClean="0"/>
-              <a:t>2019-05-22</a:t>
+              <a:t>2019-05-24</a:t>
             </a:fld>
             <a:endParaRPr lang="zh-CN" altLang="en-US"/>
           </a:p>
@@ -3433,7 +3404,7 @@
           <a:p>
             <a:fld id="{908E3527-0DD3-4A09-80C5-DA19A0AD5C42}" type="datetime1">
               <a:rPr lang="zh-CN" altLang="en-US" smtClean="0"/>
-              <a:t>2019-05-22</a:t>
+              <a:t>2019-05-24</a:t>
             </a:fld>
             <a:endParaRPr lang="zh-CN" altLang="en-US"/>
           </a:p>
@@ -3700,7 +3671,7 @@
           <a:p>
             <a:fld id="{ADAAF654-8079-45E9-84AC-20ED6199853B}" type="datetime1">
               <a:rPr lang="zh-CN" altLang="en-US" smtClean="0"/>
-              <a:t>2019-05-22</a:t>
+              <a:t>2019-05-24</a:t>
             </a:fld>
             <a:endParaRPr lang="zh-CN" altLang="en-US"/>
           </a:p>
@@ -4029,7 +4000,7 @@
           <a:p>
             <a:fld id="{77655930-7E97-4B46-8442-954486FA878C}" type="datetime1">
               <a:rPr lang="zh-CN" altLang="en-US" smtClean="0"/>
-              <a:t>2019-05-22</a:t>
+              <a:t>2019-05-24</a:t>
             </a:fld>
             <a:endParaRPr lang="zh-CN" altLang="en-US"/>
           </a:p>
@@ -4352,7 +4323,7 @@
           <a:p>
             <a:fld id="{BB3C98FB-6AE2-405E-9967-BF664D34C1AE}" type="datetime1">
               <a:rPr lang="zh-CN" altLang="en-US" smtClean="0"/>
-              <a:t>2019-05-22</a:t>
+              <a:t>2019-05-24</a:t>
             </a:fld>
             <a:endParaRPr lang="zh-CN" altLang="en-US"/>
           </a:p>
@@ -4809,7 +4780,7 @@
           <a:p>
             <a:fld id="{01D2DD3E-6BBF-48CE-9C7C-85D764C0F7A5}" type="datetime1">
               <a:rPr lang="zh-CN" altLang="en-US" smtClean="0"/>
-              <a:t>2019-05-22</a:t>
+              <a:t>2019-05-24</a:t>
             </a:fld>
             <a:endParaRPr lang="zh-CN" altLang="en-US"/>
           </a:p>
@@ -5014,7 +4985,7 @@
           <a:p>
             <a:fld id="{50671B83-DF1A-4F21-8740-325E3CA6EF17}" type="datetime1">
               <a:rPr lang="zh-CN" altLang="en-US" smtClean="0"/>
-              <a:t>2019-05-22</a:t>
+              <a:t>2019-05-24</a:t>
             </a:fld>
             <a:endParaRPr lang="zh-CN" altLang="en-US"/>
           </a:p>
@@ -5191,7 +5162,7 @@
           <a:p>
             <a:fld id="{8BC83C03-7636-4D9F-88DD-556E7259EE98}" type="datetime1">
               <a:rPr lang="zh-CN" altLang="en-US" smtClean="0"/>
-              <a:t>2019-05-22</a:t>
+              <a:t>2019-05-24</a:t>
             </a:fld>
             <a:endParaRPr lang="zh-CN" altLang="en-US"/>
           </a:p>
@@ -5524,7 +5495,7 @@
           <a:p>
             <a:fld id="{1ECCBA08-A0B3-4620-A2C3-F2DD9D569B30}" type="datetime1">
               <a:rPr lang="zh-CN" altLang="en-US" smtClean="0"/>
-              <a:t>2019-05-22</a:t>
+              <a:t>2019-05-24</a:t>
             </a:fld>
             <a:endParaRPr lang="zh-CN" altLang="en-US"/>
           </a:p>
@@ -5776,7 +5747,7 @@
           <a:p>
             <a:fld id="{92EADDC0-6E4D-4283-B4C9-49D56ABD3972}" type="datetime1">
               <a:rPr lang="zh-CN" altLang="en-US" smtClean="0"/>
-              <a:t>2019-05-22</a:t>
+              <a:t>2019-05-24</a:t>
             </a:fld>
             <a:endParaRPr lang="zh-CN" altLang="en-US"/>
           </a:p>
@@ -6039,7 +6010,7 @@
           <a:p>
             <a:fld id="{F24597C5-EEC8-4488-924B-035721E8EA73}" type="datetime1">
               <a:rPr lang="zh-CN" altLang="en-US" smtClean="0"/>
-              <a:t>2019-05-22</a:t>
+              <a:t>2019-05-24</a:t>
             </a:fld>
             <a:endParaRPr lang="zh-CN" altLang="en-US"/>
           </a:p>
@@ -6377,7 +6348,7 @@
           <a:p>
             <a:fld id="{B0F66D72-7517-4FA1-91AC-4F5A6261A984}" type="datetime1">
               <a:rPr lang="zh-CN" altLang="en-US" smtClean="0"/>
-              <a:t>2019-05-22</a:t>
+              <a:t>2019-05-24</a:t>
             </a:fld>
             <a:endParaRPr lang="zh-CN" altLang="en-US"/>
           </a:p>
@@ -6778,7 +6749,7 @@
           <a:p>
             <a:fld id="{EA6F04A0-113C-45C3-ABD4-51214D8FACB9}" type="datetime1">
               <a:rPr lang="zh-CN" altLang="en-US" smtClean="0"/>
-              <a:t>2019-05-22</a:t>
+              <a:t>2019-05-24</a:t>
             </a:fld>
             <a:endParaRPr lang="zh-CN" altLang="en-US"/>
           </a:p>
@@ -7114,7 +7085,7 @@
           <a:p>
             <a:fld id="{7CBEC0B1-2615-4632-8F46-8A3E3C90A68E}" type="datetime1">
               <a:rPr lang="zh-CN" altLang="en-US" smtClean="0"/>
-              <a:t>2019-05-22</a:t>
+              <a:t>2019-05-24</a:t>
             </a:fld>
             <a:endParaRPr lang="zh-CN" altLang="en-US"/>
           </a:p>
@@ -7434,7 +7405,7 @@
           <a:p>
             <a:fld id="{99B4F46F-6241-4BBB-BE85-37F31B2F40D9}" type="datetime1">
               <a:rPr lang="zh-CN" altLang="en-US" smtClean="0"/>
-              <a:t>2019-05-22</a:t>
+              <a:t>2019-05-24</a:t>
             </a:fld>
             <a:endParaRPr lang="zh-CN" altLang="en-US"/>
           </a:p>
@@ -7831,7 +7802,7 @@
           <a:p>
             <a:fld id="{99B4F46F-6241-4BBB-BE85-37F31B2F40D9}" type="datetime1">
               <a:rPr lang="zh-CN" altLang="en-US" smtClean="0"/>
-              <a:t>2019-05-22</a:t>
+              <a:t>2019-05-24</a:t>
             </a:fld>
             <a:endParaRPr lang="zh-CN" altLang="en-US"/>
           </a:p>
@@ -8089,7 +8060,7 @@
           <a:p>
             <a:fld id="{786AA40F-68E2-4F91-B4AB-0F4C675E7E32}" type="datetime1">
               <a:rPr lang="zh-CN" altLang="en-US" smtClean="0"/>
-              <a:t>2019-05-22</a:t>
+              <a:t>2019-05-24</a:t>
             </a:fld>
             <a:endParaRPr lang="zh-CN" altLang="en-US"/>
           </a:p>
@@ -8351,7 +8322,7 @@
           <a:p>
             <a:fld id="{AAA0BC2F-8182-4510-8922-48DD90FFBB56}" type="datetime1">
               <a:rPr lang="zh-CN" altLang="en-US" smtClean="0"/>
-              <a:t>2019-05-22</a:t>
+              <a:t>2019-05-24</a:t>
             </a:fld>
             <a:endParaRPr lang="zh-CN" altLang="en-US"/>
           </a:p>
@@ -8684,7 +8655,7 @@
           <a:p>
             <a:fld id="{BED235AC-2D98-4AE0-8240-B1F63BC8F15D}" type="datetime1">
               <a:rPr lang="zh-CN" altLang="en-US" smtClean="0"/>
-              <a:t>2019-05-22</a:t>
+              <a:t>2019-05-24</a:t>
             </a:fld>
             <a:endParaRPr lang="zh-CN" altLang="en-US"/>
           </a:p>
@@ -8916,7 +8887,7 @@
           <a:p>
             <a:fld id="{56BAE1A5-D61A-4A97-B975-3826935A5778}" type="datetime1">
               <a:rPr lang="zh-CN" altLang="en-US" smtClean="0"/>
-              <a:t>2019-05-22</a:t>
+              <a:t>2019-05-24</a:t>
             </a:fld>
             <a:endParaRPr lang="zh-CN" altLang="en-US"/>
           </a:p>
@@ -9263,7 +9234,7 @@
           <a:p>
             <a:fld id="{1A7F2974-D89C-40EF-8045-F759EB6352F7}" type="datetime1">
               <a:rPr lang="zh-CN" altLang="en-US" smtClean="0"/>
-              <a:t>2019-05-22</a:t>
+              <a:t>2019-05-24</a:t>
             </a:fld>
             <a:endParaRPr lang="zh-CN" altLang="en-US"/>
           </a:p>
@@ -9381,7 +9352,7 @@
           <a:p>
             <a:fld id="{369B30D0-47FA-43F9-8F51-82475A1997B7}" type="datetime1">
               <a:rPr lang="zh-CN" altLang="en-US" smtClean="0"/>
-              <a:t>2019-05-22</a:t>
+              <a:t>2019-05-24</a:t>
             </a:fld>
             <a:endParaRPr lang="zh-CN" altLang="en-US"/>
           </a:p>
@@ -9499,7 +9470,7 @@
           <a:p>
             <a:fld id="{E69C9FD0-1859-49FE-8AA1-0DC11C6FDFA2}" type="datetime1">
               <a:rPr lang="zh-CN" altLang="en-US" smtClean="0"/>
-              <a:t>2019-05-22</a:t>
+              <a:t>2019-05-24</a:t>
             </a:fld>
             <a:endParaRPr lang="zh-CN" altLang="en-US"/>
           </a:p>
@@ -9783,7 +9754,7 @@
           <a:p>
             <a:fld id="{8354164D-D8A1-4AA8-90E4-682D2E7C888D}" type="datetime1">
               <a:rPr lang="zh-CN" altLang="en-US" smtClean="0"/>
-              <a:t>2019-05-22</a:t>
+              <a:t>2019-05-24</a:t>
             </a:fld>
             <a:endParaRPr lang="zh-CN" altLang="en-US"/>
           </a:p>
@@ -10047,7 +10018,7 @@
           <a:p>
             <a:fld id="{0A0971DD-4DB9-4A87-90E1-0AC8D03712E7}" type="datetime1">
               <a:rPr lang="zh-CN" altLang="en-US" smtClean="0"/>
-              <a:t>2019-05-22</a:t>
+              <a:t>2019-05-24</a:t>
             </a:fld>
             <a:endParaRPr lang="zh-CN" altLang="en-US"/>
           </a:p>
@@ -10261,7 +10232,7 @@
           <a:p>
             <a:fld id="{99B4F46F-6241-4BBB-BE85-37F31B2F40D9}" type="datetime1">
               <a:rPr lang="zh-CN" altLang="en-US" smtClean="0"/>
-              <a:t>2019-05-22</a:t>
+              <a:t>2019-05-24</a:t>
             </a:fld>
             <a:endParaRPr lang="zh-CN" altLang="en-US"/>
           </a:p>
@@ -12608,7 +12579,7 @@
           <a:p>
             <a:fld id="{99B4F46F-6241-4BBB-BE85-37F31B2F40D9}" type="datetime1">
               <a:rPr lang="zh-CN" altLang="en-US" smtClean="0"/>
-              <a:t>2019-05-22</a:t>
+              <a:t>2019-05-24</a:t>
             </a:fld>
             <a:endParaRPr lang="zh-CN" altLang="en-US"/>
           </a:p>
@@ -13268,7 +13239,7 @@
                 <a:latin typeface="宋体" panose="02010600030101010101" pitchFamily="2" charset="-122"/>
                 <a:ea typeface="宋体" panose="02010600030101010101" pitchFamily="2" charset="-122"/>
               </a:rPr>
-              <a:t>2019年5月22日</a:t>
+              <a:t>2019年5月24日</a:t>
             </a:fld>
             <a:endParaRPr lang="en-US" altLang="zh-CN" sz="1800" b="1" dirty="0" smtClean="0">
               <a:solidFill>
@@ -17939,7 +17910,15 @@
                 <a:ea typeface="华文楷体" panose="02010600040101010101" pitchFamily="2" charset="-122"/>
                 <a:cs typeface="Times New Roman" panose="02020603050405020304" pitchFamily="18" charset="0"/>
               </a:rPr>
-              <a:t>解决的问题</a:t>
+              <a:t>要解决</a:t>
+            </a:r>
+            <a:r>
+              <a:rPr lang="zh-CN" altLang="en-US" sz="2400" b="1" dirty="0" smtClean="0">
+                <a:latin typeface="华文楷体" panose="02010600040101010101" pitchFamily="2" charset="-122"/>
+                <a:ea typeface="华文楷体" panose="02010600040101010101" pitchFamily="2" charset="-122"/>
+                <a:cs typeface="Times New Roman" panose="02020603050405020304" pitchFamily="18" charset="0"/>
+              </a:rPr>
+              <a:t>的问题</a:t>
             </a:r>
             <a:endParaRPr lang="en-US" altLang="zh-CN" sz="2400" b="1" dirty="0" smtClean="0">
               <a:latin typeface="华文楷体" panose="02010600040101010101" pitchFamily="2" charset="-122"/>

--- a/2016111417_夏震_答辩PPT.pptx
+++ b/2016111417_夏震_答辩PPT.pptx
@@ -228,7 +228,7 @@
           <a:p>
             <a:fld id="{CF21178E-41DD-435F-9943-0C570A4E2608}" type="datetimeFigureOut">
               <a:rPr lang="zh-CN" altLang="en-US" smtClean="0"/>
-              <a:t>2019-05-24</a:t>
+              <a:t>2019/5/24</a:t>
             </a:fld>
             <a:endParaRPr lang="zh-CN" altLang="en-US"/>
           </a:p>
@@ -651,7 +651,19 @@
                 <a:ea typeface="+mn-ea"/>
                 <a:cs typeface="+mn-cs"/>
               </a:rPr>
-              <a:t>。具体方法是通过在网络拓扑内部和拓扑周围根据一定方式生成一组样本点。这些样本点将作为区域故障的中心点，结合不同大小的故障半径生成一组随机的区域故障。通过这些故障对网络拓扑的影响来评估网络组件对区域故障的抗性。</a:t>
+              <a:t>具体</a:t>
+            </a:r>
+            <a:r>
+              <a:rPr lang="zh-CN" altLang="zh-CN" sz="1200" kern="1200" dirty="0" smtClean="0">
+                <a:solidFill>
+                  <a:schemeClr val="tx1"/>
+                </a:solidFill>
+                <a:effectLst/>
+                <a:latin typeface="+mn-lt"/>
+                <a:ea typeface="+mn-ea"/>
+                <a:cs typeface="+mn-cs"/>
+              </a:rPr>
+              <a:t>方法是通过在网络拓扑内部和拓扑周围根据一定方式生成一组样本点。这些样本点将作为区域故障的中心点，结合不同大小的故障半径生成一组随机的区域故障。通过这些故障对网络拓扑的影响来评估网络组件对区域故障的抗性。</a:t>
             </a:r>
           </a:p>
           <a:p>
@@ -740,190 +752,12 @@
           <a:lstStyle/>
           <a:p>
             <a:r>
-              <a:rPr lang="zh-CN" altLang="zh-CN" sz="1200" kern="1200" dirty="0" smtClean="0">
-                <a:solidFill>
-                  <a:schemeClr val="tx1"/>
-                </a:solidFill>
-                <a:effectLst/>
-                <a:latin typeface="+mn-lt"/>
-                <a:ea typeface="+mn-ea"/>
-                <a:cs typeface="+mn-cs"/>
-              </a:rPr>
-              <a:t>4展示了输入参数变化时算法之间的性能差异。图</a:t>
-            </a:r>
-            <a:r>
-              <a:rPr lang="en-US" altLang="zh-CN" sz="1200" kern="1200" dirty="0" smtClean="0">
-                <a:solidFill>
-                  <a:schemeClr val="tx1"/>
-                </a:solidFill>
-                <a:effectLst/>
-                <a:latin typeface="+mn-lt"/>
-                <a:ea typeface="+mn-ea"/>
-                <a:cs typeface="+mn-cs"/>
-              </a:rPr>
-              <a:t>4 - 14</a:t>
-            </a:r>
-            <a:r>
-              <a:rPr lang="zh-CN" altLang="zh-CN" sz="1200" kern="1200" dirty="0" smtClean="0">
-                <a:solidFill>
-                  <a:schemeClr val="tx1"/>
-                </a:solidFill>
-                <a:effectLst/>
-                <a:latin typeface="+mn-lt"/>
-                <a:ea typeface="+mn-ea"/>
-                <a:cs typeface="+mn-cs"/>
-              </a:rPr>
-              <a:t>中的</a:t>
-            </a:r>
-            <a:r>
-              <a:rPr lang="en-US" altLang="zh-CN" sz="1200" kern="1200" dirty="0" smtClean="0">
-                <a:solidFill>
-                  <a:schemeClr val="tx1"/>
-                </a:solidFill>
-                <a:effectLst/>
-                <a:latin typeface="+mn-lt"/>
-                <a:ea typeface="+mn-ea"/>
-                <a:cs typeface="+mn-cs"/>
-              </a:rPr>
-              <a:t>R1</a:t>
-            </a:r>
-            <a:r>
-              <a:rPr lang="zh-CN" altLang="zh-CN" sz="1200" kern="1200" dirty="0" smtClean="0">
-                <a:solidFill>
-                  <a:schemeClr val="tx1"/>
-                </a:solidFill>
-                <a:effectLst/>
-                <a:latin typeface="+mn-lt"/>
-                <a:ea typeface="+mn-ea"/>
-                <a:cs typeface="+mn-cs"/>
-              </a:rPr>
-              <a:t>和</a:t>
-            </a:r>
-            <a:r>
-              <a:rPr lang="en-US" altLang="zh-CN" sz="1200" kern="1200" dirty="0" smtClean="0">
-                <a:solidFill>
-                  <a:schemeClr val="tx1"/>
-                </a:solidFill>
-                <a:effectLst/>
-                <a:latin typeface="+mn-lt"/>
-                <a:ea typeface="+mn-ea"/>
-                <a:cs typeface="+mn-cs"/>
-              </a:rPr>
-              <a:t>R2</a:t>
-            </a:r>
-            <a:r>
-              <a:rPr lang="zh-CN" altLang="zh-CN" sz="1200" kern="1200" dirty="0" smtClean="0">
-                <a:solidFill>
-                  <a:schemeClr val="tx1"/>
-                </a:solidFill>
-                <a:effectLst/>
-                <a:latin typeface="+mn-lt"/>
-                <a:ea typeface="+mn-ea"/>
-                <a:cs typeface="+mn-cs"/>
-              </a:rPr>
-              <a:t>表示的是不同的故障半径</a:t>
-            </a:r>
-            <a:r>
-              <a:rPr lang="en-US" altLang="zh-CN" sz="1200" kern="1200" dirty="0" smtClean="0">
-                <a:solidFill>
-                  <a:schemeClr val="tx1"/>
-                </a:solidFill>
-                <a:effectLst/>
-                <a:latin typeface="+mn-lt"/>
-                <a:ea typeface="+mn-ea"/>
-                <a:cs typeface="+mn-cs"/>
-              </a:rPr>
-              <a:t>(R1 = D / 6 = 1.39</a:t>
-            </a:r>
-            <a:r>
-              <a:rPr lang="zh-CN" altLang="zh-CN" sz="1200" kern="1200" dirty="0" smtClean="0">
-                <a:solidFill>
-                  <a:schemeClr val="tx1"/>
-                </a:solidFill>
-                <a:effectLst/>
-                <a:latin typeface="+mn-lt"/>
-                <a:ea typeface="+mn-ea"/>
-                <a:cs typeface="+mn-cs"/>
-              </a:rPr>
-              <a:t>，</a:t>
-            </a:r>
-            <a:r>
-              <a:rPr lang="en-US" altLang="zh-CN" sz="1200" kern="1200" dirty="0" smtClean="0">
-                <a:solidFill>
-                  <a:schemeClr val="tx1"/>
-                </a:solidFill>
-                <a:effectLst/>
-                <a:latin typeface="+mn-lt"/>
-                <a:ea typeface="+mn-ea"/>
-                <a:cs typeface="+mn-cs"/>
-              </a:rPr>
-              <a:t>R2 = D / 4 = 2.08)</a:t>
-            </a:r>
-            <a:r>
-              <a:rPr lang="zh-CN" altLang="zh-CN" sz="1200" kern="1200" dirty="0" smtClean="0">
-                <a:solidFill>
-                  <a:schemeClr val="tx1"/>
-                </a:solidFill>
-                <a:effectLst/>
-                <a:latin typeface="+mn-lt"/>
-                <a:ea typeface="+mn-ea"/>
-                <a:cs typeface="+mn-cs"/>
-              </a:rPr>
-              <a:t>。图</a:t>
-            </a:r>
-            <a:r>
-              <a:rPr lang="en-US" altLang="zh-CN" sz="1200" kern="1200" dirty="0" smtClean="0">
-                <a:solidFill>
-                  <a:schemeClr val="tx1"/>
-                </a:solidFill>
-                <a:effectLst/>
-                <a:latin typeface="+mn-lt"/>
-                <a:ea typeface="+mn-ea"/>
-                <a:cs typeface="+mn-cs"/>
-              </a:rPr>
-              <a:t>4 - 14</a:t>
-            </a:r>
-            <a:r>
-              <a:rPr lang="zh-CN" altLang="zh-CN" sz="1200" kern="1200" dirty="0" smtClean="0">
-                <a:solidFill>
-                  <a:schemeClr val="tx1"/>
-                </a:solidFill>
-                <a:effectLst/>
-                <a:latin typeface="+mn-lt"/>
-                <a:ea typeface="+mn-ea"/>
-                <a:cs typeface="+mn-cs"/>
-              </a:rPr>
-              <a:t>的横坐标表示备份链路的比例</a:t>
-            </a:r>
-            <a:r>
-              <a:rPr lang="en-US" altLang="zh-CN" sz="1200" kern="1200" dirty="0" smtClean="0">
-                <a:solidFill>
-                  <a:schemeClr val="tx1"/>
-                </a:solidFill>
-                <a:effectLst/>
-                <a:latin typeface="+mn-lt"/>
-                <a:ea typeface="+mn-ea"/>
-                <a:cs typeface="+mn-cs"/>
-              </a:rPr>
-              <a:t>(10%-75%)</a:t>
-            </a:r>
-            <a:r>
-              <a:rPr lang="zh-CN" altLang="zh-CN" sz="1200" kern="1200" dirty="0" smtClean="0">
-                <a:solidFill>
-                  <a:schemeClr val="tx1"/>
-                </a:solidFill>
-                <a:effectLst/>
-                <a:latin typeface="+mn-lt"/>
-                <a:ea typeface="+mn-ea"/>
-                <a:cs typeface="+mn-cs"/>
-              </a:rPr>
-              <a:t>。</a:t>
-            </a:r>
-          </a:p>
-          <a:p>
-            <a:r>
               <a:rPr lang="zh-CN" altLang="en-US" dirty="0" smtClean="0"/>
-              <a:t>本章提出的</a:t>
+              <a:t>本文提出</a:t>
+            </a:r>
+            <a:r>
+              <a:rPr lang="zh-CN" altLang="en-US" dirty="0" smtClean="0"/>
+              <a:t>的</a:t>
             </a:r>
             <a:r>
               <a:rPr lang="en-US" altLang="zh-CN" dirty="0" smtClean="0"/>
@@ -931,16 +765,31 @@
             </a:r>
             <a:r>
               <a:rPr lang="zh-CN" altLang="en-US" dirty="0" smtClean="0"/>
-              <a:t>备份算法有效地提高了网络对区域故障的鲁棒性。本章所提出的算法在各种概率函数下均表现出更好的性能。当然这同算法的具体思路不同有很大的关系，比如仿真实验中的对比算法</a:t>
-            </a:r>
-            <a:r>
-              <a:rPr lang="en-US" altLang="zh-CN" dirty="0" smtClean="0"/>
-              <a:t>LSRA</a:t>
+              <a:t>备份算法有效地提高了网络对区域故障的鲁棒性。本章所提出的算法在各种概率函数下均表现出更好的性能</a:t>
             </a:r>
             <a:r>
               <a:rPr lang="zh-CN" altLang="en-US" dirty="0" smtClean="0"/>
-              <a:t>，其着力安放的定位地标在区域故障的故障半径较小的情况下表现尚可，但是随着破坏的加深，算法内部所分配的地标将出现大量的故障情况，具体的外在表现就是骤降式的网络崩坏。</a:t>
-            </a:r>
+              <a:t>。这</a:t>
+            </a:r>
+            <a:r>
+              <a:rPr lang="zh-CN" altLang="en-US" dirty="0" smtClean="0"/>
+              <a:t>同算法的具体思路不同有很大的关系，比如仿真实验中的对比</a:t>
+            </a:r>
+            <a:r>
+              <a:rPr lang="zh-CN" altLang="en-US" dirty="0" smtClean="0"/>
+              <a:t>算法为传统的应对区域故障的故障容忍算法，</a:t>
+            </a:r>
+            <a:r>
+              <a:rPr lang="zh-CN" altLang="en-US" dirty="0" smtClean="0"/>
+              <a:t>其着力安放的定位地标在区域故障的故障半径较小的情况下表现尚可，但是随着破坏的加深，算法内部所分配的地标将出现大量的故障情况，具体的外在表现就是骤降式的网络崩坏</a:t>
+            </a:r>
+            <a:r>
+              <a:rPr lang="zh-CN" altLang="en-US" dirty="0" smtClean="0"/>
+              <a:t>。</a:t>
+            </a:r>
+            <a:endParaRPr lang="en-US" altLang="zh-CN" dirty="0" smtClean="0"/>
+          </a:p>
+          <a:p>
             <a:r>
               <a:rPr lang="en-US" altLang="zh-CN" dirty="0" smtClean="0"/>
               <a:t>PRFAA</a:t>
@@ -1089,55 +938,6 @@
           <a:bodyPr/>
           <a:lstStyle/>
           <a:p>
-            <a:r>
-              <a:rPr lang="zh-CN" altLang="zh-CN" sz="1200" kern="1200" dirty="0" smtClean="0">
-                <a:solidFill>
-                  <a:schemeClr val="tx1"/>
-                </a:solidFill>
-                <a:effectLst/>
-                <a:latin typeface="+mn-lt"/>
-                <a:ea typeface="+mn-ea"/>
-                <a:cs typeface="+mn-cs"/>
-              </a:rPr>
-              <a:t> 首先，在第一个研究工作中，本文提出了面向级联故障的电力通信网中的资源备份算法的。基于级联故障的级联耦合特性，根据电力网与电力通信网的耦合关系，设计故障相互影响模型，分析级联故障产生原因，并由此找到电力通信网中的关键节点，设计相应的备份策略。因为电力通信网具有明显的电力行业特点，所以在评价电力通信网节点时提出了一个基于耦合关系的评估方式。综合考虑链路光缆的建模技术，将链路的光缆类型抽象为定向问题，建立起可行的链路感知模型，同时将上述模型中的备份算法转化为可求解的次优备份求解算法，大大降低了求解的复杂度。</a:t>
-            </a:r>
-            <a:r>
-              <a:rPr lang="en-US" altLang="zh-CN" sz="1200" kern="1200" dirty="0" smtClean="0">
-                <a:solidFill>
-                  <a:schemeClr val="tx1"/>
-                </a:solidFill>
-                <a:effectLst/>
-                <a:latin typeface="+mn-lt"/>
-                <a:ea typeface="+mn-ea"/>
-                <a:cs typeface="+mn-cs"/>
-              </a:rPr>
-              <a:t>                                                                                                                                                        </a:t>
-            </a:r>
-            <a:endParaRPr lang="zh-CN" altLang="zh-CN" sz="1200" kern="1200" dirty="0" smtClean="0">
-              <a:solidFill>
-                <a:schemeClr val="tx1"/>
-              </a:solidFill>
-              <a:effectLst/>
-              <a:latin typeface="+mn-lt"/>
-              <a:ea typeface="+mn-ea"/>
-              <a:cs typeface="+mn-cs"/>
-            </a:endParaRPr>
-          </a:p>
-          <a:p>
-            <a:r>
-              <a:rPr lang="zh-CN" altLang="zh-CN" sz="1200" kern="1200" dirty="0" smtClean="0">
-                <a:solidFill>
-                  <a:schemeClr val="tx1"/>
-                </a:solidFill>
-                <a:effectLst/>
-                <a:latin typeface="+mn-lt"/>
-                <a:ea typeface="+mn-ea"/>
-                <a:cs typeface="+mn-cs"/>
-              </a:rPr>
-              <a:t>在第二个研究工作中，本文提出了面向区域故障的电力通信网中的资源备份算法。首先，根据区域故障的特点，分析故障对网络的整体影响。根据区域故障对故障区域内元件的影响分为二元故障类型和概率故障类型。考虑不同故障类型对网络拓扑的影响，提出了一种比较分析不同种类型的无线链路备份方法。</a:t>
-            </a:r>
-          </a:p>
-          <a:p>
             <a:endParaRPr lang="zh-CN" altLang="en-US" dirty="0"/>
           </a:p>
         </p:txBody>
@@ -1390,7 +1190,7 @@
           <a:bodyPr/>
           <a:lstStyle/>
           <a:p>
-            <a:endParaRPr lang="zh-CN" altLang="en-US"/>
+            <a:endParaRPr lang="zh-CN" altLang="en-US" dirty="0"/>
           </a:p>
         </p:txBody>
       </p:sp>
@@ -1476,22 +1276,14 @@
           <a:p>
             <a:r>
               <a:rPr lang="zh-CN" altLang="en-US" dirty="0" smtClean="0"/>
-              <a:t>在现代电网中，电力通信网保证了电力网络的安全有效运行，确保了电力业务可以在实际环境中安全准确的执行</a:t>
-            </a:r>
+              <a:t>在现代电网中，电力通信网保证了电力网络的安全有效运行，确保了电力业务可以在实际环境中安全准确的执行。</a:t>
+            </a:r>
+            <a:endParaRPr lang="en-US" altLang="zh-CN" dirty="0" smtClean="0"/>
+          </a:p>
+          <a:p>
             <a:r>
               <a:rPr lang="zh-CN" altLang="en-US" dirty="0" smtClean="0"/>
-              <a:t>。</a:t>
-            </a:r>
-            <a:endParaRPr lang="en-US" altLang="zh-CN" dirty="0" smtClean="0"/>
-          </a:p>
-          <a:p>
-            <a:r>
-              <a:rPr lang="zh-CN" altLang="en-US" dirty="0" smtClean="0"/>
-              <a:t>电力</a:t>
-            </a:r>
-            <a:r>
-              <a:rPr lang="zh-CN" altLang="en-US" dirty="0" smtClean="0"/>
-              <a:t>通信网的主要工作是协调电力系统发电部件、送电部件、变电部件、配电部件、用电部件等组成部分的联合运转，并有力地保障了电力生产和电网调度自动化的通信需求。提高电力通信网的通信质量、增强电力通信网的可靠性十分重要，这是一个贯穿整个电力通信网生命周期的持续过程。故障容忍是在发生不同类型的故障时，故障处理系统可以为故障单元提供可替代组件以避免系统出错的处理机制。故障容忍可以通过增强电力通信网的可靠性来保证电力通信网能继续提供服务，从而支撑着电网的安全运行。</a:t>
+              <a:t>电力通信网的主要工作是协调电力系统发电部件、送电部件、变电部件、配电部件、用电部件等组成部分的联合运转，并有力地保障了电力生产和电网调度自动化的通信需求。提高电力通信网的通信质量、增强电力通信网的可靠性十分重要，这是一个贯穿整个电力通信网生命周期的持续过程。故障容忍是在发生不同类型的故障时，故障处理系统可以为故障单元提供可替代组件以避免系统出错的处理机制。故障容忍可以通过增强电力通信网的可靠性来保证电力通信网能继续提供服务，从而支撑着电网的安全运行。</a:t>
             </a:r>
           </a:p>
           <a:p>
@@ -1513,7 +1305,7 @@
               <a:defRPr/>
             </a:pPr>
             <a:r>
-              <a:rPr lang="zh-CN" altLang="zh-CN" sz="1200" kern="1200" dirty="0" smtClean="0">
+              <a:rPr lang="zh-CN" altLang="en-US" sz="1200" kern="1200" dirty="0" smtClean="0">
                 <a:solidFill>
                   <a:schemeClr val="tx1"/>
                 </a:solidFill>
@@ -1522,10 +1314,38 @@
                 <a:ea typeface="+mn-ea"/>
                 <a:cs typeface="+mn-cs"/>
               </a:rPr>
-              <a:t>电力通信网络的耦合特性是电力通信网研究的难点。电力通信基础设施和电力系统的高度互联互通导致了电力通信网与电力系统紧密耦合现象的出现，最终形成了与简单通信网络拓扑结构完全不同的互依耦合网络。当电力网络中的电站节点发生故障时，与该电站节点工作和业务紧密相连的电力通信网络中路由节点将失去电力供应源，这将会导致电力通信网的连通性遭到破坏。这连通性破坏又会引发调度中心对电站子站的具体电力调度失去应具有的精准网络控制调度能力。由于电力业务的高度时间敏感性和不能大规模存储电力系统状态的特点，这导致与故障节点相连的电力线路发生过载情况，从而引起电力网络中其余的电站发生电力过载现象，最终将会引起级联故障</a:t>
-            </a:r>
-            <a:r>
-              <a:rPr lang="en-US" altLang="zh-CN" sz="1200" kern="1200" dirty="0" smtClean="0">
+              <a:t>电力通信网中的故障存在两种类型，区域故障和级联故障。</a:t>
+            </a:r>
+            <a:endParaRPr lang="en-US" altLang="zh-CN" sz="1200" kern="1200" dirty="0" smtClean="0">
+              <a:solidFill>
+                <a:schemeClr val="tx1"/>
+              </a:solidFill>
+              <a:effectLst/>
+              <a:latin typeface="+mn-lt"/>
+              <a:ea typeface="+mn-ea"/>
+              <a:cs typeface="+mn-cs"/>
+            </a:endParaRPr>
+          </a:p>
+          <a:p>
+            <a:pPr marL="0" marR="0" indent="0" algn="l" defTabSz="914400" rtl="0" eaLnBrk="1" fontAlgn="auto" latinLnBrk="0" hangingPunct="1">
+              <a:lnSpc>
+                <a:spcPct val="100000"/>
+              </a:lnSpc>
+              <a:spcBef>
+                <a:spcPts val="0"/>
+              </a:spcBef>
+              <a:spcAft>
+                <a:spcPts val="0"/>
+              </a:spcAft>
+              <a:buClrTx/>
+              <a:buSzTx/>
+              <a:buFontTx/>
+              <a:buNone/>
+              <a:tabLst/>
+              <a:defRPr/>
+            </a:pPr>
+            <a:r>
+              <a:rPr lang="zh-CN" altLang="zh-CN" sz="1200" kern="1200" dirty="0" smtClean="0">
                 <a:solidFill>
                   <a:schemeClr val="tx1"/>
                 </a:solidFill>
@@ -1534,7 +1354,7 @@
                 <a:ea typeface="+mn-ea"/>
                 <a:cs typeface="+mn-cs"/>
               </a:rPr>
-              <a:t>[6]</a:t>
+              <a:t>电力</a:t>
             </a:r>
             <a:r>
               <a:rPr lang="zh-CN" altLang="zh-CN" sz="1200" kern="1200" dirty="0" smtClean="0">
@@ -1546,7 +1366,7 @@
                 <a:ea typeface="+mn-ea"/>
                 <a:cs typeface="+mn-cs"/>
               </a:rPr>
-              <a:t>。如何对电力通信网耦合网络的数学模型进行建模已经引起了国内外研究机构的广泛关注，并取得了一些在模型建立方面的研究成果</a:t>
+              <a:t>通信网络的耦合特性是电力通信网研究的难点。电力通信基础设施和电力系统的高度互联互通导致了电力通信网与电力系统紧密耦合现象的出现，最终形成了与简单通信网络拓扑结构完全不同的互依耦合网络。当电力网络中的电站节点发生故障时，与该电站节点工作和业务紧密相连的电力通信网络中路由节点将失去电力供应源，这将会导致电力通信网的连通性遭到破坏。这连通性破坏又会引发调度中心对电站子站的具体电力调度失去应具有的精准网络控制调度能力。由于电力业务的高度时间敏感性和不能大规模存储电力系统状态的特点，这导致与故障节点相连的电力线路发生过载情况，从而引起电力网络中其余的电站发生电力过载现象，最终将会引起级联故障</a:t>
             </a:r>
             <a:r>
               <a:rPr lang="en-US" altLang="zh-CN" sz="1200" kern="1200" dirty="0" smtClean="0">
@@ -1558,7 +1378,7 @@
                 <a:ea typeface="+mn-ea"/>
                 <a:cs typeface="+mn-cs"/>
               </a:rPr>
-              <a:t>0</a:t>
+              <a:t>[6]</a:t>
             </a:r>
             <a:r>
               <a:rPr lang="zh-CN" altLang="zh-CN" sz="1200" kern="1200" dirty="0" smtClean="0">
@@ -1570,7 +1390,7 @@
                 <a:ea typeface="+mn-ea"/>
                 <a:cs typeface="+mn-cs"/>
               </a:rPr>
-              <a:t>。但是现存的关于可靠性、生存性和脆弱性研究的方法大多只关注互依耦合网络的外部特征，忽略了对耦合网络内部节点故障的相关分析</a:t>
+              <a:t>。如何对电力通信网耦合网络的数学模型进行建模已经引起了国内外研究机构的广泛关注，并取得了一些在模型建立方面的研究成果</a:t>
             </a:r>
             <a:r>
               <a:rPr lang="en-US" altLang="zh-CN" sz="1200" kern="1200" dirty="0" smtClean="0">
@@ -1582,7 +1402,7 @@
                 <a:ea typeface="+mn-ea"/>
                 <a:cs typeface="+mn-cs"/>
               </a:rPr>
-              <a:t>[7]</a:t>
+              <a:t>0</a:t>
             </a:r>
             <a:r>
               <a:rPr lang="zh-CN" altLang="zh-CN" sz="1200" kern="1200" dirty="0" smtClean="0">
@@ -1594,6 +1414,30 @@
                 <a:ea typeface="+mn-ea"/>
                 <a:cs typeface="+mn-cs"/>
               </a:rPr>
+              <a:t>。但是现存的关于可靠性、生存性和脆弱性研究的方法大多只关注互依耦合网络的外部特征，忽略了对耦合网络内部节点故障的相关分析</a:t>
+            </a:r>
+            <a:r>
+              <a:rPr lang="en-US" altLang="zh-CN" sz="1200" kern="1200" dirty="0" smtClean="0">
+                <a:solidFill>
+                  <a:schemeClr val="tx1"/>
+                </a:solidFill>
+                <a:effectLst/>
+                <a:latin typeface="+mn-lt"/>
+                <a:ea typeface="+mn-ea"/>
+                <a:cs typeface="+mn-cs"/>
+              </a:rPr>
+              <a:t>[7]</a:t>
+            </a:r>
+            <a:r>
+              <a:rPr lang="zh-CN" altLang="zh-CN" sz="1200" kern="1200" dirty="0" smtClean="0">
+                <a:solidFill>
+                  <a:schemeClr val="tx1"/>
+                </a:solidFill>
+                <a:effectLst/>
+                <a:latin typeface="+mn-lt"/>
+                <a:ea typeface="+mn-ea"/>
+                <a:cs typeface="+mn-cs"/>
+              </a:rPr>
               <a:t>。目前的研究方法很难对级联故障过程做出实时快速的响应，这将导致级联故障无法得到及时的处理，对网络造成更严重的破坏。</a:t>
             </a:r>
           </a:p>
@@ -1657,11 +1501,7 @@
           <a:p>
             <a:r>
               <a:rPr lang="zh-CN" altLang="en-US" dirty="0" smtClean="0"/>
-              <a:t>所以，</a:t>
-            </a:r>
-            <a:r>
-              <a:rPr lang="zh-CN" altLang="en-US" dirty="0" smtClean="0"/>
-              <a:t>研究面向级联故障和区域故障的电力通信备份算法对于电网安全稳定运行具有重要的理论意义和应用价值。</a:t>
+              <a:t>所以，研究面向级联故障和区域故障的电力通信备份算法对于电网安全稳定运行具有重要的理论意义和应用价值。</a:t>
             </a:r>
           </a:p>
           <a:p>
@@ -1749,9 +1589,9 @@
           <a:bodyPr/>
           <a:lstStyle/>
           <a:p>
-            <a:pPr lvl="0"/>
-            <a:r>
-              <a:rPr lang="zh-CN" altLang="zh-CN" sz="1200" b="0" kern="1200" dirty="0" smtClean="0">
+            <a:pPr lvl="2"/>
+            <a:r>
+              <a:rPr lang="zh-CN" altLang="zh-CN" sz="1200" kern="1200" dirty="0" smtClean="0">
                 <a:solidFill>
                   <a:schemeClr val="tx1"/>
                 </a:solidFill>
@@ -1760,9 +1600,33 @@
                 <a:ea typeface="+mn-ea"/>
                 <a:cs typeface="+mn-cs"/>
               </a:rPr>
-              <a:t>研究现状</a:t>
-            </a:r>
-            <a:endParaRPr lang="zh-CN" altLang="zh-CN" sz="1400" b="1" kern="1200" dirty="0" smtClean="0">
+              <a:t>级</a:t>
+            </a:r>
+            <a:r>
+              <a:rPr lang="zh-CN" altLang="zh-CN" sz="1200" kern="1200" dirty="0" smtClean="0">
+                <a:solidFill>
+                  <a:schemeClr val="tx1"/>
+                </a:solidFill>
+                <a:effectLst/>
+                <a:latin typeface="+mn-lt"/>
+                <a:ea typeface="+mn-ea"/>
+                <a:cs typeface="+mn-cs"/>
+              </a:rPr>
+              <a:t>联故障容忍研究</a:t>
+            </a:r>
+            <a:r>
+              <a:rPr lang="zh-CN" altLang="zh-CN" sz="1200" kern="1200" dirty="0" smtClean="0">
+                <a:solidFill>
+                  <a:schemeClr val="tx1"/>
+                </a:solidFill>
+                <a:effectLst/>
+                <a:latin typeface="+mn-lt"/>
+                <a:ea typeface="+mn-ea"/>
+                <a:cs typeface="+mn-cs"/>
+              </a:rPr>
+              <a:t>现状</a:t>
+            </a:r>
+            <a:endParaRPr lang="en-US" altLang="zh-CN" sz="1200" kern="1200" dirty="0" smtClean="0">
               <a:solidFill>
                 <a:schemeClr val="tx1"/>
               </a:solidFill>
@@ -1774,18 +1638,6 @@
           </a:p>
           <a:p>
             <a:pPr lvl="2"/>
-            <a:r>
-              <a:rPr lang="zh-CN" altLang="zh-CN" sz="1200" kern="1200" dirty="0" smtClean="0">
-                <a:solidFill>
-                  <a:schemeClr val="tx1"/>
-                </a:solidFill>
-                <a:effectLst/>
-                <a:latin typeface="+mn-lt"/>
-                <a:ea typeface="+mn-ea"/>
-                <a:cs typeface="+mn-cs"/>
-              </a:rPr>
-              <a:t>级联故障容忍研究现状</a:t>
-            </a:r>
             <a:endParaRPr lang="zh-CN" altLang="zh-CN" sz="1400" kern="1200" dirty="0" smtClean="0">
               <a:solidFill>
                 <a:schemeClr val="tx1"/>
@@ -1807,10 +1659,10 @@
                 <a:ea typeface="+mn-ea"/>
                 <a:cs typeface="+mn-cs"/>
               </a:rPr>
-              <a:t>电力通信网同构于无标度网络和小世界网络。文献</a:t>
-            </a:r>
-            <a:r>
-              <a:rPr lang="en-US" altLang="zh-CN" sz="1200" kern="1200" dirty="0" smtClean="0">
+              <a:t>第一</a:t>
+            </a:r>
+            <a:r>
+              <a:rPr lang="zh-CN" altLang="zh-CN" sz="1200" kern="1200" dirty="0" smtClean="0">
                 <a:solidFill>
                   <a:schemeClr val="tx1"/>
                 </a:solidFill>
@@ -1819,7 +1671,7 @@
                 <a:ea typeface="+mn-ea"/>
                 <a:cs typeface="+mn-cs"/>
               </a:rPr>
-              <a:t>[27]</a:t>
+              <a:t>个方向</a:t>
             </a:r>
             <a:r>
               <a:rPr lang="zh-CN" altLang="zh-CN" sz="1200" kern="1200" dirty="0" smtClean="0">
@@ -1831,10 +1683,10 @@
                 <a:ea typeface="+mn-ea"/>
                 <a:cs typeface="+mn-cs"/>
               </a:rPr>
-              <a:t>详细地说明了无标度网络和小世界网络存在的问题。基于这些问题，级联故障容忍有两个主要的研究方向。第一个方向是基于复杂网络理论，从网络效率的角度来评估电力通信网络的脆弱性</a:t>
-            </a:r>
-            <a:r>
-              <a:rPr lang="en-US" altLang="zh-CN" sz="1200" kern="1200" dirty="0" smtClean="0">
+              <a:t>是基于</a:t>
+            </a:r>
+            <a:r>
+              <a:rPr lang="zh-CN" altLang="zh-CN" sz="1200" kern="1200" dirty="0" smtClean="0">
                 <a:solidFill>
                   <a:schemeClr val="tx1"/>
                 </a:solidFill>
@@ -1843,10 +1695,10 @@
                 <a:ea typeface="+mn-ea"/>
                 <a:cs typeface="+mn-cs"/>
               </a:rPr>
-              <a:t>[28]</a:t>
-            </a:r>
-            <a:r>
-              <a:rPr lang="zh-CN" altLang="zh-CN" sz="1200" kern="1200" dirty="0" smtClean="0">
+              <a:t>复杂网络理论，从网络效率的角度来评估电力通信网络的脆弱性</a:t>
+            </a:r>
+            <a:r>
+              <a:rPr lang="en-US" altLang="zh-CN" sz="1200" kern="1200" dirty="0" smtClean="0">
                 <a:solidFill>
                   <a:schemeClr val="tx1"/>
                 </a:solidFill>
@@ -1855,10 +1707,10 @@
                 <a:ea typeface="+mn-ea"/>
                 <a:cs typeface="+mn-cs"/>
               </a:rPr>
-              <a:t>。文献</a:t>
-            </a:r>
-            <a:r>
-              <a:rPr lang="en-US" altLang="zh-CN" sz="1200" kern="1200" dirty="0" smtClean="0">
+              <a:t>[28]</a:t>
+            </a:r>
+            <a:r>
+              <a:rPr lang="zh-CN" altLang="zh-CN" sz="1200" kern="1200" dirty="0" smtClean="0">
                 <a:solidFill>
                   <a:schemeClr val="tx1"/>
                 </a:solidFill>
@@ -1867,10 +1719,10 @@
                 <a:ea typeface="+mn-ea"/>
                 <a:cs typeface="+mn-cs"/>
               </a:rPr>
-              <a:t>[29]</a:t>
-            </a:r>
-            <a:r>
-              <a:rPr lang="zh-CN" altLang="zh-CN" sz="1200" kern="1200" dirty="0" smtClean="0">
+              <a:t>。</a:t>
+            </a:r>
+            <a:r>
+              <a:rPr lang="zh-CN" altLang="en-US" sz="1200" kern="1200" dirty="0" smtClean="0">
                 <a:solidFill>
                   <a:schemeClr val="tx1"/>
                 </a:solidFill>
@@ -1879,10 +1731,10 @@
                 <a:ea typeface="+mn-ea"/>
                 <a:cs typeface="+mn-cs"/>
               </a:rPr>
-              <a:t>中研究了同步数字体系光纤通信网络的拓扑演化过程。文献</a:t>
-            </a:r>
-            <a:r>
-              <a:rPr lang="en-US" altLang="zh-CN" sz="1200" kern="1200" dirty="0" smtClean="0">
+              <a:t>有研究通过</a:t>
+            </a:r>
+            <a:r>
+              <a:rPr lang="zh-CN" altLang="zh-CN" sz="1200" kern="1200" dirty="0" smtClean="0">
                 <a:solidFill>
                   <a:schemeClr val="tx1"/>
                 </a:solidFill>
@@ -1891,7 +1743,7 @@
                 <a:ea typeface="+mn-ea"/>
                 <a:cs typeface="+mn-cs"/>
               </a:rPr>
-              <a:t>[30]</a:t>
+              <a:t>研究</a:t>
             </a:r>
             <a:r>
               <a:rPr lang="zh-CN" altLang="zh-CN" sz="1200" kern="1200" dirty="0" smtClean="0">
@@ -1903,10 +1755,10 @@
                 <a:ea typeface="+mn-ea"/>
                 <a:cs typeface="+mn-cs"/>
               </a:rPr>
-              <a:t>基于复杂网络理论提出了一种动态信息的网络脆弱性评估方法。第二个方向是专注于通信服务，通过建立合理的安全评估系统来提高通信网络的鲁棒性。文献</a:t>
-            </a:r>
-            <a:r>
-              <a:rPr lang="en-US" altLang="zh-CN" sz="1200" kern="1200" dirty="0" smtClean="0">
+              <a:t>了同步数字体系光纤通信网络的拓扑演化过程</a:t>
+            </a:r>
+            <a:r>
+              <a:rPr lang="zh-CN" altLang="zh-CN" sz="1200" kern="1200" dirty="0" smtClean="0">
                 <a:solidFill>
                   <a:schemeClr val="tx1"/>
                 </a:solidFill>
@@ -1915,7 +1767,7 @@
                 <a:ea typeface="+mn-ea"/>
                 <a:cs typeface="+mn-cs"/>
               </a:rPr>
-              <a:t>[31]</a:t>
+              <a:t>。基于</a:t>
             </a:r>
             <a:r>
               <a:rPr lang="zh-CN" altLang="zh-CN" sz="1200" kern="1200" dirty="0" smtClean="0">
@@ -1927,10 +1779,10 @@
                 <a:ea typeface="+mn-ea"/>
                 <a:cs typeface="+mn-cs"/>
               </a:rPr>
-              <a:t>提出了通过合理安排通信网络业务渠道和运营模式来平衡业务风险的概念。文献</a:t>
-            </a:r>
-            <a:r>
-              <a:rPr lang="en-US" altLang="zh-CN" sz="1200" kern="1200" dirty="0" smtClean="0">
+              <a:t>复杂网络理论提出了一种动态信息的网络脆弱性评估方法。第二个方向是专注于通信服务，通过建立合理的安全评估系统来提高通信网络的鲁棒性</a:t>
+            </a:r>
+            <a:r>
+              <a:rPr lang="zh-CN" altLang="zh-CN" sz="1200" kern="1200" dirty="0" smtClean="0">
                 <a:solidFill>
                   <a:schemeClr val="tx1"/>
                 </a:solidFill>
@@ -1939,10 +1791,10 @@
                 <a:ea typeface="+mn-ea"/>
                 <a:cs typeface="+mn-cs"/>
               </a:rPr>
-              <a:t>[32]</a:t>
-            </a:r>
-            <a:r>
-              <a:rPr lang="zh-CN" altLang="zh-CN" sz="1200" kern="1200" dirty="0" smtClean="0">
+              <a:t>。</a:t>
+            </a:r>
+            <a:r>
+              <a:rPr lang="zh-CN" altLang="en-US" sz="1200" kern="1200" dirty="0" smtClean="0">
                 <a:solidFill>
                   <a:schemeClr val="tx1"/>
                 </a:solidFill>
@@ -1951,10 +1803,8 @@
                 <a:ea typeface="+mn-ea"/>
                 <a:cs typeface="+mn-cs"/>
               </a:rPr>
-              <a:t>提出了一种基于电力通信网络可靠性的业务路由优化算法。但是，这种方法没有考虑到网格结构的特殊性。在该算法中，算法只是将电力通信网络简化为服务层中的简单路由拓扑。</a:t>
-            </a:r>
-          </a:p>
-          <a:p>
+              <a:t>有研究</a:t>
+            </a:r>
             <a:r>
               <a:rPr lang="zh-CN" altLang="zh-CN" sz="1200" kern="1200" dirty="0" smtClean="0">
                 <a:solidFill>
@@ -1965,7 +1815,105 @@
                 <a:ea typeface="+mn-ea"/>
                 <a:cs typeface="+mn-cs"/>
               </a:rPr>
-              <a:t>电力通信网络的拓扑结构十分复杂。通信服务的有效传输要依靠可靠的物理网络。因为电力通信业务广泛而复杂，所以网络中易受攻击的节点需要重点保护。基于复杂网络理论，网络管理者可以更快更准确地识别电力通信网络固有的脆弱结构，并且可以对具体网络结构实施有针对性的保护策略。虽然有些学者提出了通过添加多个物理上独立的拓扑改善网络结构的想法</a:t>
+              <a:t>通过</a:t>
+            </a:r>
+            <a:r>
+              <a:rPr lang="zh-CN" altLang="zh-CN" sz="1200" kern="1200" dirty="0" smtClean="0">
+                <a:solidFill>
+                  <a:schemeClr val="tx1"/>
+                </a:solidFill>
+                <a:effectLst/>
+                <a:latin typeface="+mn-lt"/>
+                <a:ea typeface="+mn-ea"/>
+                <a:cs typeface="+mn-cs"/>
+              </a:rPr>
+              <a:t>合理安排通信网络业务渠道和运营模式来平衡业务风险的</a:t>
+            </a:r>
+            <a:r>
+              <a:rPr lang="zh-CN" altLang="zh-CN" sz="1200" kern="1200" dirty="0" smtClean="0">
+                <a:solidFill>
+                  <a:schemeClr val="tx1"/>
+                </a:solidFill>
+                <a:effectLst/>
+                <a:latin typeface="+mn-lt"/>
+                <a:ea typeface="+mn-ea"/>
+                <a:cs typeface="+mn-cs"/>
+              </a:rPr>
+              <a:t>概念</a:t>
+            </a:r>
+            <a:r>
+              <a:rPr lang="zh-CN" altLang="en-US" sz="1200" kern="1200" dirty="0" smtClean="0">
+                <a:solidFill>
+                  <a:schemeClr val="tx1"/>
+                </a:solidFill>
+                <a:effectLst/>
+                <a:latin typeface="+mn-lt"/>
+                <a:ea typeface="+mn-ea"/>
+                <a:cs typeface="+mn-cs"/>
+              </a:rPr>
+              <a:t>，并</a:t>
+            </a:r>
+            <a:r>
+              <a:rPr lang="zh-CN" altLang="zh-CN" sz="1200" kern="1200" dirty="0" smtClean="0">
+                <a:solidFill>
+                  <a:schemeClr val="tx1"/>
+                </a:solidFill>
+                <a:effectLst/>
+                <a:latin typeface="+mn-lt"/>
+                <a:ea typeface="+mn-ea"/>
+                <a:cs typeface="+mn-cs"/>
+              </a:rPr>
+              <a:t>提出</a:t>
+            </a:r>
+            <a:r>
+              <a:rPr lang="zh-CN" altLang="zh-CN" sz="1200" kern="1200" dirty="0" smtClean="0">
+                <a:solidFill>
+                  <a:schemeClr val="tx1"/>
+                </a:solidFill>
+                <a:effectLst/>
+                <a:latin typeface="+mn-lt"/>
+                <a:ea typeface="+mn-ea"/>
+                <a:cs typeface="+mn-cs"/>
+              </a:rPr>
+              <a:t>了一种基于电力通信网络可靠性的业务路由优化算法。但是，这种方法没有考虑到网格结构的特殊性。在该算法中，算法只是将电力通信网络简化为服务层中的简单路由拓扑。</a:t>
+            </a:r>
+          </a:p>
+          <a:p>
+            <a:r>
+              <a:rPr lang="zh-CN" altLang="zh-CN" sz="1200" kern="1200" dirty="0" smtClean="0">
+                <a:solidFill>
+                  <a:schemeClr val="tx1"/>
+                </a:solidFill>
+                <a:effectLst/>
+                <a:latin typeface="+mn-lt"/>
+                <a:ea typeface="+mn-ea"/>
+                <a:cs typeface="+mn-cs"/>
+              </a:rPr>
+              <a:t>电力通信网络的拓扑结构十分复杂。通信服务的有效传输要依靠可靠的物理网络。因为电力通信业务广泛而复杂，所以网络中易受攻击的节点需要重点保护</a:t>
+            </a:r>
+            <a:r>
+              <a:rPr lang="zh-CN" altLang="zh-CN" sz="1200" kern="1200" dirty="0" smtClean="0">
+                <a:solidFill>
+                  <a:schemeClr val="tx1"/>
+                </a:solidFill>
+                <a:effectLst/>
+                <a:latin typeface="+mn-lt"/>
+                <a:ea typeface="+mn-ea"/>
+                <a:cs typeface="+mn-cs"/>
+              </a:rPr>
+              <a:t>。虽然</a:t>
+            </a:r>
+            <a:r>
+              <a:rPr lang="zh-CN" altLang="zh-CN" sz="1200" kern="1200" dirty="0" smtClean="0">
+                <a:solidFill>
+                  <a:schemeClr val="tx1"/>
+                </a:solidFill>
+                <a:effectLst/>
+                <a:latin typeface="+mn-lt"/>
+                <a:ea typeface="+mn-ea"/>
+                <a:cs typeface="+mn-cs"/>
+              </a:rPr>
+              <a:t>有些学者提出了通过添加多个物理上独立的拓扑改善网络结构的想法</a:t>
             </a:r>
             <a:r>
               <a:rPr lang="en-US" altLang="zh-CN" sz="1200" kern="1200" dirty="0" smtClean="0">
@@ -2024,8 +1972,32 @@
                 <a:ea typeface="+mn-ea"/>
                 <a:cs typeface="+mn-cs"/>
               </a:rPr>
-              <a:t>区域故障容忍研究现状</a:t>
-            </a:r>
+              <a:t>区域故障容忍研究</a:t>
+            </a:r>
+            <a:r>
+              <a:rPr lang="zh-CN" altLang="zh-CN" sz="1200" kern="1200" dirty="0" smtClean="0">
+                <a:solidFill>
+                  <a:schemeClr val="tx1"/>
+                </a:solidFill>
+                <a:effectLst/>
+                <a:latin typeface="+mn-lt"/>
+                <a:ea typeface="+mn-ea"/>
+                <a:cs typeface="+mn-cs"/>
+              </a:rPr>
+              <a:t>现状</a:t>
+            </a:r>
+            <a:endParaRPr lang="en-US" altLang="zh-CN" sz="1200" kern="1200" dirty="0" smtClean="0">
+              <a:solidFill>
+                <a:schemeClr val="tx1"/>
+              </a:solidFill>
+              <a:effectLst/>
+              <a:latin typeface="+mn-lt"/>
+              <a:ea typeface="+mn-ea"/>
+              <a:cs typeface="+mn-cs"/>
+            </a:endParaRPr>
+          </a:p>
+          <a:p>
+            <a:pPr lvl="2"/>
             <a:endParaRPr lang="zh-CN" altLang="zh-CN" sz="1400" kern="1200" dirty="0" smtClean="0">
               <a:solidFill>
                 <a:schemeClr val="tx1"/>
@@ -2037,6 +2009,23 @@
             </a:endParaRPr>
           </a:p>
           <a:p>
+            <a:pPr marL="0" marR="0" indent="0" algn="l" defTabSz="914400" rtl="0" eaLnBrk="1" fontAlgn="auto" latinLnBrk="0" hangingPunct="1">
+              <a:lnSpc>
+                <a:spcPct val="100000"/>
+              </a:lnSpc>
+              <a:spcBef>
+                <a:spcPts val="0"/>
+              </a:spcBef>
+              <a:spcAft>
+                <a:spcPts val="0"/>
+              </a:spcAft>
+              <a:buClrTx/>
+              <a:buSzTx/>
+              <a:buFontTx/>
+              <a:buNone/>
+              <a:tabLst/>
+              <a:defRPr/>
+            </a:pPr>
             <a:r>
               <a:rPr lang="zh-CN" altLang="zh-CN" sz="1200" kern="1200" dirty="0" smtClean="0">
                 <a:solidFill>
@@ -2047,7 +2036,7 @@
                 <a:ea typeface="+mn-ea"/>
                 <a:cs typeface="+mn-cs"/>
               </a:rPr>
-              <a:t>大规模地理位置相关故障的问题最近才引起人们的注意。该领域的研究主要涉及区域故障建模失败、测量其具体影响以及确定网络基础设施对区域故障的脆弱性上</a:t>
+              <a:t>大规模地理位置相关故障的问题最近才引起人们的注意。区域故障是一种特殊的故障类型。现有的弹性网络设计的大部分工作主要集中在缓解孤立的单链路或多链路故障</a:t>
             </a:r>
             <a:r>
               <a:rPr lang="en-US" altLang="zh-CN" sz="1200" kern="1200" dirty="0" smtClean="0">
@@ -2059,7 +2048,7 @@
                 <a:ea typeface="+mn-ea"/>
                 <a:cs typeface="+mn-cs"/>
               </a:rPr>
-              <a:t>[38]</a:t>
+              <a:t>[36]</a:t>
             </a:r>
             <a:r>
               <a:rPr lang="zh-CN" altLang="zh-CN" sz="1200" kern="1200" dirty="0" smtClean="0">
@@ -2071,7 +2060,7 @@
                 <a:ea typeface="+mn-ea"/>
                 <a:cs typeface="+mn-cs"/>
               </a:rPr>
-              <a:t>，对于具体的故障容忍策略考虑的仍不够完善。</a:t>
+              <a:t>上。</a:t>
             </a:r>
           </a:p>
           <a:p>
@@ -2085,10 +2074,10 @@
                 <a:ea typeface="+mn-ea"/>
                 <a:cs typeface="+mn-cs"/>
               </a:rPr>
-              <a:t>尽管此类随机灾害的发生概率较小，但是波及范围</a:t>
-            </a:r>
-            <a:r>
-              <a:rPr lang="zh-CN" altLang="zh-CN" sz="1200" kern="1200" dirty="0" smtClean="0">
+              <a:t>该领域的研究主要涉及区域故障建模失败、测量其具体影响以及确定网络基础设施对区域故障的脆弱性上</a:t>
+            </a:r>
+            <a:r>
+              <a:rPr lang="en-US" altLang="zh-CN" sz="1200" kern="1200" dirty="0" smtClean="0">
                 <a:solidFill>
                   <a:schemeClr val="tx1"/>
                 </a:solidFill>
@@ -2097,7 +2086,7 @@
                 <a:ea typeface="+mn-ea"/>
                 <a:cs typeface="+mn-cs"/>
               </a:rPr>
-              <a:t>很大目前</a:t>
+              <a:t>[38]</a:t>
             </a:r>
             <a:r>
               <a:rPr lang="zh-CN" altLang="zh-CN" sz="1200" kern="1200" dirty="0" smtClean="0">
@@ -2109,7 +2098,7 @@
                 <a:ea typeface="+mn-ea"/>
                 <a:cs typeface="+mn-cs"/>
               </a:rPr>
-              <a:t>，网络运营商在发生大规模区域故障时提供服务连续性的典型方法是分配额外的备用链路，因为这将创造更多的备用路径。然而，主链路和备用链路都容易受到相同灾难引起的相同影响，该备份方式性价比很低。</a:t>
+              <a:t>，对于具体的故障容忍策略考虑的仍不够完善。</a:t>
             </a:r>
           </a:p>
           <a:p>
@@ -2123,10 +2112,10 @@
                 <a:ea typeface="+mn-ea"/>
                 <a:cs typeface="+mn-cs"/>
               </a:rPr>
-              <a:t>区域故障是一种特殊的故障类型。现有的弹性网络设计的大部分工作主要集中在缓解孤立的单链路或多链路故障</a:t>
-            </a:r>
-            <a:r>
-              <a:rPr lang="en-US" altLang="zh-CN" sz="1200" kern="1200" dirty="0" smtClean="0">
+              <a:t>尽管</a:t>
+            </a:r>
+            <a:r>
+              <a:rPr lang="zh-CN" altLang="zh-CN" sz="1200" kern="1200" dirty="0" smtClean="0">
                 <a:solidFill>
                   <a:schemeClr val="tx1"/>
                 </a:solidFill>
@@ -2135,7 +2124,7 @@
                 <a:ea typeface="+mn-ea"/>
                 <a:cs typeface="+mn-cs"/>
               </a:rPr>
-              <a:t>[36]</a:t>
+              <a:t>此类随机灾害的发生概率较小，但是波及范围</a:t>
             </a:r>
             <a:r>
               <a:rPr lang="zh-CN" altLang="zh-CN" sz="1200" kern="1200" dirty="0" smtClean="0">
@@ -2147,7 +2136,19 @@
                 <a:ea typeface="+mn-ea"/>
                 <a:cs typeface="+mn-cs"/>
               </a:rPr>
-              <a:t>上。</a:t>
+              <a:t>很大目前</a:t>
+            </a:r>
+            <a:r>
+              <a:rPr lang="zh-CN" altLang="zh-CN" sz="1200" kern="1200" dirty="0" smtClean="0">
+                <a:solidFill>
+                  <a:schemeClr val="tx1"/>
+                </a:solidFill>
+                <a:effectLst/>
+                <a:latin typeface="+mn-lt"/>
+                <a:ea typeface="+mn-ea"/>
+                <a:cs typeface="+mn-cs"/>
+              </a:rPr>
+              <a:t>，网络运营商在发生大规模区域故障时提供服务连续性的典型方法是分配额外的备用链路，因为这将创造更多的备用路径。然而，主链路和备用链路都容易受到相同灾难引起的相同影响，该备份方式性价比很低。</a:t>
             </a:r>
           </a:p>
           <a:p>
@@ -2805,7 +2806,7 @@
           <a:p>
             <a:fld id="{ECF5C816-4069-4AEE-9D93-3A23DA05D637}" type="datetime1">
               <a:rPr lang="zh-CN" altLang="en-US" smtClean="0"/>
-              <a:t>2019-05-24</a:t>
+              <a:t>2019/5/24</a:t>
             </a:fld>
             <a:endParaRPr lang="zh-CN" altLang="en-US"/>
           </a:p>
@@ -2975,7 +2976,7 @@
           <a:p>
             <a:fld id="{0E681340-ABCF-486C-96DE-318D6FBC4FA7}" type="datetime1">
               <a:rPr lang="zh-CN" altLang="en-US" smtClean="0"/>
-              <a:t>2019-05-24</a:t>
+              <a:t>2019/5/24</a:t>
             </a:fld>
             <a:endParaRPr lang="zh-CN" altLang="en-US"/>
           </a:p>
@@ -3155,7 +3156,7 @@
           <a:p>
             <a:fld id="{9E174B88-74D6-46F4-8F34-2E0E03C3C400}" type="datetime1">
               <a:rPr lang="zh-CN" altLang="en-US" smtClean="0"/>
-              <a:t>2019-05-24</a:t>
+              <a:t>2019/5/24</a:t>
             </a:fld>
             <a:endParaRPr lang="zh-CN" altLang="en-US"/>
           </a:p>
@@ -3404,7 +3405,7 @@
           <a:p>
             <a:fld id="{908E3527-0DD3-4A09-80C5-DA19A0AD5C42}" type="datetime1">
               <a:rPr lang="zh-CN" altLang="en-US" smtClean="0"/>
-              <a:t>2019-05-24</a:t>
+              <a:t>2019/5/24</a:t>
             </a:fld>
             <a:endParaRPr lang="zh-CN" altLang="en-US"/>
           </a:p>
@@ -3671,7 +3672,7 @@
           <a:p>
             <a:fld id="{ADAAF654-8079-45E9-84AC-20ED6199853B}" type="datetime1">
               <a:rPr lang="zh-CN" altLang="en-US" smtClean="0"/>
-              <a:t>2019-05-24</a:t>
+              <a:t>2019/5/24</a:t>
             </a:fld>
             <a:endParaRPr lang="zh-CN" altLang="en-US"/>
           </a:p>
@@ -4000,7 +4001,7 @@
           <a:p>
             <a:fld id="{77655930-7E97-4B46-8442-954486FA878C}" type="datetime1">
               <a:rPr lang="zh-CN" altLang="en-US" smtClean="0"/>
-              <a:t>2019-05-24</a:t>
+              <a:t>2019/5/24</a:t>
             </a:fld>
             <a:endParaRPr lang="zh-CN" altLang="en-US"/>
           </a:p>
@@ -4323,7 +4324,7 @@
           <a:p>
             <a:fld id="{BB3C98FB-6AE2-405E-9967-BF664D34C1AE}" type="datetime1">
               <a:rPr lang="zh-CN" altLang="en-US" smtClean="0"/>
-              <a:t>2019-05-24</a:t>
+              <a:t>2019/5/24</a:t>
             </a:fld>
             <a:endParaRPr lang="zh-CN" altLang="en-US"/>
           </a:p>
@@ -4780,7 +4781,7 @@
           <a:p>
             <a:fld id="{01D2DD3E-6BBF-48CE-9C7C-85D764C0F7A5}" type="datetime1">
               <a:rPr lang="zh-CN" altLang="en-US" smtClean="0"/>
-              <a:t>2019-05-24</a:t>
+              <a:t>2019/5/24</a:t>
             </a:fld>
             <a:endParaRPr lang="zh-CN" altLang="en-US"/>
           </a:p>
@@ -4985,7 +4986,7 @@
           <a:p>
             <a:fld id="{50671B83-DF1A-4F21-8740-325E3CA6EF17}" type="datetime1">
               <a:rPr lang="zh-CN" altLang="en-US" smtClean="0"/>
-              <a:t>2019-05-24</a:t>
+              <a:t>2019/5/24</a:t>
             </a:fld>
             <a:endParaRPr lang="zh-CN" altLang="en-US"/>
           </a:p>
@@ -5162,7 +5163,7 @@
           <a:p>
             <a:fld id="{8BC83C03-7636-4D9F-88DD-556E7259EE98}" type="datetime1">
               <a:rPr lang="zh-CN" altLang="en-US" smtClean="0"/>
-              <a:t>2019-05-24</a:t>
+              <a:t>2019/5/24</a:t>
             </a:fld>
             <a:endParaRPr lang="zh-CN" altLang="en-US"/>
           </a:p>
@@ -5495,7 +5496,7 @@
           <a:p>
             <a:fld id="{1ECCBA08-A0B3-4620-A2C3-F2DD9D569B30}" type="datetime1">
               <a:rPr lang="zh-CN" altLang="en-US" smtClean="0"/>
-              <a:t>2019-05-24</a:t>
+              <a:t>2019/5/24</a:t>
             </a:fld>
             <a:endParaRPr lang="zh-CN" altLang="en-US"/>
           </a:p>
@@ -5747,7 +5748,7 @@
           <a:p>
             <a:fld id="{92EADDC0-6E4D-4283-B4C9-49D56ABD3972}" type="datetime1">
               <a:rPr lang="zh-CN" altLang="en-US" smtClean="0"/>
-              <a:t>2019-05-24</a:t>
+              <a:t>2019/5/24</a:t>
             </a:fld>
             <a:endParaRPr lang="zh-CN" altLang="en-US"/>
           </a:p>
@@ -6010,7 +6011,7 @@
           <a:p>
             <a:fld id="{F24597C5-EEC8-4488-924B-035721E8EA73}" type="datetime1">
               <a:rPr lang="zh-CN" altLang="en-US" smtClean="0"/>
-              <a:t>2019-05-24</a:t>
+              <a:t>2019/5/24</a:t>
             </a:fld>
             <a:endParaRPr lang="zh-CN" altLang="en-US"/>
           </a:p>
@@ -6348,7 +6349,7 @@
           <a:p>
             <a:fld id="{B0F66D72-7517-4FA1-91AC-4F5A6261A984}" type="datetime1">
               <a:rPr lang="zh-CN" altLang="en-US" smtClean="0"/>
-              <a:t>2019-05-24</a:t>
+              <a:t>2019/5/24</a:t>
             </a:fld>
             <a:endParaRPr lang="zh-CN" altLang="en-US"/>
           </a:p>
@@ -6749,7 +6750,7 @@
           <a:p>
             <a:fld id="{EA6F04A0-113C-45C3-ABD4-51214D8FACB9}" type="datetime1">
               <a:rPr lang="zh-CN" altLang="en-US" smtClean="0"/>
-              <a:t>2019-05-24</a:t>
+              <a:t>2019/5/24</a:t>
             </a:fld>
             <a:endParaRPr lang="zh-CN" altLang="en-US"/>
           </a:p>
@@ -7085,7 +7086,7 @@
           <a:p>
             <a:fld id="{7CBEC0B1-2615-4632-8F46-8A3E3C90A68E}" type="datetime1">
               <a:rPr lang="zh-CN" altLang="en-US" smtClean="0"/>
-              <a:t>2019-05-24</a:t>
+              <a:t>2019/5/24</a:t>
             </a:fld>
             <a:endParaRPr lang="zh-CN" altLang="en-US"/>
           </a:p>
@@ -7405,7 +7406,7 @@
           <a:p>
             <a:fld id="{99B4F46F-6241-4BBB-BE85-37F31B2F40D9}" type="datetime1">
               <a:rPr lang="zh-CN" altLang="en-US" smtClean="0"/>
-              <a:t>2019-05-24</a:t>
+              <a:t>2019/5/24</a:t>
             </a:fld>
             <a:endParaRPr lang="zh-CN" altLang="en-US"/>
           </a:p>
@@ -7802,7 +7803,7 @@
           <a:p>
             <a:fld id="{99B4F46F-6241-4BBB-BE85-37F31B2F40D9}" type="datetime1">
               <a:rPr lang="zh-CN" altLang="en-US" smtClean="0"/>
-              <a:t>2019-05-24</a:t>
+              <a:t>2019/5/24</a:t>
             </a:fld>
             <a:endParaRPr lang="zh-CN" altLang="en-US"/>
           </a:p>
@@ -8060,7 +8061,7 @@
           <a:p>
             <a:fld id="{786AA40F-68E2-4F91-B4AB-0F4C675E7E32}" type="datetime1">
               <a:rPr lang="zh-CN" altLang="en-US" smtClean="0"/>
-              <a:t>2019-05-24</a:t>
+              <a:t>2019/5/24</a:t>
             </a:fld>
             <a:endParaRPr lang="zh-CN" altLang="en-US"/>
           </a:p>
@@ -8322,7 +8323,7 @@
           <a:p>
             <a:fld id="{AAA0BC2F-8182-4510-8922-48DD90FFBB56}" type="datetime1">
               <a:rPr lang="zh-CN" altLang="en-US" smtClean="0"/>
-              <a:t>2019-05-24</a:t>
+              <a:t>2019/5/24</a:t>
             </a:fld>
             <a:endParaRPr lang="zh-CN" altLang="en-US"/>
           </a:p>
@@ -8655,7 +8656,7 @@
           <a:p>
             <a:fld id="{BED235AC-2D98-4AE0-8240-B1F63BC8F15D}" type="datetime1">
               <a:rPr lang="zh-CN" altLang="en-US" smtClean="0"/>
-              <a:t>2019-05-24</a:t>
+              <a:t>2019/5/24</a:t>
             </a:fld>
             <a:endParaRPr lang="zh-CN" altLang="en-US"/>
           </a:p>
@@ -8887,7 +8888,7 @@
           <a:p>
             <a:fld id="{56BAE1A5-D61A-4A97-B975-3826935A5778}" type="datetime1">
               <a:rPr lang="zh-CN" altLang="en-US" smtClean="0"/>
-              <a:t>2019-05-24</a:t>
+              <a:t>2019/5/24</a:t>
             </a:fld>
             <a:endParaRPr lang="zh-CN" altLang="en-US"/>
           </a:p>
@@ -9234,7 +9235,7 @@
           <a:p>
             <a:fld id="{1A7F2974-D89C-40EF-8045-F759EB6352F7}" type="datetime1">
               <a:rPr lang="zh-CN" altLang="en-US" smtClean="0"/>
-              <a:t>2019-05-24</a:t>
+              <a:t>2019/5/24</a:t>
             </a:fld>
             <a:endParaRPr lang="zh-CN" altLang="en-US"/>
           </a:p>
@@ -9352,7 +9353,7 @@
           <a:p>
             <a:fld id="{369B30D0-47FA-43F9-8F51-82475A1997B7}" type="datetime1">
               <a:rPr lang="zh-CN" altLang="en-US" smtClean="0"/>
-              <a:t>2019-05-24</a:t>
+              <a:t>2019/5/24</a:t>
             </a:fld>
             <a:endParaRPr lang="zh-CN" altLang="en-US"/>
           </a:p>
@@ -9470,7 +9471,7 @@
           <a:p>
             <a:fld id="{E69C9FD0-1859-49FE-8AA1-0DC11C6FDFA2}" type="datetime1">
               <a:rPr lang="zh-CN" altLang="en-US" smtClean="0"/>
-              <a:t>2019-05-24</a:t>
+              <a:t>2019/5/24</a:t>
             </a:fld>
             <a:endParaRPr lang="zh-CN" altLang="en-US"/>
           </a:p>
@@ -9754,7 +9755,7 @@
           <a:p>
             <a:fld id="{8354164D-D8A1-4AA8-90E4-682D2E7C888D}" type="datetime1">
               <a:rPr lang="zh-CN" altLang="en-US" smtClean="0"/>
-              <a:t>2019-05-24</a:t>
+              <a:t>2019/5/24</a:t>
             </a:fld>
             <a:endParaRPr lang="zh-CN" altLang="en-US"/>
           </a:p>
@@ -10018,7 +10019,7 @@
           <a:p>
             <a:fld id="{0A0971DD-4DB9-4A87-90E1-0AC8D03712E7}" type="datetime1">
               <a:rPr lang="zh-CN" altLang="en-US" smtClean="0"/>
-              <a:t>2019-05-24</a:t>
+              <a:t>2019/5/24</a:t>
             </a:fld>
             <a:endParaRPr lang="zh-CN" altLang="en-US"/>
           </a:p>
@@ -10232,7 +10233,7 @@
           <a:p>
             <a:fld id="{99B4F46F-6241-4BBB-BE85-37F31B2F40D9}" type="datetime1">
               <a:rPr lang="zh-CN" altLang="en-US" smtClean="0"/>
-              <a:t>2019-05-24</a:t>
+              <a:t>2019/5/24</a:t>
             </a:fld>
             <a:endParaRPr lang="zh-CN" altLang="en-US"/>
           </a:p>
@@ -12579,7 +12580,7 @@
           <a:p>
             <a:fld id="{99B4F46F-6241-4BBB-BE85-37F31B2F40D9}" type="datetime1">
               <a:rPr lang="zh-CN" altLang="en-US" smtClean="0"/>
-              <a:t>2019-05-24</a:t>
+              <a:t>2019/5/24</a:t>
             </a:fld>
             <a:endParaRPr lang="zh-CN" altLang="en-US"/>
           </a:p>
@@ -16594,7 +16595,7 @@
                 <a:ea typeface="华文楷体" panose="02010600040101010101" pitchFamily="2" charset="-122"/>
                 <a:cs typeface="Times New Roman" panose="02020603050405020304" pitchFamily="18" charset="0"/>
               </a:rPr>
-              <a:t>仿真实验时，本文没有</a:t>
+              <a:t>仿真实验时</a:t>
             </a:r>
             <a:r>
               <a:rPr lang="zh-CN" altLang="en-US" sz="2400" dirty="0" smtClean="0">
@@ -16602,7 +16603,47 @@
                 <a:ea typeface="华文楷体" panose="02010600040101010101" pitchFamily="2" charset="-122"/>
                 <a:cs typeface="Times New Roman" panose="02020603050405020304" pitchFamily="18" charset="0"/>
               </a:rPr>
-              <a:t>进行对仿真网络多次</a:t>
+              <a:t>，</a:t>
+            </a:r>
+            <a:r>
+              <a:rPr lang="zh-CN" altLang="en-US" sz="2400" dirty="0">
+                <a:latin typeface="华文楷体" panose="02010600040101010101" pitchFamily="2" charset="-122"/>
+                <a:ea typeface="华文楷体" panose="02010600040101010101" pitchFamily="2" charset="-122"/>
+                <a:cs typeface="Times New Roman" panose="02020603050405020304" pitchFamily="18" charset="0"/>
+              </a:rPr>
+              <a:t>仍</a:t>
+            </a:r>
+            <a:r>
+              <a:rPr lang="zh-CN" altLang="en-US" sz="2400" dirty="0" smtClean="0">
+                <a:latin typeface="华文楷体" panose="02010600040101010101" pitchFamily="2" charset="-122"/>
+                <a:ea typeface="华文楷体" panose="02010600040101010101" pitchFamily="2" charset="-122"/>
+                <a:cs typeface="Times New Roman" panose="02020603050405020304" pitchFamily="18" charset="0"/>
+              </a:rPr>
+              <a:t>需</a:t>
+            </a:r>
+            <a:r>
+              <a:rPr lang="zh-CN" altLang="en-US" sz="2400" dirty="0" smtClean="0">
+                <a:latin typeface="华文楷体" panose="02010600040101010101" pitchFamily="2" charset="-122"/>
+                <a:ea typeface="华文楷体" panose="02010600040101010101" pitchFamily="2" charset="-122"/>
+                <a:cs typeface="Times New Roman" panose="02020603050405020304" pitchFamily="18" charset="0"/>
+              </a:rPr>
+              <a:t>对</a:t>
+            </a:r>
+            <a:r>
+              <a:rPr lang="zh-CN" altLang="en-US" sz="2400" dirty="0" smtClean="0">
+                <a:latin typeface="华文楷体" panose="02010600040101010101" pitchFamily="2" charset="-122"/>
+                <a:ea typeface="华文楷体" panose="02010600040101010101" pitchFamily="2" charset="-122"/>
+                <a:cs typeface="Times New Roman" panose="02020603050405020304" pitchFamily="18" charset="0"/>
+              </a:rPr>
+              <a:t>仿真</a:t>
+            </a:r>
+            <a:r>
+              <a:rPr lang="zh-CN" altLang="en-US" sz="2400" dirty="0" smtClean="0">
+                <a:latin typeface="华文楷体" panose="02010600040101010101" pitchFamily="2" charset="-122"/>
+                <a:ea typeface="华文楷体" panose="02010600040101010101" pitchFamily="2" charset="-122"/>
+                <a:cs typeface="Times New Roman" panose="02020603050405020304" pitchFamily="18" charset="0"/>
+              </a:rPr>
+              <a:t>网络再进行多次</a:t>
             </a:r>
             <a:r>
               <a:rPr lang="zh-CN" altLang="en-US" sz="2400" dirty="0">
@@ -16654,7 +16695,23 @@
                 <a:ea typeface="华文楷体" panose="02010600040101010101" pitchFamily="2" charset="-122"/>
                 <a:cs typeface="Times New Roman" panose="02020603050405020304" pitchFamily="18" charset="0"/>
               </a:rPr>
-              <a:t>，在面向区域故障的电力通信网备份算法所模拟的仿真环境中，没有对不同的无线备份算法进行对比仿真，仍需要进一步完善实验环境。后续的工作需要对上述要素进行差异化处理，使得实验环境更加贴近真实的电力通信网网络场景，增加实验结果的说服力。</a:t>
+              <a:t>，在面向区域故障的电力通信网备份算法所模拟的仿真环境中</a:t>
+            </a:r>
+            <a:r>
+              <a:rPr lang="zh-CN" altLang="en-US" sz="2400" dirty="0" smtClean="0">
+                <a:latin typeface="华文楷体" panose="02010600040101010101" pitchFamily="2" charset="-122"/>
+                <a:ea typeface="华文楷体" panose="02010600040101010101" pitchFamily="2" charset="-122"/>
+                <a:cs typeface="Times New Roman" panose="02020603050405020304" pitchFamily="18" charset="0"/>
+              </a:rPr>
+              <a:t>，仍需对</a:t>
+            </a:r>
+            <a:r>
+              <a:rPr lang="zh-CN" altLang="en-US" sz="2400" dirty="0">
+                <a:latin typeface="华文楷体" panose="02010600040101010101" pitchFamily="2" charset="-122"/>
+                <a:ea typeface="华文楷体" panose="02010600040101010101" pitchFamily="2" charset="-122"/>
+                <a:cs typeface="Times New Roman" panose="02020603050405020304" pitchFamily="18" charset="0"/>
+              </a:rPr>
+              <a:t>不同的无线备份算法进行对比仿真，仍需要进一步完善实验环境。后续的工作需要对上述要素进行差异化处理，使得实验环境更加贴近真实的电力通信网网络场景，增加实验结果的说服力。</a:t>
             </a:r>
             <a:endParaRPr lang="en-US" altLang="zh-CN" sz="2400" dirty="0" smtClean="0">
               <a:latin typeface="华文楷体" panose="02010600040101010101" pitchFamily="2" charset="-122"/>
@@ -17418,7 +17475,11 @@
             </a:r>
             <a:r>
               <a:rPr lang="zh-CN" altLang="en-US" sz="2400" dirty="0" smtClean="0"/>
-              <a:t>面向多种故障类型的</a:t>
+              <a:t>面向级联故障和区域故障类型</a:t>
+            </a:r>
+            <a:r>
+              <a:rPr lang="zh-CN" altLang="en-US" sz="2400" dirty="0" smtClean="0"/>
+              <a:t>的</a:t>
             </a:r>
             <a:r>
               <a:rPr lang="zh-CN" altLang="en-US" sz="2400" dirty="0"/>
@@ -17628,7 +17689,7 @@
         <p:spPr>
           <a:xfrm>
             <a:off x="804593" y="1433015"/>
-            <a:ext cx="10568075" cy="5447645"/>
+            <a:ext cx="10568075" cy="6186309"/>
           </a:xfrm>
           <a:prstGeom prst="rect">
             <a:avLst/>
@@ -17677,7 +17738,19 @@
             </a:r>
             <a:r>
               <a:rPr lang="zh-CN" altLang="en-US" sz="2400" dirty="0" smtClean="0"/>
-              <a:t>网络理论</a:t>
+              <a:t>网络理论，</a:t>
+            </a:r>
+            <a:r>
+              <a:rPr lang="zh-CN" altLang="zh-CN" sz="2400" dirty="0" smtClean="0"/>
+              <a:t>从</a:t>
+            </a:r>
+            <a:r>
+              <a:rPr lang="zh-CN" altLang="zh-CN" sz="2400" dirty="0"/>
+              <a:t>网络效率的角度来评估电力通信网络的</a:t>
+            </a:r>
+            <a:r>
+              <a:rPr lang="zh-CN" altLang="zh-CN" sz="2400" dirty="0" smtClean="0"/>
+              <a:t>脆弱性。</a:t>
             </a:r>
             <a:endParaRPr lang="en-US" altLang="zh-CN" sz="2400" dirty="0" smtClean="0"/>
           </a:p>
@@ -17703,7 +17776,15 @@
             </a:r>
             <a:r>
               <a:rPr lang="zh-CN" altLang="en-US" sz="2400" dirty="0" smtClean="0"/>
-              <a:t>服务</a:t>
+              <a:t>服务，</a:t>
+            </a:r>
+            <a:r>
+              <a:rPr lang="zh-CN" altLang="zh-CN" sz="2400" dirty="0" smtClean="0"/>
+              <a:t>通过</a:t>
+            </a:r>
+            <a:r>
+              <a:rPr lang="zh-CN" altLang="zh-CN" sz="2400" dirty="0"/>
+              <a:t>建立合理的安全评估系统来提高通信网络的鲁棒性。</a:t>
             </a:r>
             <a:endParaRPr lang="zh-CN" altLang="en-US" sz="2400" dirty="0"/>
           </a:p>
@@ -17910,15 +17991,7 @@
                 <a:ea typeface="华文楷体" panose="02010600040101010101" pitchFamily="2" charset="-122"/>
                 <a:cs typeface="Times New Roman" panose="02020603050405020304" pitchFamily="18" charset="0"/>
               </a:rPr>
-              <a:t>要解决</a:t>
-            </a:r>
-            <a:r>
-              <a:rPr lang="zh-CN" altLang="en-US" sz="2400" b="1" dirty="0" smtClean="0">
-                <a:latin typeface="华文楷体" panose="02010600040101010101" pitchFamily="2" charset="-122"/>
-                <a:ea typeface="华文楷体" panose="02010600040101010101" pitchFamily="2" charset="-122"/>
-                <a:cs typeface="Times New Roman" panose="02020603050405020304" pitchFamily="18" charset="0"/>
-              </a:rPr>
-              <a:t>的问题</a:t>
+              <a:t>要解决的问题</a:t>
             </a:r>
             <a:endParaRPr lang="en-US" altLang="zh-CN" sz="2400" b="1" dirty="0" smtClean="0">
               <a:latin typeface="华文楷体" panose="02010600040101010101" pitchFamily="2" charset="-122"/>
@@ -17971,7 +18044,7 @@
                 <a:latin typeface="华文楷体" panose="02010600040101010101" pitchFamily="2" charset="-122"/>
                 <a:ea typeface="华文楷体" panose="02010600040101010101" pitchFamily="2" charset="-122"/>
               </a:rPr>
-              <a:t>分析</a:t>
+              <a:t>分析。</a:t>
             </a:r>
             <a:endParaRPr lang="en-US" altLang="zh-CN" sz="2400" dirty="0" smtClean="0">
               <a:solidFill>
@@ -18017,7 +18090,7 @@
                 <a:latin typeface="华文楷体" panose="02010600040101010101" pitchFamily="2" charset="-122"/>
                 <a:ea typeface="华文楷体" panose="02010600040101010101" pitchFamily="2" charset="-122"/>
               </a:rPr>
-              <a:t>需求</a:t>
+              <a:t>需求。</a:t>
             </a:r>
             <a:endParaRPr lang="en-US" altLang="zh-CN" sz="2400" dirty="0" smtClean="0">
               <a:solidFill>

--- a/2016111417_夏震_答辩PPT.pptx
+++ b/2016111417_夏震_答辩PPT.pptx
@@ -6,7 +6,7 @@
     <p:sldMasterId id="2147483791" r:id="rId2"/>
   </p:sldMasterIdLst>
   <p:notesMasterIdLst>
-    <p:notesMasterId r:id="rId22"/>
+    <p:notesMasterId r:id="rId21"/>
   </p:notesMasterIdLst>
   <p:sldIdLst>
     <p:sldId id="256" r:id="rId3"/>
@@ -24,10 +24,9 @@
     <p:sldId id="302" r:id="rId15"/>
     <p:sldId id="296" r:id="rId16"/>
     <p:sldId id="303" r:id="rId17"/>
-    <p:sldId id="297" r:id="rId18"/>
-    <p:sldId id="289" r:id="rId19"/>
-    <p:sldId id="299" r:id="rId20"/>
-    <p:sldId id="269" r:id="rId21"/>
+    <p:sldId id="289" r:id="rId18"/>
+    <p:sldId id="299" r:id="rId19"/>
+    <p:sldId id="269" r:id="rId20"/>
   </p:sldIdLst>
   <p:sldSz cx="12192000" cy="6858000"/>
   <p:notesSz cx="6858000" cy="9144000"/>
@@ -228,7 +227,7 @@
           <a:p>
             <a:fld id="{CF21178E-41DD-435F-9943-0C570A4E2608}" type="datetimeFigureOut">
               <a:rPr lang="zh-CN" altLang="en-US" smtClean="0"/>
-              <a:t>2019/5/24</a:t>
+              <a:t>2019/5/25</a:t>
             </a:fld>
             <a:endParaRPr lang="zh-CN" altLang="en-US"/>
           </a:p>
@@ -651,19 +650,7 @@
                 <a:ea typeface="+mn-ea"/>
                 <a:cs typeface="+mn-cs"/>
               </a:rPr>
-              <a:t>具体</a:t>
-            </a:r>
-            <a:r>
-              <a:rPr lang="zh-CN" altLang="zh-CN" sz="1200" kern="1200" dirty="0" smtClean="0">
-                <a:solidFill>
-                  <a:schemeClr val="tx1"/>
-                </a:solidFill>
-                <a:effectLst/>
-                <a:latin typeface="+mn-lt"/>
-                <a:ea typeface="+mn-ea"/>
-                <a:cs typeface="+mn-cs"/>
-              </a:rPr>
-              <a:t>方法是通过在网络拓扑内部和拓扑周围根据一定方式生成一组样本点。这些样本点将作为区域故障的中心点，结合不同大小的故障半径生成一组随机的区域故障。通过这些故障对网络拓扑的影响来评估网络组件对区域故障的抗性。</a:t>
+              <a:t>具体方法是通过在网络拓扑内部和拓扑周围根据一定方式生成一组样本点。这些样本点将作为区域故障的中心点，结合不同大小的故障半径生成一组随机的区域故障。通过这些故障对网络拓扑的影响来评估网络组件对区域故障的抗性。</a:t>
             </a:r>
           </a:p>
           <a:p>
@@ -753,72 +740,44 @@
           <a:p>
             <a:r>
               <a:rPr lang="zh-CN" altLang="en-US" dirty="0" smtClean="0"/>
-              <a:t>本文提出</a:t>
+              <a:t>提出的备份</a:t>
             </a:r>
             <a:r>
               <a:rPr lang="zh-CN" altLang="en-US" dirty="0" smtClean="0"/>
-              <a:t>的</a:t>
-            </a:r>
-            <a:r>
-              <a:rPr lang="en-US" altLang="zh-CN" dirty="0" smtClean="0"/>
-              <a:t>SPA</a:t>
-            </a:r>
+              <a:t>算法有效地提高了网络对区域故障的鲁棒性。本章所提出的算法在各种概率函数下均表现出更好的性能。这同算法的具体思路不同有很大的关系，比如仿真实验中的对比算法为传统的应对区域故障的故障容忍算法，其着力安放的定位地标在区域故障的故障半径较小的情况下表现尚可，但是随着破坏的加深，算法内部所分配的地标将出现大量的故障情况，具体的外在表现就是骤降式的网络崩坏。</a:t>
+            </a:r>
+            <a:endParaRPr lang="en-US" altLang="zh-CN" dirty="0" smtClean="0"/>
+          </a:p>
+          <a:p>
             <a:r>
               <a:rPr lang="zh-CN" altLang="en-US" dirty="0" smtClean="0"/>
-              <a:t>备份算法有效地提高了网络对区域故障的鲁棒性。本章所提出的算法在各种概率函数下均表现出更好的性能</a:t>
+              <a:t>另一种对比算法</a:t>
             </a:r>
             <a:r>
               <a:rPr lang="zh-CN" altLang="en-US" dirty="0" smtClean="0"/>
-              <a:t>。这</a:t>
+              <a:t>借助的是进行概率感知的方式，所以仿真中存在网络波动大、结果不准确的情况。本文提出</a:t>
             </a:r>
             <a:r>
               <a:rPr lang="zh-CN" altLang="en-US" dirty="0" smtClean="0"/>
-              <a:t>同算法的具体思路不同有很大的关系，比如仿真实验中的对比</a:t>
+              <a:t>的算法</a:t>
             </a:r>
             <a:r>
               <a:rPr lang="zh-CN" altLang="en-US" dirty="0" smtClean="0"/>
-              <a:t>算法为传统的应对区域故障的故障容忍算法，</a:t>
-            </a:r>
+              <a:t>表现较好的原因主要是摈弃了传统的地理地标的方式，是通过对区域故障的采样模拟和根据链路的具体形态进行分析之后进行的针对性备份。</a:t>
+            </a:r>
+          </a:p>
+          <a:p>
             <a:r>
               <a:rPr lang="zh-CN" altLang="en-US" dirty="0" smtClean="0"/>
-              <a:t>其着力安放的定位地标在区域故障的故障半径较小的情况下表现尚可，但是随着破坏的加深，算法内部所分配的地标将出现大量的故障情况，具体的外在表现就是骤降式的网络崩坏</a:t>
+              <a:t>    在区域故障的故障容忍方面</a:t>
             </a:r>
             <a:r>
               <a:rPr lang="zh-CN" altLang="en-US" dirty="0" smtClean="0"/>
-              <a:t>。</a:t>
-            </a:r>
-            <a:endParaRPr lang="en-US" altLang="zh-CN" dirty="0" smtClean="0"/>
-          </a:p>
-          <a:p>
-            <a:r>
-              <a:rPr lang="en-US" altLang="zh-CN" dirty="0" smtClean="0"/>
-              <a:t>PRFAA</a:t>
+              <a:t>，提出算法表现</a:t>
             </a:r>
             <a:r>
               <a:rPr lang="zh-CN" altLang="en-US" dirty="0" smtClean="0"/>
-              <a:t>算法借助的是进行概率感知的方式，所以仿真中存在网络波动大、结果不准确的情况。本文提出的</a:t>
-            </a:r>
-            <a:r>
-              <a:rPr lang="en-US" altLang="zh-CN" dirty="0" smtClean="0"/>
-              <a:t>SPA</a:t>
-            </a:r>
-            <a:r>
-              <a:rPr lang="zh-CN" altLang="en-US" dirty="0" smtClean="0"/>
-              <a:t>算法表现较好的原因主要是摈弃了传统的地理地标的方式，是通过对区域故障的采样模拟和根据链路的具体形态进行分析之后进行的针对性备份。</a:t>
-            </a:r>
-          </a:p>
-          <a:p>
-            <a:r>
-              <a:rPr lang="zh-CN" altLang="en-US" dirty="0" smtClean="0"/>
-              <a:t>    在区域故障的故障容忍方面，</a:t>
-            </a:r>
-            <a:r>
-              <a:rPr lang="en-US" altLang="zh-CN" dirty="0" smtClean="0"/>
-              <a:t>SPA</a:t>
-            </a:r>
-            <a:r>
-              <a:rPr lang="zh-CN" altLang="en-US" dirty="0" smtClean="0"/>
-              <a:t>表现出比其他算法更高的性能。目前，在故障容忍领域中使用的算法要么对区域故障的分析不够充分，要么没有针对区域故障进行相应的优化。仿真实验已经展示出对比算法在故障半径较大的区域故障中的表现不佳</a:t>
+              <a:t>出比其他算法更高的性能。目前，在故障容忍领域中使用的算法要么对区域故障的分析不够充分，要么没有针对区域故障进行相应的优化。仿真实验已经展示出对比算法在故障半径较大的区域故障中的表现不佳</a:t>
             </a:r>
             <a:r>
               <a:rPr lang="en-US" altLang="zh-CN" dirty="0" smtClean="0"/>
@@ -834,23 +793,23 @@
             </a:r>
             <a:r>
               <a:rPr lang="zh-CN" altLang="en-US" dirty="0" smtClean="0"/>
-              <a:t>，而</a:t>
-            </a:r>
-            <a:r>
-              <a:rPr lang="en-US" altLang="zh-CN" dirty="0" smtClean="0"/>
-              <a:t>SPA</a:t>
+              <a:t>，</a:t>
             </a:r>
             <a:r>
               <a:rPr lang="zh-CN" altLang="en-US" dirty="0" smtClean="0"/>
-              <a:t>可以进行更准确的链路备份。特别地，可以通过调整网络拓扑的拓扑结构和区域故障概率函数的方式对</a:t>
-            </a:r>
-            <a:r>
-              <a:rPr lang="en-US" altLang="zh-CN" dirty="0" smtClean="0"/>
-              <a:t>SPA</a:t>
+              <a:t>而本算法可以</a:t>
             </a:r>
             <a:r>
               <a:rPr lang="zh-CN" altLang="en-US" dirty="0" smtClean="0"/>
-              <a:t>算法的性能进行更深入的研究探讨。</a:t>
+              <a:t>进行更准确的链路备份。特别地，可以通过调整网络拓扑的拓扑结构和区域故障概率函数的方式</a:t>
+            </a:r>
+            <a:r>
+              <a:rPr lang="zh-CN" altLang="en-US" dirty="0" smtClean="0"/>
+              <a:t>对算法</a:t>
+            </a:r>
+            <a:r>
+              <a:rPr lang="zh-CN" altLang="en-US" dirty="0" smtClean="0"/>
+              <a:t>的性能进行更深入的研究探讨。</a:t>
             </a:r>
           </a:p>
           <a:p>
@@ -959,7 +918,7 @@
           <a:p>
             <a:fld id="{FD2D9F12-743F-4DF1-A271-2AB02D9A496A}" type="slidenum">
               <a:rPr lang="zh-CN" altLang="en-US" smtClean="0"/>
-              <a:t>17</a:t>
+              <a:t>16</a:t>
             </a:fld>
             <a:endParaRPr lang="zh-CN" altLang="en-US"/>
           </a:p>
@@ -1043,7 +1002,7 @@
           <a:p>
             <a:fld id="{FD2D9F12-743F-4DF1-A271-2AB02D9A496A}" type="slidenum">
               <a:rPr lang="zh-CN" altLang="en-US" smtClean="0"/>
-              <a:t>18</a:t>
+              <a:t>17</a:t>
             </a:fld>
             <a:endParaRPr lang="zh-CN" altLang="en-US"/>
           </a:p>
@@ -1127,7 +1086,7 @@
           <a:p>
             <a:fld id="{FD2D9F12-743F-4DF1-A271-2AB02D9A496A}" type="slidenum">
               <a:rPr lang="zh-CN" altLang="en-US" smtClean="0"/>
-              <a:t>19</a:t>
+              <a:t>18</a:t>
             </a:fld>
             <a:endParaRPr lang="zh-CN" altLang="en-US"/>
           </a:p>
@@ -1283,7 +1242,60 @@
           <a:p>
             <a:r>
               <a:rPr lang="zh-CN" altLang="en-US" dirty="0" smtClean="0"/>
-              <a:t>电力通信网的主要工作是协调电力系统发电部件、送电部件、变电部件、配电部件、用电部件等组成部分的联合运转，并有力地保障了电力生产和电网调度自动化的通信需求。提高电力通信网的通信质量、增强电力通信网的可靠性十分重要，这是一个贯穿整个电力通信网生命周期的持续过程。故障容忍是在发生不同类型的故障时，故障处理系统可以为故障单元提供可替代组件以避免系统出错的处理机制。故障容忍可以通过增强电力通信网的可靠性来保证电力通信网能继续提供服务，从而支撑着电网的安全运行。</a:t>
+              <a:t>电力通信网的主要工作是协调电力</a:t>
+            </a:r>
+            <a:r>
+              <a:rPr lang="zh-CN" altLang="en-US" dirty="0" smtClean="0"/>
+              <a:t>系统的</a:t>
+            </a:r>
+            <a:r>
+              <a:rPr lang="zh-CN" altLang="en-US" dirty="0" smtClean="0"/>
+              <a:t>联合运转，并有力地保障了电力生产和电网调度自动化的通信需求</a:t>
+            </a:r>
+            <a:r>
+              <a:rPr lang="zh-CN" altLang="en-US" dirty="0" smtClean="0"/>
+              <a:t>。</a:t>
+            </a:r>
+            <a:endParaRPr lang="en-US" altLang="zh-CN" dirty="0" smtClean="0"/>
+          </a:p>
+          <a:p>
+            <a:r>
+              <a:rPr lang="zh-CN" altLang="en-US" dirty="0" smtClean="0"/>
+              <a:t>提高</a:t>
+            </a:r>
+            <a:r>
+              <a:rPr lang="zh-CN" altLang="en-US" dirty="0" smtClean="0"/>
+              <a:t>电力通信网的通信质量、增强电力通信网的可靠性十分重要，这是一个贯穿整个电力通信网生命周期的持续过程</a:t>
+            </a:r>
+            <a:r>
+              <a:rPr lang="zh-CN" altLang="en-US" dirty="0" smtClean="0"/>
+              <a:t>。</a:t>
+            </a:r>
+            <a:endParaRPr lang="en-US" altLang="zh-CN" dirty="0" smtClean="0"/>
+          </a:p>
+          <a:p>
+            <a:r>
+              <a:rPr lang="zh-CN" altLang="en-US" dirty="0" smtClean="0"/>
+              <a:t>故障</a:t>
+            </a:r>
+            <a:r>
+              <a:rPr lang="zh-CN" altLang="en-US" dirty="0" smtClean="0"/>
+              <a:t>容忍是在发生不同类型的故障时，故障处理系统可以为故障单元提供可替代组件以避免系统出错的处理机制</a:t>
+            </a:r>
+            <a:r>
+              <a:rPr lang="zh-CN" altLang="en-US" dirty="0" smtClean="0"/>
+              <a:t>。</a:t>
+            </a:r>
+            <a:endParaRPr lang="en-US" altLang="zh-CN" dirty="0" smtClean="0"/>
+          </a:p>
+          <a:p>
+            <a:r>
+              <a:rPr lang="zh-CN" altLang="en-US" dirty="0" smtClean="0"/>
+              <a:t>故障</a:t>
+            </a:r>
+            <a:r>
+              <a:rPr lang="zh-CN" altLang="en-US" dirty="0" smtClean="0"/>
+              <a:t>容忍可以通过增强电力通信网的可靠性来保证电力通信网能继续提供服务，从而支撑着电网的安全运行。</a:t>
             </a:r>
           </a:p>
           <a:p>
@@ -1314,7 +1326,19 @@
                 <a:ea typeface="+mn-ea"/>
                 <a:cs typeface="+mn-cs"/>
               </a:rPr>
-              <a:t>电力通信网中的故障存在两种类型，区域故障和级联故障。</a:t>
+              <a:t>电力通信网中的故障存在两种类型，区域故障和级联故障</a:t>
+            </a:r>
+            <a:r>
+              <a:rPr lang="zh-CN" altLang="en-US" sz="1200" kern="1200" dirty="0" smtClean="0">
+                <a:solidFill>
+                  <a:schemeClr val="tx1"/>
+                </a:solidFill>
+                <a:effectLst/>
+                <a:latin typeface="+mn-lt"/>
+                <a:ea typeface="+mn-ea"/>
+                <a:cs typeface="+mn-cs"/>
+              </a:rPr>
+              <a:t>。</a:t>
             </a:r>
             <a:endParaRPr lang="en-US" altLang="zh-CN" sz="1200" kern="1200" dirty="0" smtClean="0">
               <a:solidFill>
@@ -1344,6 +1368,34 @@
               <a:tabLst/>
               <a:defRPr/>
             </a:pPr>
+            <a:endParaRPr lang="en-US" altLang="zh-CN" sz="1200" kern="1200" dirty="0" smtClean="0">
+              <a:solidFill>
+                <a:schemeClr val="tx1"/>
+              </a:solidFill>
+              <a:effectLst/>
+              <a:latin typeface="+mn-lt"/>
+              <a:ea typeface="+mn-ea"/>
+              <a:cs typeface="+mn-cs"/>
+            </a:endParaRPr>
+          </a:p>
+          <a:p>
+            <a:pPr marL="0" marR="0" indent="0" algn="l" defTabSz="914400" rtl="0" eaLnBrk="1" fontAlgn="auto" latinLnBrk="0" hangingPunct="1">
+              <a:lnSpc>
+                <a:spcPct val="100000"/>
+              </a:lnSpc>
+              <a:spcBef>
+                <a:spcPts val="0"/>
+              </a:spcBef>
+              <a:spcAft>
+                <a:spcPts val="0"/>
+              </a:spcAft>
+              <a:buClrTx/>
+              <a:buSzTx/>
+              <a:buFontTx/>
+              <a:buNone/>
+              <a:tabLst/>
+              <a:defRPr/>
+            </a:pPr>
             <a:r>
               <a:rPr lang="zh-CN" altLang="zh-CN" sz="1200" kern="1200" dirty="0" smtClean="0">
                 <a:solidFill>
@@ -1354,7 +1406,7 @@
                 <a:ea typeface="+mn-ea"/>
                 <a:cs typeface="+mn-cs"/>
               </a:rPr>
-              <a:t>电力</a:t>
+              <a:t>电力通信网络的耦合特性是电力通信网研究的难点。电力通信基础设施和电力系统的高度互联互通导致了电力通信网与电力系统紧密耦合现象的出现，最终形成了与简单通信网络拓扑结构完全不同的互依耦合网络。当电力网络中的电站节点发生故障时，与该电站节点工作和业务紧密相连的电力通信网络中路由节点将失去电力供应源，这将会导致电力通信网的连通性遭到破坏。这连通性破坏又会引发调度中心对电站子站的具体电力调度失去应具有的精准网络控制调度能力。由于电力业务的高度时间敏感性和不能大规模存储电力系统状态的特点，这导致与故障节点相连的电力线路发生过载情况，从而引起电力网络中其余的电站发生电力过载现象，最终将会引起级联</a:t>
             </a:r>
             <a:r>
               <a:rPr lang="zh-CN" altLang="zh-CN" sz="1200" kern="1200" dirty="0" smtClean="0">
@@ -1366,10 +1418,38 @@
                 <a:ea typeface="+mn-ea"/>
                 <a:cs typeface="+mn-cs"/>
               </a:rPr>
-              <a:t>通信网络的耦合特性是电力通信网研究的难点。电力通信基础设施和电力系统的高度互联互通导致了电力通信网与电力系统紧密耦合现象的出现，最终形成了与简单通信网络拓扑结构完全不同的互依耦合网络。当电力网络中的电站节点发生故障时，与该电站节点工作和业务紧密相连的电力通信网络中路由节点将失去电力供应源，这将会导致电力通信网的连通性遭到破坏。这连通性破坏又会引发调度中心对电站子站的具体电力调度失去应具有的精准网络控制调度能力。由于电力业务的高度时间敏感性和不能大规模存储电力系统状态的特点，这导致与故障节点相连的电力线路发生过载情况，从而引起电力网络中其余的电站发生电力过载现象，最终将会引起级联故障</a:t>
-            </a:r>
-            <a:r>
-              <a:rPr lang="en-US" altLang="zh-CN" sz="1200" kern="1200" dirty="0" smtClean="0">
+              <a:t>故障。</a:t>
+            </a:r>
+            <a:endParaRPr lang="en-US" altLang="zh-CN" sz="1200" kern="1200" dirty="0" smtClean="0">
+              <a:solidFill>
+                <a:schemeClr val="tx1"/>
+              </a:solidFill>
+              <a:effectLst/>
+              <a:latin typeface="+mn-lt"/>
+              <a:ea typeface="+mn-ea"/>
+              <a:cs typeface="+mn-cs"/>
+            </a:endParaRPr>
+          </a:p>
+          <a:p>
+            <a:pPr marL="0" marR="0" indent="0" algn="l" defTabSz="914400" rtl="0" eaLnBrk="1" fontAlgn="auto" latinLnBrk="0" hangingPunct="1">
+              <a:lnSpc>
+                <a:spcPct val="100000"/>
+              </a:lnSpc>
+              <a:spcBef>
+                <a:spcPts val="0"/>
+              </a:spcBef>
+              <a:spcAft>
+                <a:spcPts val="0"/>
+              </a:spcAft>
+              <a:buClrTx/>
+              <a:buSzTx/>
+              <a:buFontTx/>
+              <a:buNone/>
+              <a:tabLst/>
+              <a:defRPr/>
+            </a:pPr>
+            <a:r>
+              <a:rPr lang="zh-CN" altLang="zh-CN" sz="1200" kern="1200" dirty="0" smtClean="0">
                 <a:solidFill>
                   <a:schemeClr val="tx1"/>
                 </a:solidFill>
@@ -1378,7 +1458,7 @@
                 <a:ea typeface="+mn-ea"/>
                 <a:cs typeface="+mn-cs"/>
               </a:rPr>
-              <a:t>[6]</a:t>
+              <a:t>如何</a:t>
             </a:r>
             <a:r>
               <a:rPr lang="zh-CN" altLang="zh-CN" sz="1200" kern="1200" dirty="0" smtClean="0">
@@ -1390,10 +1470,10 @@
                 <a:ea typeface="+mn-ea"/>
                 <a:cs typeface="+mn-cs"/>
               </a:rPr>
-              <a:t>。如何对电力通信网耦合网络的数学模型进行建模已经引起了国内外研究机构的广泛关注，并取得了一些在模型建立方面的研究成果</a:t>
-            </a:r>
-            <a:r>
-              <a:rPr lang="en-US" altLang="zh-CN" sz="1200" kern="1200" dirty="0" smtClean="0">
+              <a:t>对电力通信网耦合网络的数学模型进行建模已经引起了国内外研究机构的广泛关注，并取得了一些在模型建立方面的研究</a:t>
+            </a:r>
+            <a:r>
+              <a:rPr lang="zh-CN" altLang="zh-CN" sz="1200" kern="1200" dirty="0" smtClean="0">
                 <a:solidFill>
                   <a:schemeClr val="tx1"/>
                 </a:solidFill>
@@ -1402,7 +1482,7 @@
                 <a:ea typeface="+mn-ea"/>
                 <a:cs typeface="+mn-cs"/>
               </a:rPr>
-              <a:t>0</a:t>
+              <a:t>成果。</a:t>
             </a:r>
             <a:r>
               <a:rPr lang="zh-CN" altLang="zh-CN" sz="1200" kern="1200" dirty="0" smtClean="0">
@@ -1414,10 +1494,10 @@
                 <a:ea typeface="+mn-ea"/>
                 <a:cs typeface="+mn-cs"/>
               </a:rPr>
-              <a:t>。但是现存的关于可靠性、生存性和脆弱性研究的方法大多只关注互依耦合网络的外部特征，忽略了对耦合网络内部节点故障的相关分析</a:t>
-            </a:r>
-            <a:r>
-              <a:rPr lang="en-US" altLang="zh-CN" sz="1200" kern="1200" dirty="0" smtClean="0">
+              <a:t>但是现存的关于可靠性、生存性和脆弱性研究的方法大多只关注互依耦合网络的外部特征，忽略了对耦合网络内部节点故障的</a:t>
+            </a:r>
+            <a:r>
+              <a:rPr lang="zh-CN" altLang="zh-CN" sz="1200" kern="1200" dirty="0" smtClean="0">
                 <a:solidFill>
                   <a:schemeClr val="tx1"/>
                 </a:solidFill>
@@ -1426,7 +1506,7 @@
                 <a:ea typeface="+mn-ea"/>
                 <a:cs typeface="+mn-cs"/>
               </a:rPr>
-              <a:t>[7]</a:t>
+              <a:t>相关分析。</a:t>
             </a:r>
             <a:r>
               <a:rPr lang="zh-CN" altLang="zh-CN" sz="1200" kern="1200" dirty="0" smtClean="0">
@@ -1438,7 +1518,7 @@
                 <a:ea typeface="+mn-ea"/>
                 <a:cs typeface="+mn-cs"/>
               </a:rPr>
-              <a:t>。目前的研究方法很难对级联故障过程做出实时快速的响应，这将导致级联故障无法得到及时的处理，对网络造成更严重的破坏。</a:t>
+              <a:t>目前的研究方法很难对级联故障过程做出实时快速的响应，这将导致级联故障无法得到及时的处理，对网络造成更严重的破坏。</a:t>
             </a:r>
           </a:p>
           <a:p>
@@ -1446,32 +1526,36 @@
           </a:p>
           <a:p>
             <a:r>
+              <a:rPr lang="zh-CN" altLang="en-US" smtClean="0"/>
+              <a:t>在区域故障</a:t>
+            </a:r>
+            <a:r>
               <a:rPr lang="zh-CN" altLang="en-US" dirty="0" smtClean="0"/>
-              <a:t>在网络故障处理方面，现有的大部分研究工作主要集中在减少单个或多个链路发生故障上</a:t>
-            </a:r>
-            <a:r>
-              <a:rPr lang="en-US" altLang="zh-CN" dirty="0" smtClean="0"/>
-              <a:t>[8]</a:t>
+              <a:t>处理方面，现有的大部分研究工作主要集中在减少单个或多个链路发生故障</a:t>
             </a:r>
             <a:r>
               <a:rPr lang="zh-CN" altLang="en-US" dirty="0" smtClean="0"/>
-              <a:t>。目前这一领域的研究主要关注在模型建模失败造成的影响以及网络基础设施对故障的脆弱性分析方面</a:t>
-            </a:r>
-            <a:r>
-              <a:rPr lang="en-US" altLang="zh-CN" dirty="0" smtClean="0"/>
-              <a:t>[8]</a:t>
+              <a:t>上。</a:t>
             </a:r>
             <a:r>
               <a:rPr lang="zh-CN" altLang="en-US" dirty="0" smtClean="0"/>
-              <a:t>。对于具体的区域性范围的故障容忍策略依然考虑的不够完善。虽然此类随机性灾害的发生概率较小，但是波及和影响范围很大</a:t>
-            </a:r>
-            <a:r>
-              <a:rPr lang="en-US" altLang="zh-CN" dirty="0" smtClean="0"/>
-              <a:t>[9]</a:t>
+              <a:t>目前这一领域的研究主要关注在模型建模失败造成的影响以及网络基础设施对故障的脆弱性分析</a:t>
             </a:r>
             <a:r>
               <a:rPr lang="zh-CN" altLang="en-US" dirty="0" smtClean="0"/>
-              <a:t>。目前网络运营商在发生大规模区域故障时提供服务连续性的典型方法是分配额外的备用链路。然而，因为主链路和备用链路都容易受到灾难引起的相同影响</a:t>
+              <a:t>方面。</a:t>
+            </a:r>
+            <a:r>
+              <a:rPr lang="zh-CN" altLang="en-US" dirty="0" smtClean="0"/>
+              <a:t>对于具体的区域性范围的故障容忍策略依然考虑的不够完善。虽然此类随机性灾害的发生概率较小，但是波及和影响范围</a:t>
+            </a:r>
+            <a:r>
+              <a:rPr lang="zh-CN" altLang="en-US" dirty="0" smtClean="0"/>
+              <a:t>很大。</a:t>
+            </a:r>
+            <a:r>
+              <a:rPr lang="zh-CN" altLang="en-US" dirty="0" smtClean="0"/>
+              <a:t>目前网络运营商在发生大规模区域故障时提供服务连续性的典型方法是分配额外的备用链路。然而，因为主链路和备用链路都容易受到灾难引起的相同影响</a:t>
             </a:r>
             <a:r>
               <a:rPr lang="en-US" altLang="zh-CN" dirty="0" smtClean="0"/>
@@ -1487,16 +1571,13 @@
             </a:r>
             <a:r>
               <a:rPr lang="zh-CN" altLang="en-US" dirty="0" smtClean="0"/>
-              <a:t>，所以在物理上增加网络冗余效率很低并且成本很高</a:t>
-            </a:r>
-            <a:r>
-              <a:rPr lang="en-US" altLang="zh-CN" dirty="0" smtClean="0"/>
-              <a:t>[12]</a:t>
+              <a:t>，所以在物理上增加网络冗余效率很低并且成本很</a:t>
             </a:r>
             <a:r>
               <a:rPr lang="zh-CN" altLang="en-US" dirty="0" smtClean="0"/>
-              <a:t>。</a:t>
-            </a:r>
+              <a:t>高。</a:t>
+            </a:r>
+            <a:endParaRPr lang="zh-CN" altLang="en-US" dirty="0" smtClean="0"/>
           </a:p>
           <a:p>
             <a:r>
@@ -1590,8 +1671,19 @@
           <a:lstStyle/>
           <a:p>
             <a:pPr lvl="2"/>
-            <a:r>
-              <a:rPr lang="zh-CN" altLang="zh-CN" sz="1200" kern="1200" dirty="0" smtClean="0">
+            <a:endParaRPr lang="zh-CN" altLang="zh-CN" sz="1400" kern="1200" dirty="0" smtClean="0">
+              <a:solidFill>
+                <a:schemeClr val="tx1"/>
+              </a:solidFill>
+              <a:effectLst/>
+              <a:latin typeface="+mn-lt"/>
+              <a:ea typeface="+mn-ea"/>
+              <a:cs typeface="+mn-cs"/>
+            </a:endParaRPr>
+          </a:p>
+          <a:p>
+            <a:r>
+              <a:rPr lang="zh-CN" altLang="en-US" sz="1200" kern="1200" dirty="0" smtClean="0">
                 <a:solidFill>
                   <a:schemeClr val="tx1"/>
                 </a:solidFill>
@@ -1600,31 +1692,7 @@
                 <a:ea typeface="+mn-ea"/>
                 <a:cs typeface="+mn-cs"/>
               </a:rPr>
-              <a:t>级</a:t>
-            </a:r>
-            <a:r>
-              <a:rPr lang="zh-CN" altLang="zh-CN" sz="1200" kern="1200" dirty="0" smtClean="0">
-                <a:solidFill>
-                  <a:schemeClr val="tx1"/>
-                </a:solidFill>
-                <a:effectLst/>
-                <a:latin typeface="+mn-lt"/>
-                <a:ea typeface="+mn-ea"/>
-                <a:cs typeface="+mn-cs"/>
-              </a:rPr>
-              <a:t>联故障容忍研究</a:t>
-            </a:r>
-            <a:r>
-              <a:rPr lang="zh-CN" altLang="zh-CN" sz="1200" kern="1200" dirty="0" smtClean="0">
-                <a:solidFill>
-                  <a:schemeClr val="tx1"/>
-                </a:solidFill>
-                <a:effectLst/>
-                <a:latin typeface="+mn-lt"/>
-                <a:ea typeface="+mn-ea"/>
-                <a:cs typeface="+mn-cs"/>
-              </a:rPr>
-              <a:t>现状</a:t>
+              <a:t>级联故障：</a:t>
             </a:r>
             <a:endParaRPr lang="en-US" altLang="zh-CN" sz="1200" kern="1200" dirty="0" smtClean="0">
               <a:solidFill>
@@ -1637,18 +1705,6 @@
             </a:endParaRPr>
           </a:p>
           <a:p>
-            <a:pPr lvl="2"/>
-            <a:endParaRPr lang="zh-CN" altLang="zh-CN" sz="1400" kern="1200" dirty="0" smtClean="0">
-              <a:solidFill>
-                <a:schemeClr val="tx1"/>
-              </a:solidFill>
-              <a:effectLst/>
-              <a:latin typeface="+mn-lt"/>
-              <a:ea typeface="+mn-ea"/>
-              <a:cs typeface="+mn-cs"/>
-            </a:endParaRPr>
-          </a:p>
-          <a:p>
             <a:r>
               <a:rPr lang="zh-CN" altLang="zh-CN" sz="1200" kern="1200" dirty="0" smtClean="0">
                 <a:solidFill>
@@ -1659,10 +1715,10 @@
                 <a:ea typeface="+mn-ea"/>
                 <a:cs typeface="+mn-cs"/>
               </a:rPr>
-              <a:t>第一</a:t>
-            </a:r>
-            <a:r>
-              <a:rPr lang="zh-CN" altLang="zh-CN" sz="1200" kern="1200" dirty="0" smtClean="0">
+              <a:t>第一个方向是基于复杂网络理论，从网络效率的角度来评估电力通信网络的脆弱性。</a:t>
+            </a:r>
+            <a:r>
+              <a:rPr lang="zh-CN" altLang="en-US" sz="1200" kern="1200" dirty="0" smtClean="0">
                 <a:solidFill>
                   <a:schemeClr val="tx1"/>
                 </a:solidFill>
@@ -1671,10 +1727,10 @@
                 <a:ea typeface="+mn-ea"/>
                 <a:cs typeface="+mn-cs"/>
               </a:rPr>
-              <a:t>个方向</a:t>
-            </a:r>
-            <a:r>
-              <a:rPr lang="zh-CN" altLang="zh-CN" sz="1200" kern="1200" dirty="0" smtClean="0">
+              <a:t>有</a:t>
+            </a:r>
+            <a:r>
+              <a:rPr lang="zh-CN" altLang="en-US" sz="1200" kern="1200" dirty="0" smtClean="0">
                 <a:solidFill>
                   <a:schemeClr val="tx1"/>
                 </a:solidFill>
@@ -1683,7 +1739,7 @@
                 <a:ea typeface="+mn-ea"/>
                 <a:cs typeface="+mn-cs"/>
               </a:rPr>
-              <a:t>是基于</a:t>
+              <a:t>研究通过</a:t>
             </a:r>
             <a:r>
               <a:rPr lang="zh-CN" altLang="zh-CN" sz="1200" kern="1200" dirty="0" smtClean="0">
@@ -1695,10 +1751,10 @@
                 <a:ea typeface="+mn-ea"/>
                 <a:cs typeface="+mn-cs"/>
               </a:rPr>
-              <a:t>复杂网络理论，从网络效率的角度来评估电力通信网络的脆弱性</a:t>
-            </a:r>
-            <a:r>
-              <a:rPr lang="en-US" altLang="zh-CN" sz="1200" kern="1200" dirty="0" smtClean="0">
+              <a:t>研究了同步数字体系光纤通信网络的拓扑演化过程。基于复杂网络理论提出了一种动态信息的网络脆弱性评估方法</a:t>
+            </a:r>
+            <a:r>
+              <a:rPr lang="zh-CN" altLang="zh-CN" sz="1200" kern="1200" dirty="0" smtClean="0">
                 <a:solidFill>
                   <a:schemeClr val="tx1"/>
                 </a:solidFill>
@@ -1707,237 +1763,7 @@
                 <a:ea typeface="+mn-ea"/>
                 <a:cs typeface="+mn-cs"/>
               </a:rPr>
-              <a:t>[28]</a:t>
-            </a:r>
-            <a:r>
-              <a:rPr lang="zh-CN" altLang="zh-CN" sz="1200" kern="1200" dirty="0" smtClean="0">
-                <a:solidFill>
-                  <a:schemeClr val="tx1"/>
-                </a:solidFill>
-                <a:effectLst/>
-                <a:latin typeface="+mn-lt"/>
-                <a:ea typeface="+mn-ea"/>
-                <a:cs typeface="+mn-cs"/>
-              </a:rPr>
               <a:t>。</a:t>
-            </a:r>
-            <a:r>
-              <a:rPr lang="zh-CN" altLang="en-US" sz="1200" kern="1200" dirty="0" smtClean="0">
-                <a:solidFill>
-                  <a:schemeClr val="tx1"/>
-                </a:solidFill>
-                <a:effectLst/>
-                <a:latin typeface="+mn-lt"/>
-                <a:ea typeface="+mn-ea"/>
-                <a:cs typeface="+mn-cs"/>
-              </a:rPr>
-              <a:t>有研究通过</a:t>
-            </a:r>
-            <a:r>
-              <a:rPr lang="zh-CN" altLang="zh-CN" sz="1200" kern="1200" dirty="0" smtClean="0">
-                <a:solidFill>
-                  <a:schemeClr val="tx1"/>
-                </a:solidFill>
-                <a:effectLst/>
-                <a:latin typeface="+mn-lt"/>
-                <a:ea typeface="+mn-ea"/>
-                <a:cs typeface="+mn-cs"/>
-              </a:rPr>
-              <a:t>研究</a:t>
-            </a:r>
-            <a:r>
-              <a:rPr lang="zh-CN" altLang="zh-CN" sz="1200" kern="1200" dirty="0" smtClean="0">
-                <a:solidFill>
-                  <a:schemeClr val="tx1"/>
-                </a:solidFill>
-                <a:effectLst/>
-                <a:latin typeface="+mn-lt"/>
-                <a:ea typeface="+mn-ea"/>
-                <a:cs typeface="+mn-cs"/>
-              </a:rPr>
-              <a:t>了同步数字体系光纤通信网络的拓扑演化过程</a:t>
-            </a:r>
-            <a:r>
-              <a:rPr lang="zh-CN" altLang="zh-CN" sz="1200" kern="1200" dirty="0" smtClean="0">
-                <a:solidFill>
-                  <a:schemeClr val="tx1"/>
-                </a:solidFill>
-                <a:effectLst/>
-                <a:latin typeface="+mn-lt"/>
-                <a:ea typeface="+mn-ea"/>
-                <a:cs typeface="+mn-cs"/>
-              </a:rPr>
-              <a:t>。基于</a:t>
-            </a:r>
-            <a:r>
-              <a:rPr lang="zh-CN" altLang="zh-CN" sz="1200" kern="1200" dirty="0" smtClean="0">
-                <a:solidFill>
-                  <a:schemeClr val="tx1"/>
-                </a:solidFill>
-                <a:effectLst/>
-                <a:latin typeface="+mn-lt"/>
-                <a:ea typeface="+mn-ea"/>
-                <a:cs typeface="+mn-cs"/>
-              </a:rPr>
-              <a:t>复杂网络理论提出了一种动态信息的网络脆弱性评估方法。第二个方向是专注于通信服务，通过建立合理的安全评估系统来提高通信网络的鲁棒性</a:t>
-            </a:r>
-            <a:r>
-              <a:rPr lang="zh-CN" altLang="zh-CN" sz="1200" kern="1200" dirty="0" smtClean="0">
-                <a:solidFill>
-                  <a:schemeClr val="tx1"/>
-                </a:solidFill>
-                <a:effectLst/>
-                <a:latin typeface="+mn-lt"/>
-                <a:ea typeface="+mn-ea"/>
-                <a:cs typeface="+mn-cs"/>
-              </a:rPr>
-              <a:t>。</a:t>
-            </a:r>
-            <a:r>
-              <a:rPr lang="zh-CN" altLang="en-US" sz="1200" kern="1200" dirty="0" smtClean="0">
-                <a:solidFill>
-                  <a:schemeClr val="tx1"/>
-                </a:solidFill>
-                <a:effectLst/>
-                <a:latin typeface="+mn-lt"/>
-                <a:ea typeface="+mn-ea"/>
-                <a:cs typeface="+mn-cs"/>
-              </a:rPr>
-              <a:t>有研究</a:t>
-            </a:r>
-            <a:r>
-              <a:rPr lang="zh-CN" altLang="zh-CN" sz="1200" kern="1200" dirty="0" smtClean="0">
-                <a:solidFill>
-                  <a:schemeClr val="tx1"/>
-                </a:solidFill>
-                <a:effectLst/>
-                <a:latin typeface="+mn-lt"/>
-                <a:ea typeface="+mn-ea"/>
-                <a:cs typeface="+mn-cs"/>
-              </a:rPr>
-              <a:t>通过</a:t>
-            </a:r>
-            <a:r>
-              <a:rPr lang="zh-CN" altLang="zh-CN" sz="1200" kern="1200" dirty="0" smtClean="0">
-                <a:solidFill>
-                  <a:schemeClr val="tx1"/>
-                </a:solidFill>
-                <a:effectLst/>
-                <a:latin typeface="+mn-lt"/>
-                <a:ea typeface="+mn-ea"/>
-                <a:cs typeface="+mn-cs"/>
-              </a:rPr>
-              <a:t>合理安排通信网络业务渠道和运营模式来平衡业务风险的</a:t>
-            </a:r>
-            <a:r>
-              <a:rPr lang="zh-CN" altLang="zh-CN" sz="1200" kern="1200" dirty="0" smtClean="0">
-                <a:solidFill>
-                  <a:schemeClr val="tx1"/>
-                </a:solidFill>
-                <a:effectLst/>
-                <a:latin typeface="+mn-lt"/>
-                <a:ea typeface="+mn-ea"/>
-                <a:cs typeface="+mn-cs"/>
-              </a:rPr>
-              <a:t>概念</a:t>
-            </a:r>
-            <a:r>
-              <a:rPr lang="zh-CN" altLang="en-US" sz="1200" kern="1200" dirty="0" smtClean="0">
-                <a:solidFill>
-                  <a:schemeClr val="tx1"/>
-                </a:solidFill>
-                <a:effectLst/>
-                <a:latin typeface="+mn-lt"/>
-                <a:ea typeface="+mn-ea"/>
-                <a:cs typeface="+mn-cs"/>
-              </a:rPr>
-              <a:t>，并</a:t>
-            </a:r>
-            <a:r>
-              <a:rPr lang="zh-CN" altLang="zh-CN" sz="1200" kern="1200" dirty="0" smtClean="0">
-                <a:solidFill>
-                  <a:schemeClr val="tx1"/>
-                </a:solidFill>
-                <a:effectLst/>
-                <a:latin typeface="+mn-lt"/>
-                <a:ea typeface="+mn-ea"/>
-                <a:cs typeface="+mn-cs"/>
-              </a:rPr>
-              <a:t>提出</a:t>
-            </a:r>
-            <a:r>
-              <a:rPr lang="zh-CN" altLang="zh-CN" sz="1200" kern="1200" dirty="0" smtClean="0">
-                <a:solidFill>
-                  <a:schemeClr val="tx1"/>
-                </a:solidFill>
-                <a:effectLst/>
-                <a:latin typeface="+mn-lt"/>
-                <a:ea typeface="+mn-ea"/>
-                <a:cs typeface="+mn-cs"/>
-              </a:rPr>
-              <a:t>了一种基于电力通信网络可靠性的业务路由优化算法。但是，这种方法没有考虑到网格结构的特殊性。在该算法中，算法只是将电力通信网络简化为服务层中的简单路由拓扑。</a:t>
-            </a:r>
-          </a:p>
-          <a:p>
-            <a:r>
-              <a:rPr lang="zh-CN" altLang="zh-CN" sz="1200" kern="1200" dirty="0" smtClean="0">
-                <a:solidFill>
-                  <a:schemeClr val="tx1"/>
-                </a:solidFill>
-                <a:effectLst/>
-                <a:latin typeface="+mn-lt"/>
-                <a:ea typeface="+mn-ea"/>
-                <a:cs typeface="+mn-cs"/>
-              </a:rPr>
-              <a:t>电力通信网络的拓扑结构十分复杂。通信服务的有效传输要依靠可靠的物理网络。因为电力通信业务广泛而复杂，所以网络中易受攻击的节点需要重点保护</a:t>
-            </a:r>
-            <a:r>
-              <a:rPr lang="zh-CN" altLang="zh-CN" sz="1200" kern="1200" dirty="0" smtClean="0">
-                <a:solidFill>
-                  <a:schemeClr val="tx1"/>
-                </a:solidFill>
-                <a:effectLst/>
-                <a:latin typeface="+mn-lt"/>
-                <a:ea typeface="+mn-ea"/>
-                <a:cs typeface="+mn-cs"/>
-              </a:rPr>
-              <a:t>。虽然</a:t>
-            </a:r>
-            <a:r>
-              <a:rPr lang="zh-CN" altLang="zh-CN" sz="1200" kern="1200" dirty="0" smtClean="0">
-                <a:solidFill>
-                  <a:schemeClr val="tx1"/>
-                </a:solidFill>
-                <a:effectLst/>
-                <a:latin typeface="+mn-lt"/>
-                <a:ea typeface="+mn-ea"/>
-                <a:cs typeface="+mn-cs"/>
-              </a:rPr>
-              <a:t>有些学者提出了通过添加多个物理上独立的拓扑改善网络结构的想法</a:t>
-            </a:r>
-            <a:r>
-              <a:rPr lang="en-US" altLang="zh-CN" sz="1200" kern="1200" dirty="0" smtClean="0">
-                <a:solidFill>
-                  <a:schemeClr val="tx1"/>
-                </a:solidFill>
-                <a:effectLst/>
-                <a:latin typeface="+mn-lt"/>
-                <a:ea typeface="+mn-ea"/>
-                <a:cs typeface="+mn-cs"/>
-              </a:rPr>
-              <a:t>[33]</a:t>
-            </a:r>
-            <a:r>
-              <a:rPr lang="zh-CN" altLang="zh-CN" sz="1200" kern="1200" dirty="0" smtClean="0">
-                <a:solidFill>
-                  <a:schemeClr val="tx1"/>
-                </a:solidFill>
-                <a:effectLst/>
-                <a:latin typeface="+mn-lt"/>
-                <a:ea typeface="+mn-ea"/>
-                <a:cs typeface="+mn-cs"/>
-              </a:rPr>
-              <a:t>，但是缺乏对各种备份策略的比较研究。它们的有效性尚未在实际的电力通信网络中得到证实。虽然电网的拓扑结构已经得到了广泛的重视，但是仍然有必要继续深入分析电力通信网络拓扑，并比较现有备份策略的有效性。</a:t>
             </a:r>
             <a:endParaRPr lang="en-US" altLang="zh-CN" sz="1200" kern="1200" dirty="0" smtClean="0">
               <a:solidFill>
@@ -1950,7 +1776,141 @@
             </a:endParaRPr>
           </a:p>
           <a:p>
-            <a:endParaRPr lang="zh-CN" altLang="zh-CN" sz="1200" kern="1200" dirty="0" smtClean="0">
+            <a:r>
+              <a:rPr lang="zh-CN" altLang="zh-CN" sz="1200" kern="1200" dirty="0" smtClean="0">
+                <a:solidFill>
+                  <a:schemeClr val="tx1"/>
+                </a:solidFill>
+                <a:effectLst/>
+                <a:latin typeface="+mn-lt"/>
+                <a:ea typeface="+mn-ea"/>
+                <a:cs typeface="+mn-cs"/>
+              </a:rPr>
+              <a:t>第二</a:t>
+            </a:r>
+            <a:r>
+              <a:rPr lang="zh-CN" altLang="zh-CN" sz="1200" kern="1200" dirty="0" smtClean="0">
+                <a:solidFill>
+                  <a:schemeClr val="tx1"/>
+                </a:solidFill>
+                <a:effectLst/>
+                <a:latin typeface="+mn-lt"/>
+                <a:ea typeface="+mn-ea"/>
+                <a:cs typeface="+mn-cs"/>
+              </a:rPr>
+              <a:t>个方向是专注于通信服务，通过建立合理的安全评估系统来提高通信网络的鲁棒性。</a:t>
+            </a:r>
+            <a:r>
+              <a:rPr lang="zh-CN" altLang="en-US" sz="1200" kern="1200" dirty="0" smtClean="0">
+                <a:solidFill>
+                  <a:schemeClr val="tx1"/>
+                </a:solidFill>
+                <a:effectLst/>
+                <a:latin typeface="+mn-lt"/>
+                <a:ea typeface="+mn-ea"/>
+                <a:cs typeface="+mn-cs"/>
+              </a:rPr>
+              <a:t>有研究</a:t>
+            </a:r>
+            <a:r>
+              <a:rPr lang="zh-CN" altLang="zh-CN" sz="1200" kern="1200" dirty="0" smtClean="0">
+                <a:solidFill>
+                  <a:schemeClr val="tx1"/>
+                </a:solidFill>
+                <a:effectLst/>
+                <a:latin typeface="+mn-lt"/>
+                <a:ea typeface="+mn-ea"/>
+                <a:cs typeface="+mn-cs"/>
+              </a:rPr>
+              <a:t>通过合理安排通信网络业务渠道和运营模式来平衡业务风险的概念</a:t>
+            </a:r>
+            <a:r>
+              <a:rPr lang="zh-CN" altLang="en-US" sz="1200" kern="1200" dirty="0" smtClean="0">
+                <a:solidFill>
+                  <a:schemeClr val="tx1"/>
+                </a:solidFill>
+                <a:effectLst/>
+                <a:latin typeface="+mn-lt"/>
+                <a:ea typeface="+mn-ea"/>
+                <a:cs typeface="+mn-cs"/>
+              </a:rPr>
+              <a:t>，并</a:t>
+            </a:r>
+            <a:r>
+              <a:rPr lang="zh-CN" altLang="zh-CN" sz="1200" kern="1200" dirty="0" smtClean="0">
+                <a:solidFill>
+                  <a:schemeClr val="tx1"/>
+                </a:solidFill>
+                <a:effectLst/>
+                <a:latin typeface="+mn-lt"/>
+                <a:ea typeface="+mn-ea"/>
+                <a:cs typeface="+mn-cs"/>
+              </a:rPr>
+              <a:t>提出了一种基于电力通信网络可靠性的业务路由优化算法。但是，这种方法没有考虑到网格结构的特殊性。在该算法中，算法只是将电力通信网络简化为服务层中的简单路由拓扑。</a:t>
+            </a:r>
+          </a:p>
+          <a:p>
+            <a:r>
+              <a:rPr lang="zh-CN" altLang="en-US" sz="1200" kern="1200" dirty="0" smtClean="0">
+                <a:solidFill>
+                  <a:schemeClr val="tx1"/>
+                </a:solidFill>
+                <a:effectLst/>
+                <a:latin typeface="+mn-lt"/>
+                <a:ea typeface="+mn-ea"/>
+                <a:cs typeface="+mn-cs"/>
+              </a:rPr>
+              <a:t>由于</a:t>
+            </a:r>
+            <a:r>
+              <a:rPr lang="zh-CN" altLang="zh-CN" sz="1200" kern="1200" dirty="0" smtClean="0">
+                <a:solidFill>
+                  <a:schemeClr val="tx1"/>
+                </a:solidFill>
+                <a:effectLst/>
+                <a:latin typeface="+mn-lt"/>
+                <a:ea typeface="+mn-ea"/>
+                <a:cs typeface="+mn-cs"/>
+              </a:rPr>
+              <a:t>电力</a:t>
+            </a:r>
+            <a:r>
+              <a:rPr lang="zh-CN" altLang="zh-CN" sz="1200" kern="1200" dirty="0" smtClean="0">
+                <a:solidFill>
+                  <a:schemeClr val="tx1"/>
+                </a:solidFill>
+                <a:effectLst/>
+                <a:latin typeface="+mn-lt"/>
+                <a:ea typeface="+mn-ea"/>
+                <a:cs typeface="+mn-cs"/>
+              </a:rPr>
+              <a:t>通信网络的拓扑结构十分复杂。通信服务的有效传输要依靠可靠的物理网络。因为电力通信业务广泛而复杂，所以网络中易受攻击的节点需要重点保护。虽然有些学者提出了通过添加多个物理上独立的拓扑改善网络结构的</a:t>
+            </a:r>
+            <a:r>
+              <a:rPr lang="zh-CN" altLang="zh-CN" sz="1200" kern="1200" dirty="0" smtClean="0">
+                <a:solidFill>
+                  <a:schemeClr val="tx1"/>
+                </a:solidFill>
+                <a:effectLst/>
+                <a:latin typeface="+mn-lt"/>
+                <a:ea typeface="+mn-ea"/>
+                <a:cs typeface="+mn-cs"/>
+              </a:rPr>
+              <a:t>想法，</a:t>
+            </a:r>
+            <a:r>
+              <a:rPr lang="zh-CN" altLang="zh-CN" sz="1200" kern="1200" dirty="0" smtClean="0">
+                <a:solidFill>
+                  <a:schemeClr val="tx1"/>
+                </a:solidFill>
+                <a:effectLst/>
+                <a:latin typeface="+mn-lt"/>
+                <a:ea typeface="+mn-ea"/>
+                <a:cs typeface="+mn-cs"/>
+              </a:rPr>
+              <a:t>但是缺乏对各种备份策略的比较研究。它们的有效性尚未在实际的电力通信网络中得到证实。虽然电网的拓扑结构已经得到了广泛的重视，但是仍然有必要继续深入分析电力通信网络拓扑，并比较现有备份策略的有效性。</a:t>
+            </a:r>
+            <a:endParaRPr lang="en-US" altLang="zh-CN" sz="1200" kern="1200" dirty="0" smtClean="0">
               <a:solidFill>
                 <a:schemeClr val="tx1"/>
               </a:solidFill>
@@ -1962,31 +1922,7 @@
           </a:p>
           <a:p>
             <a:pPr lvl="2"/>
-            <a:r>
-              <a:rPr lang="zh-CN" altLang="zh-CN" sz="1200" kern="1200" dirty="0" smtClean="0">
-                <a:solidFill>
-                  <a:schemeClr val="tx1"/>
-                </a:solidFill>
-                <a:effectLst/>
-                <a:latin typeface="+mn-lt"/>
-                <a:ea typeface="+mn-ea"/>
-                <a:cs typeface="+mn-cs"/>
-              </a:rPr>
-              <a:t>区域故障容忍研究</a:t>
-            </a:r>
-            <a:r>
-              <a:rPr lang="zh-CN" altLang="zh-CN" sz="1200" kern="1200" dirty="0" smtClean="0">
-                <a:solidFill>
-                  <a:schemeClr val="tx1"/>
-                </a:solidFill>
-                <a:effectLst/>
-                <a:latin typeface="+mn-lt"/>
-                <a:ea typeface="+mn-ea"/>
-                <a:cs typeface="+mn-cs"/>
-              </a:rPr>
-              <a:t>现状</a:t>
-            </a:r>
-            <a:endParaRPr lang="en-US" altLang="zh-CN" sz="1200" kern="1200" dirty="0" smtClean="0">
+            <a:endParaRPr lang="en-US" altLang="zh-CN" sz="1400" kern="1200" dirty="0" smtClean="0">
               <a:solidFill>
                 <a:schemeClr val="tx1"/>
               </a:solidFill>
@@ -2027,7 +1963,7 @@
               <a:defRPr/>
             </a:pPr>
             <a:r>
-              <a:rPr lang="zh-CN" altLang="zh-CN" sz="1200" kern="1200" dirty="0" smtClean="0">
+              <a:rPr lang="zh-CN" altLang="en-US" sz="1200" kern="1200" dirty="0" smtClean="0">
                 <a:solidFill>
                   <a:schemeClr val="tx1"/>
                 </a:solidFill>
@@ -2036,10 +1972,38 @@
                 <a:ea typeface="+mn-ea"/>
                 <a:cs typeface="+mn-cs"/>
               </a:rPr>
-              <a:t>大规模地理位置相关故障的问题最近才引起人们的注意。区域故障是一种特殊的故障类型。现有的弹性网络设计的大部分工作主要集中在缓解孤立的单链路或多链路故障</a:t>
-            </a:r>
-            <a:r>
-              <a:rPr lang="en-US" altLang="zh-CN" sz="1200" kern="1200" dirty="0" smtClean="0">
+              <a:t>区域故障：</a:t>
+            </a:r>
+            <a:endParaRPr lang="en-US" altLang="zh-CN" sz="1200" kern="1200" dirty="0" smtClean="0">
+              <a:solidFill>
+                <a:schemeClr val="tx1"/>
+              </a:solidFill>
+              <a:effectLst/>
+              <a:latin typeface="+mn-lt"/>
+              <a:ea typeface="+mn-ea"/>
+              <a:cs typeface="+mn-cs"/>
+            </a:endParaRPr>
+          </a:p>
+          <a:p>
+            <a:pPr marL="0" marR="0" indent="0" algn="l" defTabSz="914400" rtl="0" eaLnBrk="1" fontAlgn="auto" latinLnBrk="0" hangingPunct="1">
+              <a:lnSpc>
+                <a:spcPct val="100000"/>
+              </a:lnSpc>
+              <a:spcBef>
+                <a:spcPts val="0"/>
+              </a:spcBef>
+              <a:spcAft>
+                <a:spcPts val="0"/>
+              </a:spcAft>
+              <a:buClrTx/>
+              <a:buSzTx/>
+              <a:buFontTx/>
+              <a:buNone/>
+              <a:tabLst/>
+              <a:defRPr/>
+            </a:pPr>
+            <a:r>
+              <a:rPr lang="zh-CN" altLang="zh-CN" sz="1200" kern="1200" dirty="0" smtClean="0">
                 <a:solidFill>
                   <a:schemeClr val="tx1"/>
                 </a:solidFill>
@@ -2048,7 +2012,7 @@
                 <a:ea typeface="+mn-ea"/>
                 <a:cs typeface="+mn-cs"/>
               </a:rPr>
-              <a:t>[36]</a:t>
+              <a:t>大规模</a:t>
             </a:r>
             <a:r>
               <a:rPr lang="zh-CN" altLang="zh-CN" sz="1200" kern="1200" dirty="0" smtClean="0">
@@ -2060,12 +2024,10 @@
                 <a:ea typeface="+mn-ea"/>
                 <a:cs typeface="+mn-cs"/>
               </a:rPr>
-              <a:t>上。</a:t>
-            </a:r>
-          </a:p>
-          <a:p>
-            <a:r>
-              <a:rPr lang="zh-CN" altLang="zh-CN" sz="1200" kern="1200" dirty="0" smtClean="0">
+              <a:t>地理位置相关故障的问题最近才引起人们的注意。区域故障是一种特殊的故障类型。现有的弹性网络设计的大部分工作主要集中在缓解孤立的单链路或多链路故障</a:t>
+            </a:r>
+            <a:r>
+              <a:rPr lang="en-US" altLang="zh-CN" sz="1200" kern="1200" dirty="0" smtClean="0">
                 <a:solidFill>
                   <a:schemeClr val="tx1"/>
                 </a:solidFill>
@@ -2074,10 +2036,10 @@
                 <a:ea typeface="+mn-ea"/>
                 <a:cs typeface="+mn-cs"/>
               </a:rPr>
-              <a:t>该领域的研究主要涉及区域故障建模失败、测量其具体影响以及确定网络基础设施对区域故障的脆弱性上</a:t>
-            </a:r>
-            <a:r>
-              <a:rPr lang="en-US" altLang="zh-CN" sz="1200" kern="1200" dirty="0" smtClean="0">
+              <a:t>[36]</a:t>
+            </a:r>
+            <a:r>
+              <a:rPr lang="zh-CN" altLang="zh-CN" sz="1200" kern="1200" dirty="0" smtClean="0">
                 <a:solidFill>
                   <a:schemeClr val="tx1"/>
                 </a:solidFill>
@@ -2086,8 +2048,10 @@
                 <a:ea typeface="+mn-ea"/>
                 <a:cs typeface="+mn-cs"/>
               </a:rPr>
-              <a:t>[38]</a:t>
-            </a:r>
+              <a:t>上。</a:t>
+            </a:r>
+          </a:p>
+          <a:p>
             <a:r>
               <a:rPr lang="zh-CN" altLang="zh-CN" sz="1200" kern="1200" dirty="0" smtClean="0">
                 <a:solidFill>
@@ -2098,10 +2062,8 @@
                 <a:ea typeface="+mn-ea"/>
                 <a:cs typeface="+mn-cs"/>
               </a:rPr>
-              <a:t>，对于具体的故障容忍策略考虑的仍不够完善。</a:t>
-            </a:r>
-          </a:p>
-          <a:p>
+              <a:t>该领域的研究主要涉及区域故障建模失败、测量其具体影响以及确定网络基础设施对区域故障的脆弱性</a:t>
+            </a:r>
             <a:r>
               <a:rPr lang="zh-CN" altLang="zh-CN" sz="1200" kern="1200" dirty="0" smtClean="0">
                 <a:solidFill>
@@ -2112,7 +2074,7 @@
                 <a:ea typeface="+mn-ea"/>
                 <a:cs typeface="+mn-cs"/>
               </a:rPr>
-              <a:t>尽管</a:t>
+              <a:t>上，</a:t>
             </a:r>
             <a:r>
               <a:rPr lang="zh-CN" altLang="zh-CN" sz="1200" kern="1200" dirty="0" smtClean="0">
@@ -2124,8 +2086,10 @@
                 <a:ea typeface="+mn-ea"/>
                 <a:cs typeface="+mn-cs"/>
               </a:rPr>
-              <a:t>此类随机灾害的发生概率较小，但是波及范围</a:t>
-            </a:r>
+              <a:t>对于具体的故障容忍策略考虑的仍不够完善。</a:t>
+            </a:r>
+          </a:p>
+          <a:p>
             <a:r>
               <a:rPr lang="zh-CN" altLang="zh-CN" sz="1200" kern="1200" dirty="0" smtClean="0">
                 <a:solidFill>
@@ -2136,19 +2100,7 @@
                 <a:ea typeface="+mn-ea"/>
                 <a:cs typeface="+mn-cs"/>
               </a:rPr>
-              <a:t>很大目前</a:t>
-            </a:r>
-            <a:r>
-              <a:rPr lang="zh-CN" altLang="zh-CN" sz="1200" kern="1200" dirty="0" smtClean="0">
-                <a:solidFill>
-                  <a:schemeClr val="tx1"/>
-                </a:solidFill>
-                <a:effectLst/>
-                <a:latin typeface="+mn-lt"/>
-                <a:ea typeface="+mn-ea"/>
-                <a:cs typeface="+mn-cs"/>
-              </a:rPr>
-              <a:t>，网络运营商在发生大规模区域故障时提供服务连续性的典型方法是分配额外的备用链路，因为这将创造更多的备用路径。然而，主链路和备用链路都容易受到相同灾难引起的相同影响，该备份方式性价比很低。</a:t>
+              <a:t>尽管此类随机灾害的发生概率较小，但是波及范围很大目前，网络运营商在发生大规模区域故障时提供服务连续性的典型方法是分配额外的备用链路，因为这将创造更多的备用路径。然而，主链路和备用链路都容易受到相同灾难引起的相同影响，该备份方式性价比很低。</a:t>
             </a:r>
           </a:p>
           <a:p>
@@ -2806,7 +2758,7 @@
           <a:p>
             <a:fld id="{ECF5C816-4069-4AEE-9D93-3A23DA05D637}" type="datetime1">
               <a:rPr lang="zh-CN" altLang="en-US" smtClean="0"/>
-              <a:t>2019/5/24</a:t>
+              <a:t>2019/5/25</a:t>
             </a:fld>
             <a:endParaRPr lang="zh-CN" altLang="en-US"/>
           </a:p>
@@ -2976,7 +2928,7 @@
           <a:p>
             <a:fld id="{0E681340-ABCF-486C-96DE-318D6FBC4FA7}" type="datetime1">
               <a:rPr lang="zh-CN" altLang="en-US" smtClean="0"/>
-              <a:t>2019/5/24</a:t>
+              <a:t>2019/5/25</a:t>
             </a:fld>
             <a:endParaRPr lang="zh-CN" altLang="en-US"/>
           </a:p>
@@ -3156,7 +3108,7 @@
           <a:p>
             <a:fld id="{9E174B88-74D6-46F4-8F34-2E0E03C3C400}" type="datetime1">
               <a:rPr lang="zh-CN" altLang="en-US" smtClean="0"/>
-              <a:t>2019/5/24</a:t>
+              <a:t>2019/5/25</a:t>
             </a:fld>
             <a:endParaRPr lang="zh-CN" altLang="en-US"/>
           </a:p>
@@ -3405,7 +3357,7 @@
           <a:p>
             <a:fld id="{908E3527-0DD3-4A09-80C5-DA19A0AD5C42}" type="datetime1">
               <a:rPr lang="zh-CN" altLang="en-US" smtClean="0"/>
-              <a:t>2019/5/24</a:t>
+              <a:t>2019/5/25</a:t>
             </a:fld>
             <a:endParaRPr lang="zh-CN" altLang="en-US"/>
           </a:p>
@@ -3672,7 +3624,7 @@
           <a:p>
             <a:fld id="{ADAAF654-8079-45E9-84AC-20ED6199853B}" type="datetime1">
               <a:rPr lang="zh-CN" altLang="en-US" smtClean="0"/>
-              <a:t>2019/5/24</a:t>
+              <a:t>2019/5/25</a:t>
             </a:fld>
             <a:endParaRPr lang="zh-CN" altLang="en-US"/>
           </a:p>
@@ -4001,7 +3953,7 @@
           <a:p>
             <a:fld id="{77655930-7E97-4B46-8442-954486FA878C}" type="datetime1">
               <a:rPr lang="zh-CN" altLang="en-US" smtClean="0"/>
-              <a:t>2019/5/24</a:t>
+              <a:t>2019/5/25</a:t>
             </a:fld>
             <a:endParaRPr lang="zh-CN" altLang="en-US"/>
           </a:p>
@@ -4324,7 +4276,7 @@
           <a:p>
             <a:fld id="{BB3C98FB-6AE2-405E-9967-BF664D34C1AE}" type="datetime1">
               <a:rPr lang="zh-CN" altLang="en-US" smtClean="0"/>
-              <a:t>2019/5/24</a:t>
+              <a:t>2019/5/25</a:t>
             </a:fld>
             <a:endParaRPr lang="zh-CN" altLang="en-US"/>
           </a:p>
@@ -4781,7 +4733,7 @@
           <a:p>
             <a:fld id="{01D2DD3E-6BBF-48CE-9C7C-85D764C0F7A5}" type="datetime1">
               <a:rPr lang="zh-CN" altLang="en-US" smtClean="0"/>
-              <a:t>2019/5/24</a:t>
+              <a:t>2019/5/25</a:t>
             </a:fld>
             <a:endParaRPr lang="zh-CN" altLang="en-US"/>
           </a:p>
@@ -4986,7 +4938,7 @@
           <a:p>
             <a:fld id="{50671B83-DF1A-4F21-8740-325E3CA6EF17}" type="datetime1">
               <a:rPr lang="zh-CN" altLang="en-US" smtClean="0"/>
-              <a:t>2019/5/24</a:t>
+              <a:t>2019/5/25</a:t>
             </a:fld>
             <a:endParaRPr lang="zh-CN" altLang="en-US"/>
           </a:p>
@@ -5163,7 +5115,7 @@
           <a:p>
             <a:fld id="{8BC83C03-7636-4D9F-88DD-556E7259EE98}" type="datetime1">
               <a:rPr lang="zh-CN" altLang="en-US" smtClean="0"/>
-              <a:t>2019/5/24</a:t>
+              <a:t>2019/5/25</a:t>
             </a:fld>
             <a:endParaRPr lang="zh-CN" altLang="en-US"/>
           </a:p>
@@ -5496,7 +5448,7 @@
           <a:p>
             <a:fld id="{1ECCBA08-A0B3-4620-A2C3-F2DD9D569B30}" type="datetime1">
               <a:rPr lang="zh-CN" altLang="en-US" smtClean="0"/>
-              <a:t>2019/5/24</a:t>
+              <a:t>2019/5/25</a:t>
             </a:fld>
             <a:endParaRPr lang="zh-CN" altLang="en-US"/>
           </a:p>
@@ -5748,7 +5700,7 @@
           <a:p>
             <a:fld id="{92EADDC0-6E4D-4283-B4C9-49D56ABD3972}" type="datetime1">
               <a:rPr lang="zh-CN" altLang="en-US" smtClean="0"/>
-              <a:t>2019/5/24</a:t>
+              <a:t>2019/5/25</a:t>
             </a:fld>
             <a:endParaRPr lang="zh-CN" altLang="en-US"/>
           </a:p>
@@ -6011,7 +5963,7 @@
           <a:p>
             <a:fld id="{F24597C5-EEC8-4488-924B-035721E8EA73}" type="datetime1">
               <a:rPr lang="zh-CN" altLang="en-US" smtClean="0"/>
-              <a:t>2019/5/24</a:t>
+              <a:t>2019/5/25</a:t>
             </a:fld>
             <a:endParaRPr lang="zh-CN" altLang="en-US"/>
           </a:p>
@@ -6349,7 +6301,7 @@
           <a:p>
             <a:fld id="{B0F66D72-7517-4FA1-91AC-4F5A6261A984}" type="datetime1">
               <a:rPr lang="zh-CN" altLang="en-US" smtClean="0"/>
-              <a:t>2019/5/24</a:t>
+              <a:t>2019/5/25</a:t>
             </a:fld>
             <a:endParaRPr lang="zh-CN" altLang="en-US"/>
           </a:p>
@@ -6750,7 +6702,7 @@
           <a:p>
             <a:fld id="{EA6F04A0-113C-45C3-ABD4-51214D8FACB9}" type="datetime1">
               <a:rPr lang="zh-CN" altLang="en-US" smtClean="0"/>
-              <a:t>2019/5/24</a:t>
+              <a:t>2019/5/25</a:t>
             </a:fld>
             <a:endParaRPr lang="zh-CN" altLang="en-US"/>
           </a:p>
@@ -7086,7 +7038,7 @@
           <a:p>
             <a:fld id="{7CBEC0B1-2615-4632-8F46-8A3E3C90A68E}" type="datetime1">
               <a:rPr lang="zh-CN" altLang="en-US" smtClean="0"/>
-              <a:t>2019/5/24</a:t>
+              <a:t>2019/5/25</a:t>
             </a:fld>
             <a:endParaRPr lang="zh-CN" altLang="en-US"/>
           </a:p>
@@ -7406,7 +7358,7 @@
           <a:p>
             <a:fld id="{99B4F46F-6241-4BBB-BE85-37F31B2F40D9}" type="datetime1">
               <a:rPr lang="zh-CN" altLang="en-US" smtClean="0"/>
-              <a:t>2019/5/24</a:t>
+              <a:t>2019/5/25</a:t>
             </a:fld>
             <a:endParaRPr lang="zh-CN" altLang="en-US"/>
           </a:p>
@@ -7803,7 +7755,7 @@
           <a:p>
             <a:fld id="{99B4F46F-6241-4BBB-BE85-37F31B2F40D9}" type="datetime1">
               <a:rPr lang="zh-CN" altLang="en-US" smtClean="0"/>
-              <a:t>2019/5/24</a:t>
+              <a:t>2019/5/25</a:t>
             </a:fld>
             <a:endParaRPr lang="zh-CN" altLang="en-US"/>
           </a:p>
@@ -8061,7 +8013,7 @@
           <a:p>
             <a:fld id="{786AA40F-68E2-4F91-B4AB-0F4C675E7E32}" type="datetime1">
               <a:rPr lang="zh-CN" altLang="en-US" smtClean="0"/>
-              <a:t>2019/5/24</a:t>
+              <a:t>2019/5/25</a:t>
             </a:fld>
             <a:endParaRPr lang="zh-CN" altLang="en-US"/>
           </a:p>
@@ -8323,7 +8275,7 @@
           <a:p>
             <a:fld id="{AAA0BC2F-8182-4510-8922-48DD90FFBB56}" type="datetime1">
               <a:rPr lang="zh-CN" altLang="en-US" smtClean="0"/>
-              <a:t>2019/5/24</a:t>
+              <a:t>2019/5/25</a:t>
             </a:fld>
             <a:endParaRPr lang="zh-CN" altLang="en-US"/>
           </a:p>
@@ -8656,7 +8608,7 @@
           <a:p>
             <a:fld id="{BED235AC-2D98-4AE0-8240-B1F63BC8F15D}" type="datetime1">
               <a:rPr lang="zh-CN" altLang="en-US" smtClean="0"/>
-              <a:t>2019/5/24</a:t>
+              <a:t>2019/5/25</a:t>
             </a:fld>
             <a:endParaRPr lang="zh-CN" altLang="en-US"/>
           </a:p>
@@ -8888,7 +8840,7 @@
           <a:p>
             <a:fld id="{56BAE1A5-D61A-4A97-B975-3826935A5778}" type="datetime1">
               <a:rPr lang="zh-CN" altLang="en-US" smtClean="0"/>
-              <a:t>2019/5/24</a:t>
+              <a:t>2019/5/25</a:t>
             </a:fld>
             <a:endParaRPr lang="zh-CN" altLang="en-US"/>
           </a:p>
@@ -9235,7 +9187,7 @@
           <a:p>
             <a:fld id="{1A7F2974-D89C-40EF-8045-F759EB6352F7}" type="datetime1">
               <a:rPr lang="zh-CN" altLang="en-US" smtClean="0"/>
-              <a:t>2019/5/24</a:t>
+              <a:t>2019/5/25</a:t>
             </a:fld>
             <a:endParaRPr lang="zh-CN" altLang="en-US"/>
           </a:p>
@@ -9353,7 +9305,7 @@
           <a:p>
             <a:fld id="{369B30D0-47FA-43F9-8F51-82475A1997B7}" type="datetime1">
               <a:rPr lang="zh-CN" altLang="en-US" smtClean="0"/>
-              <a:t>2019/5/24</a:t>
+              <a:t>2019/5/25</a:t>
             </a:fld>
             <a:endParaRPr lang="zh-CN" altLang="en-US"/>
           </a:p>
@@ -9471,7 +9423,7 @@
           <a:p>
             <a:fld id="{E69C9FD0-1859-49FE-8AA1-0DC11C6FDFA2}" type="datetime1">
               <a:rPr lang="zh-CN" altLang="en-US" smtClean="0"/>
-              <a:t>2019/5/24</a:t>
+              <a:t>2019/5/25</a:t>
             </a:fld>
             <a:endParaRPr lang="zh-CN" altLang="en-US"/>
           </a:p>
@@ -9755,7 +9707,7 @@
           <a:p>
             <a:fld id="{8354164D-D8A1-4AA8-90E4-682D2E7C888D}" type="datetime1">
               <a:rPr lang="zh-CN" altLang="en-US" smtClean="0"/>
-              <a:t>2019/5/24</a:t>
+              <a:t>2019/5/25</a:t>
             </a:fld>
             <a:endParaRPr lang="zh-CN" altLang="en-US"/>
           </a:p>
@@ -10019,7 +9971,7 @@
           <a:p>
             <a:fld id="{0A0971DD-4DB9-4A87-90E1-0AC8D03712E7}" type="datetime1">
               <a:rPr lang="zh-CN" altLang="en-US" smtClean="0"/>
-              <a:t>2019/5/24</a:t>
+              <a:t>2019/5/25</a:t>
             </a:fld>
             <a:endParaRPr lang="zh-CN" altLang="en-US"/>
           </a:p>
@@ -10233,7 +10185,7 @@
           <a:p>
             <a:fld id="{99B4F46F-6241-4BBB-BE85-37F31B2F40D9}" type="datetime1">
               <a:rPr lang="zh-CN" altLang="en-US" smtClean="0"/>
-              <a:t>2019/5/24</a:t>
+              <a:t>2019/5/25</a:t>
             </a:fld>
             <a:endParaRPr lang="zh-CN" altLang="en-US"/>
           </a:p>
@@ -12580,7 +12532,7 @@
           <a:p>
             <a:fld id="{99B4F46F-6241-4BBB-BE85-37F31B2F40D9}" type="datetime1">
               <a:rPr lang="zh-CN" altLang="en-US" smtClean="0"/>
-              <a:t>2019/5/24</a:t>
+              <a:t>2019/5/25</a:t>
             </a:fld>
             <a:endParaRPr lang="zh-CN" altLang="en-US"/>
           </a:p>
@@ -13240,7 +13192,7 @@
                 <a:latin typeface="宋体" panose="02010600030101010101" pitchFamily="2" charset="-122"/>
                 <a:ea typeface="宋体" panose="02010600030101010101" pitchFamily="2" charset="-122"/>
               </a:rPr>
-              <a:t>2019年5月24日</a:t>
+              <a:t>2019年5月25日</a:t>
             </a:fld>
             <a:endParaRPr lang="en-US" altLang="zh-CN" sz="1800" b="1" dirty="0" smtClean="0">
               <a:solidFill>
@@ -15438,6 +15390,8 @@
                 <a:solidFill>
                   <a:schemeClr val="tx1"/>
                 </a:solidFill>
+                <a:latin typeface="华文楷体" panose="02010600040101010101" pitchFamily="2" charset="-122"/>
+                <a:ea typeface="华文楷体" panose="02010600040101010101" pitchFamily="2" charset="-122"/>
               </a:rPr>
               <a:t>R1</a:t>
             </a:r>
@@ -15446,6 +15400,8 @@
                 <a:solidFill>
                   <a:schemeClr val="tx1"/>
                 </a:solidFill>
+                <a:latin typeface="华文楷体" panose="02010600040101010101" pitchFamily="2" charset="-122"/>
+                <a:ea typeface="华文楷体" panose="02010600040101010101" pitchFamily="2" charset="-122"/>
               </a:rPr>
               <a:t>和</a:t>
             </a:r>
@@ -15454,6 +15410,8 @@
                 <a:solidFill>
                   <a:schemeClr val="tx1"/>
                 </a:solidFill>
+                <a:latin typeface="华文楷体" panose="02010600040101010101" pitchFamily="2" charset="-122"/>
+                <a:ea typeface="华文楷体" panose="02010600040101010101" pitchFamily="2" charset="-122"/>
               </a:rPr>
               <a:t>R2</a:t>
             </a:r>
@@ -15462,6 +15420,8 @@
                 <a:solidFill>
                   <a:schemeClr val="tx1"/>
                 </a:solidFill>
+                <a:latin typeface="华文楷体" panose="02010600040101010101" pitchFamily="2" charset="-122"/>
+                <a:ea typeface="华文楷体" panose="02010600040101010101" pitchFamily="2" charset="-122"/>
               </a:rPr>
               <a:t>表示的是不同的故障半径</a:t>
             </a:r>
@@ -15470,6 +15430,8 @@
                 <a:solidFill>
                   <a:schemeClr val="tx1"/>
                 </a:solidFill>
+                <a:latin typeface="华文楷体" panose="02010600040101010101" pitchFamily="2" charset="-122"/>
+                <a:ea typeface="华文楷体" panose="02010600040101010101" pitchFamily="2" charset="-122"/>
               </a:rPr>
               <a:t>(R1 = D / 6 = 1.39</a:t>
             </a:r>
@@ -15478,6 +15440,8 @@
                 <a:solidFill>
                   <a:schemeClr val="tx1"/>
                 </a:solidFill>
+                <a:latin typeface="华文楷体" panose="02010600040101010101" pitchFamily="2" charset="-122"/>
+                <a:ea typeface="华文楷体" panose="02010600040101010101" pitchFamily="2" charset="-122"/>
               </a:rPr>
               <a:t>，</a:t>
             </a:r>
@@ -15486,6 +15450,8 @@
                 <a:solidFill>
                   <a:schemeClr val="tx1"/>
                 </a:solidFill>
+                <a:latin typeface="华文楷体" panose="02010600040101010101" pitchFamily="2" charset="-122"/>
+                <a:ea typeface="华文楷体" panose="02010600040101010101" pitchFamily="2" charset="-122"/>
               </a:rPr>
               <a:t>R2 = D / 4 = 2.08)</a:t>
             </a:r>
@@ -15494,6 +15460,8 @@
                 <a:solidFill>
                   <a:schemeClr val="tx1"/>
                 </a:solidFill>
+                <a:latin typeface="华文楷体" panose="02010600040101010101" pitchFamily="2" charset="-122"/>
+                <a:ea typeface="华文楷体" panose="02010600040101010101" pitchFamily="2" charset="-122"/>
               </a:rPr>
               <a:t>。横坐标</a:t>
             </a:r>
@@ -15502,6 +15470,8 @@
                 <a:solidFill>
                   <a:schemeClr val="tx1"/>
                 </a:solidFill>
+                <a:latin typeface="华文楷体" panose="02010600040101010101" pitchFamily="2" charset="-122"/>
+                <a:ea typeface="华文楷体" panose="02010600040101010101" pitchFamily="2" charset="-122"/>
               </a:rPr>
               <a:t>表示备份链路的比例</a:t>
             </a:r>
@@ -15510,29 +15480,21 @@
                 <a:solidFill>
                   <a:schemeClr val="tx1"/>
                 </a:solidFill>
+                <a:latin typeface="华文楷体" panose="02010600040101010101" pitchFamily="2" charset="-122"/>
+                <a:ea typeface="华文楷体" panose="02010600040101010101" pitchFamily="2" charset="-122"/>
               </a:rPr>
               <a:t>(10%-75%)</a:t>
             </a:r>
             <a:r>
-              <a:rPr lang="zh-CN" altLang="zh-CN" sz="2400" dirty="0">
+              <a:rPr lang="zh-CN" altLang="zh-CN" sz="2400" dirty="0" smtClean="0">
                 <a:solidFill>
                   <a:schemeClr val="tx1"/>
                 </a:solidFill>
+                <a:latin typeface="华文楷体" panose="02010600040101010101" pitchFamily="2" charset="-122"/>
+                <a:ea typeface="华文楷体" panose="02010600040101010101" pitchFamily="2" charset="-122"/>
               </a:rPr>
               <a:t>。</a:t>
             </a:r>
-            <a:endParaRPr lang="en-US" altLang="zh-CN" sz="2400" dirty="0" smtClean="0">
-              <a:solidFill>
-                <a:schemeClr val="tx1"/>
-              </a:solidFill>
-              <a:latin typeface="华文楷体" panose="02010600040101010101" pitchFamily="2" charset="-122"/>
-              <a:ea typeface="华文楷体" panose="02010600040101010101" pitchFamily="2" charset="-122"/>
-            </a:endParaRPr>
-          </a:p>
-          <a:p>
-            <a:pPr marL="0" indent="0" algn="just">
-              <a:buNone/>
-            </a:pPr>
             <a:endParaRPr lang="en-US" altLang="zh-CN" sz="2400" dirty="0">
               <a:solidFill>
                 <a:schemeClr val="tx1"/>
@@ -15554,10 +15516,21 @@
             </a:endParaRPr>
           </a:p>
           <a:p>
-            <a:pPr marL="0" indent="0" algn="just">
-              <a:buNone/>
+            <a:pPr algn="just">
+              <a:buFont typeface="Wingdings" panose="05000000000000000000" pitchFamily="2" charset="2"/>
+              <a:buChar char="ü"/>
             </a:pPr>
-            <a:endParaRPr lang="en-US" altLang="zh-CN" sz="2400" dirty="0">
+            <a:r>
+              <a:rPr lang="zh-CN" altLang="en-US" sz="2400" b="1" dirty="0">
+                <a:solidFill>
+                  <a:schemeClr val="tx1"/>
+                </a:solidFill>
+                <a:latin typeface="华文楷体" panose="02010600040101010101" pitchFamily="2" charset="-122"/>
+                <a:ea typeface="华文楷体" panose="02010600040101010101" pitchFamily="2" charset="-122"/>
+              </a:rPr>
+              <a:t>实验结果</a:t>
+            </a:r>
+            <a:endParaRPr lang="en-US" altLang="zh-CN" sz="2400" b="1" dirty="0">
               <a:solidFill>
                 <a:schemeClr val="tx1"/>
               </a:solidFill>
@@ -15569,7 +15542,27 @@
             <a:pPr marL="0" indent="0" algn="just">
               <a:buNone/>
             </a:pPr>
-            <a:endParaRPr lang="en-US" altLang="zh-CN" sz="2400" dirty="0" smtClean="0">
+            <a:r>
+              <a:rPr lang="en-US" altLang="zh-CN" sz="2400" dirty="0">
+                <a:solidFill>
+                  <a:schemeClr val="tx1"/>
+                </a:solidFill>
+                <a:latin typeface="华文楷体" panose="02010600040101010101" pitchFamily="2" charset="-122"/>
+                <a:ea typeface="华文楷体" panose="02010600040101010101" pitchFamily="2" charset="-122"/>
+              </a:rPr>
+              <a:t>	</a:t>
+            </a:r>
+            <a:r>
+              <a:rPr lang="zh-CN" altLang="en-US" sz="2400" dirty="0">
+                <a:solidFill>
+                  <a:schemeClr val="tx1"/>
+                </a:solidFill>
+                <a:latin typeface="华文楷体" panose="02010600040101010101" pitchFamily="2" charset="-122"/>
+                <a:ea typeface="华文楷体" panose="02010600040101010101" pitchFamily="2" charset="-122"/>
+              </a:rPr>
+              <a:t>本文提出的故障容忍算法表现出了对区域故障的故障抑制效果</a:t>
+            </a:r>
+            <a:endParaRPr lang="en-US" altLang="zh-CN" sz="2400" dirty="0">
               <a:solidFill>
                 <a:schemeClr val="tx1"/>
               </a:solidFill>
@@ -15942,20 +15935,19 @@
           <a:bodyPr/>
           <a:lstStyle/>
           <a:p>
-            <a:pPr algn="l"/>
             <a:r>
               <a:rPr lang="en-US" altLang="zh-CN" dirty="0" smtClean="0">
                 <a:latin typeface="隶书" panose="02010509060101010101" pitchFamily="49" charset="-122"/>
                 <a:ea typeface="隶书" panose="02010509060101010101" pitchFamily="49" charset="-122"/>
               </a:rPr>
-              <a:t>3</a:t>
+              <a:t>4</a:t>
             </a:r>
             <a:r>
               <a:rPr lang="zh-CN" altLang="en-US" dirty="0" smtClean="0">
                 <a:latin typeface="隶书" panose="02010509060101010101" pitchFamily="49" charset="-122"/>
                 <a:ea typeface="隶书" panose="02010509060101010101" pitchFamily="49" charset="-122"/>
               </a:rPr>
-              <a:t>、电力通信网中基于资源备份的故障容忍的方法 </a:t>
+              <a:t>、工作总结</a:t>
             </a:r>
             <a:endParaRPr lang="zh-CN" altLang="en-US" dirty="0">
               <a:latin typeface="隶书" panose="02010509060101010101" pitchFamily="49" charset="-122"/>
@@ -15976,8 +15968,8 @@
         </p:nvSpPr>
         <p:spPr>
           <a:xfrm>
-            <a:off x="804593" y="1605235"/>
-            <a:ext cx="10850378" cy="5085851"/>
+            <a:off x="804593" y="2090056"/>
+            <a:ext cx="10850378" cy="3695943"/>
           </a:xfrm>
         </p:spPr>
         <p:txBody>
@@ -15990,164 +15982,12 @@
               <a:buNone/>
             </a:pPr>
             <a:r>
-              <a:rPr lang="en-US" altLang="zh-CN" sz="2400" b="1" dirty="0" smtClean="0">
-                <a:latin typeface="华文楷体" panose="02010600040101010101" pitchFamily="2" charset="-122"/>
-                <a:ea typeface="华文楷体" panose="02010600040101010101" pitchFamily="2" charset="-122"/>
-                <a:cs typeface="Times New Roman" panose="02020603050405020304" pitchFamily="18" charset="0"/>
-              </a:rPr>
-              <a:t>3.4 </a:t>
-            </a:r>
-            <a:r>
-              <a:rPr lang="zh-CN" altLang="en-US" sz="2400" b="1" dirty="0" smtClean="0">
-                <a:latin typeface="华文楷体" panose="02010600040101010101" pitchFamily="2" charset="-122"/>
-                <a:ea typeface="华文楷体" panose="02010600040101010101" pitchFamily="2" charset="-122"/>
-                <a:cs typeface="Times New Roman" panose="02020603050405020304" pitchFamily="18" charset="0"/>
-              </a:rPr>
-              <a:t>研究点二</a:t>
-            </a:r>
-            <a:r>
-              <a:rPr lang="zh-CN" altLang="en-US" sz="2400" b="1" dirty="0">
-                <a:latin typeface="华文楷体" panose="02010600040101010101" pitchFamily="2" charset="-122"/>
-                <a:ea typeface="华文楷体" panose="02010600040101010101" pitchFamily="2" charset="-122"/>
-                <a:cs typeface="Times New Roman" panose="02020603050405020304" pitchFamily="18" charset="0"/>
-              </a:rPr>
-              <a:t>：电力通信网中面向区域故障的链路备份算法</a:t>
-            </a:r>
-            <a:endParaRPr lang="en-US" altLang="zh-CN" sz="2400" b="1" dirty="0" smtClean="0">
-              <a:latin typeface="华文楷体" panose="02010600040101010101" pitchFamily="2" charset="-122"/>
-              <a:ea typeface="华文楷体" panose="02010600040101010101" pitchFamily="2" charset="-122"/>
-              <a:cs typeface="Times New Roman" panose="02020603050405020304" pitchFamily="18" charset="0"/>
-            </a:endParaRPr>
-          </a:p>
-          <a:p>
-            <a:pPr algn="just">
-              <a:buFont typeface="Wingdings" panose="05000000000000000000" pitchFamily="2" charset="2"/>
-              <a:buChar char="ü"/>
-            </a:pPr>
-            <a:r>
-              <a:rPr lang="zh-CN" altLang="en-US" sz="2400" b="1" dirty="0">
-                <a:solidFill>
-                  <a:schemeClr val="tx1"/>
-                </a:solidFill>
-                <a:latin typeface="华文楷体" panose="02010600040101010101" pitchFamily="2" charset="-122"/>
-                <a:ea typeface="华文楷体" panose="02010600040101010101" pitchFamily="2" charset="-122"/>
-              </a:rPr>
-              <a:t>实验结果</a:t>
-            </a:r>
-            <a:endParaRPr lang="en-US" altLang="zh-CN" sz="2400" b="1" dirty="0">
-              <a:solidFill>
-                <a:schemeClr val="tx1"/>
-              </a:solidFill>
-              <a:latin typeface="华文楷体" panose="02010600040101010101" pitchFamily="2" charset="-122"/>
-              <a:ea typeface="华文楷体" panose="02010600040101010101" pitchFamily="2" charset="-122"/>
-            </a:endParaRPr>
-          </a:p>
-          <a:p>
-            <a:pPr marL="0" indent="0" algn="just">
-              <a:buNone/>
-            </a:pPr>
-            <a:r>
-              <a:rPr lang="en-US" altLang="zh-CN" sz="2400" dirty="0">
-                <a:solidFill>
-                  <a:schemeClr val="tx1"/>
-                </a:solidFill>
-                <a:latin typeface="华文楷体" panose="02010600040101010101" pitchFamily="2" charset="-122"/>
-                <a:ea typeface="华文楷体" panose="02010600040101010101" pitchFamily="2" charset="-122"/>
-              </a:rPr>
-              <a:t>	</a:t>
-            </a:r>
-            <a:r>
-              <a:rPr lang="zh-CN" altLang="en-US" sz="2400" dirty="0">
-                <a:solidFill>
-                  <a:schemeClr val="tx1"/>
-                </a:solidFill>
-                <a:latin typeface="华文楷体" panose="02010600040101010101" pitchFamily="2" charset="-122"/>
-                <a:ea typeface="华文楷体" panose="02010600040101010101" pitchFamily="2" charset="-122"/>
-              </a:rPr>
-              <a:t>本文提出的故障容忍算法表现出了</a:t>
-            </a:r>
-            <a:r>
-              <a:rPr lang="zh-CN" altLang="en-US" sz="2400" dirty="0" smtClean="0">
-                <a:solidFill>
-                  <a:schemeClr val="tx1"/>
-                </a:solidFill>
-                <a:latin typeface="华文楷体" panose="02010600040101010101" pitchFamily="2" charset="-122"/>
-                <a:ea typeface="华文楷体" panose="02010600040101010101" pitchFamily="2" charset="-122"/>
-              </a:rPr>
-              <a:t>对区域故障</a:t>
-            </a:r>
-            <a:r>
-              <a:rPr lang="zh-CN" altLang="en-US" sz="2400" dirty="0">
-                <a:solidFill>
-                  <a:schemeClr val="tx1"/>
-                </a:solidFill>
-                <a:latin typeface="华文楷体" panose="02010600040101010101" pitchFamily="2" charset="-122"/>
-                <a:ea typeface="华文楷体" panose="02010600040101010101" pitchFamily="2" charset="-122"/>
-              </a:rPr>
-              <a:t>的故障抑制效果</a:t>
-            </a:r>
-            <a:endParaRPr lang="en-US" altLang="zh-CN" sz="2400" dirty="0">
-              <a:solidFill>
-                <a:schemeClr val="tx1"/>
-              </a:solidFill>
-              <a:latin typeface="华文楷体" panose="02010600040101010101" pitchFamily="2" charset="-122"/>
-              <a:ea typeface="华文楷体" panose="02010600040101010101" pitchFamily="2" charset="-122"/>
-            </a:endParaRPr>
-          </a:p>
-          <a:p>
-            <a:pPr algn="just">
-              <a:buFont typeface="Wingdings" panose="05000000000000000000" pitchFamily="2" charset="2"/>
-              <a:buChar char="ü"/>
-            </a:pPr>
-            <a:r>
-              <a:rPr lang="zh-CN" altLang="en-US" sz="2400" b="1" dirty="0" smtClean="0">
-                <a:latin typeface="华文楷体" panose="02010600040101010101" pitchFamily="2" charset="-122"/>
-                <a:ea typeface="华文楷体" panose="02010600040101010101" pitchFamily="2" charset="-122"/>
-                <a:cs typeface="Times New Roman" panose="02020603050405020304" pitchFamily="18" charset="0"/>
-              </a:rPr>
-              <a:t>成果</a:t>
-            </a:r>
-            <a:endParaRPr lang="en-US" altLang="zh-CN" sz="2400" b="1" dirty="0" smtClean="0">
-              <a:latin typeface="华文楷体" panose="02010600040101010101" pitchFamily="2" charset="-122"/>
-              <a:ea typeface="华文楷体" panose="02010600040101010101" pitchFamily="2" charset="-122"/>
-              <a:cs typeface="Times New Roman" panose="02020603050405020304" pitchFamily="18" charset="0"/>
-            </a:endParaRPr>
-          </a:p>
-          <a:p>
-            <a:pPr marL="0" indent="0" algn="just">
-              <a:buNone/>
-            </a:pPr>
-            <a:r>
-              <a:rPr lang="en-US" altLang="zh-CN" sz="2400" b="1" dirty="0" smtClean="0">
-                <a:latin typeface="华文楷体" panose="02010600040101010101" pitchFamily="2" charset="-122"/>
-                <a:ea typeface="华文楷体" panose="02010600040101010101" pitchFamily="2" charset="-122"/>
-                <a:cs typeface="Times New Roman" panose="02020603050405020304" pitchFamily="18" charset="0"/>
-              </a:rPr>
-              <a:t>     </a:t>
-            </a:r>
-            <a:r>
-              <a:rPr lang="en-US" altLang="zh-CN" sz="2400" dirty="0">
-                <a:latin typeface="华文楷体" panose="02010600040101010101" pitchFamily="2" charset="-122"/>
-                <a:ea typeface="华文楷体" panose="02010600040101010101" pitchFamily="2" charset="-122"/>
-                <a:cs typeface="Times New Roman" panose="02020603050405020304" pitchFamily="18" charset="0"/>
-              </a:rPr>
-              <a:t>《A Sampling Point Based Fault Tolerant Algorithm for NFV based Smart Grid Communication </a:t>
-            </a:r>
-            <a:r>
               <a:rPr lang="en-US" altLang="zh-CN" sz="2400" dirty="0" smtClean="0">
                 <a:latin typeface="华文楷体" panose="02010600040101010101" pitchFamily="2" charset="-122"/>
                 <a:ea typeface="华文楷体" panose="02010600040101010101" pitchFamily="2" charset="-122"/>
                 <a:cs typeface="Times New Roman" panose="02020603050405020304" pitchFamily="18" charset="0"/>
               </a:rPr>
-              <a:t>Network 》Transactions </a:t>
-            </a:r>
-            <a:r>
-              <a:rPr lang="en-US" altLang="zh-CN" sz="2400" dirty="0">
-                <a:latin typeface="华文楷体" panose="02010600040101010101" pitchFamily="2" charset="-122"/>
-                <a:ea typeface="华文楷体" panose="02010600040101010101" pitchFamily="2" charset="-122"/>
-                <a:cs typeface="Times New Roman" panose="02020603050405020304" pitchFamily="18" charset="0"/>
-              </a:rPr>
-              <a:t>on Smart Grid </a:t>
+              <a:t>1</a:t>
             </a:r>
             <a:r>
               <a:rPr lang="zh-CN" altLang="en-US" sz="2400" dirty="0" smtClean="0">
@@ -16155,29 +15995,116 @@
                 <a:ea typeface="华文楷体" panose="02010600040101010101" pitchFamily="2" charset="-122"/>
                 <a:cs typeface="Times New Roman" panose="02020603050405020304" pitchFamily="18" charset="0"/>
               </a:rPr>
-              <a:t>在审</a:t>
-            </a:r>
-          </a:p>
-          <a:p>
-            <a:pPr marL="0" indent="0" algn="just">
-              <a:buNone/>
-            </a:pPr>
-            <a:endParaRPr lang="en-US" altLang="zh-CN" sz="2400" b="1" dirty="0">
-              <a:latin typeface="华文楷体" panose="02010600040101010101" pitchFamily="2" charset="-122"/>
-              <a:ea typeface="华文楷体" panose="02010600040101010101" pitchFamily="2" charset="-122"/>
-              <a:cs typeface="Times New Roman" panose="02020603050405020304" pitchFamily="18" charset="0"/>
-            </a:endParaRPr>
-          </a:p>
-          <a:p>
-            <a:pPr marL="0" indent="0" algn="just">
-              <a:buNone/>
-            </a:pPr>
+              <a:t>）提出</a:t>
+            </a:r>
+            <a:r>
+              <a:rPr lang="zh-CN" altLang="en-US" sz="2400" dirty="0">
+                <a:latin typeface="华文楷体" panose="02010600040101010101" pitchFamily="2" charset="-122"/>
+                <a:ea typeface="华文楷体" panose="02010600040101010101" pitchFamily="2" charset="-122"/>
+                <a:cs typeface="Times New Roman" panose="02020603050405020304" pitchFamily="18" charset="0"/>
+              </a:rPr>
+              <a:t>了面向级联故障的电力通信网中的资源备份</a:t>
+            </a:r>
+            <a:r>
+              <a:rPr lang="zh-CN" altLang="en-US" sz="2400" dirty="0" smtClean="0">
+                <a:latin typeface="华文楷体" panose="02010600040101010101" pitchFamily="2" charset="-122"/>
+                <a:ea typeface="华文楷体" panose="02010600040101010101" pitchFamily="2" charset="-122"/>
+                <a:cs typeface="Times New Roman" panose="02020603050405020304" pitchFamily="18" charset="0"/>
+              </a:rPr>
+              <a:t>算法。</a:t>
+            </a:r>
+            <a:r>
+              <a:rPr lang="zh-CN" altLang="en-US" sz="2400" dirty="0">
+                <a:latin typeface="华文楷体" panose="02010600040101010101" pitchFamily="2" charset="-122"/>
+                <a:ea typeface="华文楷体" panose="02010600040101010101" pitchFamily="2" charset="-122"/>
+                <a:cs typeface="Times New Roman" panose="02020603050405020304" pitchFamily="18" charset="0"/>
+              </a:rPr>
+              <a:t>基于级联故障的级联耦合特性，根据电力网与电力通信网的耦合关系，设计故障相互影响模型，分析级联故障产生原因，并由此找到电力通信网中的关键节点，设计相应的备份策略。</a:t>
+            </a:r>
             <a:endParaRPr lang="en-US" altLang="zh-CN" sz="2400" dirty="0" smtClean="0">
               <a:latin typeface="华文楷体" panose="02010600040101010101" pitchFamily="2" charset="-122"/>
               <a:ea typeface="华文楷体" panose="02010600040101010101" pitchFamily="2" charset="-122"/>
               <a:cs typeface="Times New Roman" panose="02020603050405020304" pitchFamily="18" charset="0"/>
             </a:endParaRPr>
           </a:p>
+          <a:p>
+            <a:pPr marL="0" indent="0" algn="just">
+              <a:buNone/>
+            </a:pPr>
+            <a:endParaRPr lang="zh-CN" altLang="en-US" sz="2400" dirty="0">
+              <a:latin typeface="华文楷体" panose="02010600040101010101" pitchFamily="2" charset="-122"/>
+              <a:ea typeface="华文楷体" panose="02010600040101010101" pitchFamily="2" charset="-122"/>
+              <a:cs typeface="Times New Roman" panose="02020603050405020304" pitchFamily="18" charset="0"/>
+            </a:endParaRPr>
+          </a:p>
+          <a:p>
+            <a:pPr marL="0" indent="0" algn="just">
+              <a:buNone/>
+            </a:pPr>
+            <a:r>
+              <a:rPr lang="en-US" altLang="zh-CN" sz="2400" dirty="0" smtClean="0">
+                <a:latin typeface="华文楷体" panose="02010600040101010101" pitchFamily="2" charset="-122"/>
+                <a:ea typeface="华文楷体" panose="02010600040101010101" pitchFamily="2" charset="-122"/>
+                <a:cs typeface="Times New Roman" panose="02020603050405020304" pitchFamily="18" charset="0"/>
+              </a:rPr>
+              <a:t>2</a:t>
+            </a:r>
+            <a:r>
+              <a:rPr lang="zh-CN" altLang="en-US" sz="2400" dirty="0" smtClean="0">
+                <a:latin typeface="华文楷体" panose="02010600040101010101" pitchFamily="2" charset="-122"/>
+                <a:ea typeface="华文楷体" panose="02010600040101010101" pitchFamily="2" charset="-122"/>
+                <a:cs typeface="Times New Roman" panose="02020603050405020304" pitchFamily="18" charset="0"/>
+              </a:rPr>
+              <a:t>）提出</a:t>
+            </a:r>
+            <a:r>
+              <a:rPr lang="zh-CN" altLang="en-US" sz="2400" dirty="0">
+                <a:latin typeface="华文楷体" panose="02010600040101010101" pitchFamily="2" charset="-122"/>
+                <a:ea typeface="华文楷体" panose="02010600040101010101" pitchFamily="2" charset="-122"/>
+                <a:cs typeface="Times New Roman" panose="02020603050405020304" pitchFamily="18" charset="0"/>
+              </a:rPr>
+              <a:t>了面向区域故障的电力通信网中的资源备份算法。首先，根据区域故障的特点，分析故障对网络的整体影响。根据区域故障对故障区域内元件的影响分为二元故障类型和概率故障类型。考虑不同故障类型对网络拓扑的影响，提出</a:t>
+            </a:r>
+            <a:r>
+              <a:rPr lang="zh-CN" altLang="en-US" sz="2400" dirty="0" smtClean="0">
+                <a:latin typeface="华文楷体" panose="02010600040101010101" pitchFamily="2" charset="-122"/>
+                <a:ea typeface="华文楷体" panose="02010600040101010101" pitchFamily="2" charset="-122"/>
+                <a:cs typeface="Times New Roman" panose="02020603050405020304" pitchFamily="18" charset="0"/>
+              </a:rPr>
+              <a:t>了相应的备份</a:t>
+            </a:r>
+            <a:r>
+              <a:rPr lang="zh-CN" altLang="en-US" sz="2400" dirty="0">
+                <a:latin typeface="华文楷体" panose="02010600040101010101" pitchFamily="2" charset="-122"/>
+                <a:ea typeface="华文楷体" panose="02010600040101010101" pitchFamily="2" charset="-122"/>
+                <a:cs typeface="Times New Roman" panose="02020603050405020304" pitchFamily="18" charset="0"/>
+              </a:rPr>
+              <a:t>方法。</a:t>
+            </a:r>
+            <a:endParaRPr lang="zh-CN" altLang="en-US" sz="2400" dirty="0" smtClean="0">
+              <a:latin typeface="华文楷体" panose="02010600040101010101" pitchFamily="2" charset="-122"/>
+              <a:ea typeface="华文楷体" panose="02010600040101010101" pitchFamily="2" charset="-122"/>
+              <a:cs typeface="Times New Roman" panose="02020603050405020304" pitchFamily="18" charset="0"/>
+            </a:endParaRPr>
+          </a:p>
+          <a:p>
+            <a:pPr marL="0" indent="0" algn="just">
+              <a:buNone/>
+            </a:pPr>
+            <a:endParaRPr lang="zh-CN" altLang="en-US" sz="2400" dirty="0">
+              <a:latin typeface="华文楷体" panose="02010600040101010101" pitchFamily="2" charset="-122"/>
+              <a:ea typeface="华文楷体" panose="02010600040101010101" pitchFamily="2" charset="-122"/>
+            </a:endParaRPr>
+          </a:p>
+          <a:p>
+            <a:pPr marL="0" indent="0" algn="just">
+              <a:buNone/>
+            </a:pPr>
+            <a:endParaRPr lang="zh-CN" altLang="en-US" sz="2400" dirty="0">
+              <a:latin typeface="仿宋" panose="02010609060101010101" pitchFamily="49" charset="-122"/>
+              <a:ea typeface="仿宋" panose="02010609060101010101" pitchFamily="49" charset="-122"/>
+            </a:endParaRPr>
+          </a:p>
         </p:txBody>
       </p:sp>
       <p:sp>
@@ -16192,8 +16119,8 @@
         </p:nvSpPr>
         <p:spPr>
           <a:xfrm>
-            <a:off x="11427785" y="6574971"/>
-            <a:ext cx="764215" cy="283029"/>
+            <a:off x="11427785" y="6492875"/>
+            <a:ext cx="764215" cy="365125"/>
           </a:xfrm>
         </p:spPr>
         <p:txBody>
@@ -16223,15 +16150,12 @@
               </a:solidFill>
             </a:endParaRPr>
           </a:p>
-          <a:p>
-            <a:endParaRPr lang="zh-CN" altLang="en-US" dirty="0"/>
-          </a:p>
         </p:txBody>
       </p:sp>
     </p:spTree>
     <p:extLst>
       <p:ext uri="{BB962C8B-B14F-4D97-AF65-F5344CB8AC3E}">
-        <p14:creationId xmlns:p14="http://schemas.microsoft.com/office/powerpoint/2010/main" val="3000526983"/>
+        <p14:creationId xmlns:p14="http://schemas.microsoft.com/office/powerpoint/2010/main" val="731623277"/>
       </p:ext>
     </p:extLst>
   </p:cSld>
@@ -16290,14 +16214,14 @@
                 <a:latin typeface="隶书" panose="02010509060101010101" pitchFamily="49" charset="-122"/>
                 <a:ea typeface="隶书" panose="02010509060101010101" pitchFamily="49" charset="-122"/>
               </a:rPr>
-              <a:t>4</a:t>
+              <a:t>5</a:t>
             </a:r>
             <a:r>
               <a:rPr lang="zh-CN" altLang="en-US" dirty="0" smtClean="0">
                 <a:latin typeface="隶书" panose="02010509060101010101" pitchFamily="49" charset="-122"/>
                 <a:ea typeface="隶书" panose="02010509060101010101" pitchFamily="49" charset="-122"/>
               </a:rPr>
-              <a:t>、工作总结</a:t>
+              <a:t>、展望</a:t>
             </a:r>
             <a:endParaRPr lang="zh-CN" altLang="en-US" dirty="0">
               <a:latin typeface="隶书" panose="02010509060101010101" pitchFamily="49" charset="-122"/>
@@ -16345,7 +16269,15 @@
                 <a:ea typeface="华文楷体" panose="02010600040101010101" pitchFamily="2" charset="-122"/>
                 <a:cs typeface="Times New Roman" panose="02020603050405020304" pitchFamily="18" charset="0"/>
               </a:rPr>
-              <a:t>）本文</a:t>
+              <a:t>）仿真实验部分仍</a:t>
+            </a:r>
+            <a:r>
+              <a:rPr lang="zh-CN" altLang="en-US" sz="2400" dirty="0" smtClean="0">
+                <a:latin typeface="华文楷体" panose="02010600040101010101" pitchFamily="2" charset="-122"/>
+                <a:ea typeface="华文楷体" panose="02010600040101010101" pitchFamily="2" charset="-122"/>
+                <a:cs typeface="Times New Roman" panose="02020603050405020304" pitchFamily="18" charset="0"/>
+              </a:rPr>
+              <a:t>需对仿真网络再进行多次</a:t>
             </a:r>
             <a:r>
               <a:rPr lang="zh-CN" altLang="en-US" sz="2400" dirty="0">
@@ -16353,7 +16285,55 @@
                 <a:ea typeface="华文楷体" panose="02010600040101010101" pitchFamily="2" charset="-122"/>
                 <a:cs typeface="Times New Roman" panose="02020603050405020304" pitchFamily="18" charset="0"/>
               </a:rPr>
-              <a:t>提出了面向级联故障的电力通信网中的资源备份算法的。基于级联故障的级联耦合特性，根据电力网与电力通信网的耦合关系，设计故障相互影响模型，分析级联故障产生原因，并由此找到电力通信网中的关键节点，设计相应的备份策略。</a:t>
+              <a:t>参数调整以获得更精确的数据，仍需要更多的仿真实验以证明结果</a:t>
+            </a:r>
+            <a:r>
+              <a:rPr lang="zh-CN" altLang="en-US" sz="2400" dirty="0" smtClean="0">
+                <a:latin typeface="华文楷体" panose="02010600040101010101" pitchFamily="2" charset="-122"/>
+                <a:ea typeface="华文楷体" panose="02010600040101010101" pitchFamily="2" charset="-122"/>
+                <a:cs typeface="Times New Roman" panose="02020603050405020304" pitchFamily="18" charset="0"/>
+              </a:rPr>
+              <a:t>。需要</a:t>
+            </a:r>
+            <a:r>
+              <a:rPr lang="zh-CN" altLang="en-US" sz="2400" dirty="0">
+                <a:latin typeface="华文楷体" panose="02010600040101010101" pitchFamily="2" charset="-122"/>
+                <a:ea typeface="华文楷体" panose="02010600040101010101" pitchFamily="2" charset="-122"/>
+                <a:cs typeface="Times New Roman" panose="02020603050405020304" pitchFamily="18" charset="0"/>
+              </a:rPr>
+              <a:t>考虑更多的</a:t>
+            </a:r>
+            <a:r>
+              <a:rPr lang="zh-CN" altLang="en-US" sz="2400" dirty="0" smtClean="0">
+                <a:latin typeface="华文楷体" panose="02010600040101010101" pitchFamily="2" charset="-122"/>
+                <a:ea typeface="华文楷体" panose="02010600040101010101" pitchFamily="2" charset="-122"/>
+                <a:cs typeface="Times New Roman" panose="02020603050405020304" pitchFamily="18" charset="0"/>
+              </a:rPr>
+              <a:t>网络特征参数</a:t>
+            </a:r>
+            <a:r>
+              <a:rPr lang="zh-CN" altLang="en-US" sz="2400" dirty="0">
+                <a:latin typeface="华文楷体" panose="02010600040101010101" pitchFamily="2" charset="-122"/>
+                <a:ea typeface="华文楷体" panose="02010600040101010101" pitchFamily="2" charset="-122"/>
+                <a:cs typeface="Times New Roman" panose="02020603050405020304" pitchFamily="18" charset="0"/>
+              </a:rPr>
+              <a:t>对网络的影响</a:t>
+            </a:r>
+            <a:r>
+              <a:rPr lang="zh-CN" altLang="en-US" sz="2400" dirty="0" smtClean="0">
+                <a:latin typeface="华文楷体" panose="02010600040101010101" pitchFamily="2" charset="-122"/>
+                <a:ea typeface="华文楷体" panose="02010600040101010101" pitchFamily="2" charset="-122"/>
+                <a:cs typeface="Times New Roman" panose="02020603050405020304" pitchFamily="18" charset="0"/>
+              </a:rPr>
+              <a:t>，以对</a:t>
+            </a:r>
+            <a:r>
+              <a:rPr lang="zh-CN" altLang="en-US" sz="2400" dirty="0">
+                <a:latin typeface="华文楷体" panose="02010600040101010101" pitchFamily="2" charset="-122"/>
+                <a:ea typeface="华文楷体" panose="02010600040101010101" pitchFamily="2" charset="-122"/>
+                <a:cs typeface="Times New Roman" panose="02020603050405020304" pitchFamily="18" charset="0"/>
+              </a:rPr>
+              <a:t>实际问题场景进行更合理精确地建模。</a:t>
             </a:r>
             <a:endParaRPr lang="en-US" altLang="zh-CN" sz="2400" dirty="0" smtClean="0">
               <a:latin typeface="华文楷体" panose="02010600040101010101" pitchFamily="2" charset="-122"/>
@@ -16365,7 +16345,7 @@
             <a:pPr marL="0" indent="0" algn="just">
               <a:buNone/>
             </a:pPr>
-            <a:endParaRPr lang="zh-CN" altLang="en-US" sz="2400" dirty="0">
+            <a:endParaRPr lang="en-US" altLang="zh-CN" sz="2400" dirty="0" smtClean="0">
               <a:latin typeface="华文楷体" panose="02010600040101010101" pitchFamily="2" charset="-122"/>
               <a:ea typeface="华文楷体" panose="02010600040101010101" pitchFamily="2" charset="-122"/>
               <a:cs typeface="Times New Roman" panose="02020603050405020304" pitchFamily="18" charset="0"/>
@@ -16389,7 +16369,7 @@
                 <a:ea typeface="华文楷体" panose="02010600040101010101" pitchFamily="2" charset="-122"/>
                 <a:cs typeface="Times New Roman" panose="02020603050405020304" pitchFamily="18" charset="0"/>
               </a:rPr>
-              <a:t>）本文</a:t>
+              <a:t>）在</a:t>
             </a:r>
             <a:r>
               <a:rPr lang="zh-CN" altLang="en-US" sz="2400" dirty="0">
@@ -16397,9 +16377,51 @@
                 <a:ea typeface="华文楷体" panose="02010600040101010101" pitchFamily="2" charset="-122"/>
                 <a:cs typeface="Times New Roman" panose="02020603050405020304" pitchFamily="18" charset="0"/>
               </a:rPr>
-              <a:t>提出了面向区域故障的电力通信网中的资源备份算法。首先，根据区域故障的特点，分析故障对网络的整体影响。根据区域故障对故障区域内元件的影响分为二元故障类型和概率故障类型。考虑不同故障类型对网络拓扑的影响，提出了一种比较分析不同种类型的无线链路备份方法。</a:t>
-            </a:r>
-            <a:endParaRPr lang="zh-CN" altLang="en-US" sz="2400" dirty="0" smtClean="0">
+              <a:t>面向区域故障的电力通信网备份</a:t>
+            </a:r>
+            <a:r>
+              <a:rPr lang="zh-CN" altLang="en-US" sz="2400" dirty="0" smtClean="0">
+                <a:latin typeface="华文楷体" panose="02010600040101010101" pitchFamily="2" charset="-122"/>
+                <a:ea typeface="华文楷体" panose="02010600040101010101" pitchFamily="2" charset="-122"/>
+                <a:cs typeface="Times New Roman" panose="02020603050405020304" pitchFamily="18" charset="0"/>
+              </a:rPr>
+              <a:t>算法的</a:t>
+            </a:r>
+            <a:r>
+              <a:rPr lang="zh-CN" altLang="en-US" sz="2400" dirty="0">
+                <a:latin typeface="华文楷体" panose="02010600040101010101" pitchFamily="2" charset="-122"/>
+                <a:ea typeface="华文楷体" panose="02010600040101010101" pitchFamily="2" charset="-122"/>
+                <a:cs typeface="Times New Roman" panose="02020603050405020304" pitchFamily="18" charset="0"/>
+              </a:rPr>
+              <a:t>仿真环境中</a:t>
+            </a:r>
+            <a:r>
+              <a:rPr lang="zh-CN" altLang="en-US" sz="2400" dirty="0" smtClean="0">
+                <a:latin typeface="华文楷体" panose="02010600040101010101" pitchFamily="2" charset="-122"/>
+                <a:ea typeface="华文楷体" panose="02010600040101010101" pitchFamily="2" charset="-122"/>
+                <a:cs typeface="Times New Roman" panose="02020603050405020304" pitchFamily="18" charset="0"/>
+              </a:rPr>
+              <a:t>，仍需对</a:t>
+            </a:r>
+            <a:r>
+              <a:rPr lang="zh-CN" altLang="en-US" sz="2400" dirty="0">
+                <a:latin typeface="华文楷体" panose="02010600040101010101" pitchFamily="2" charset="-122"/>
+                <a:ea typeface="华文楷体" panose="02010600040101010101" pitchFamily="2" charset="-122"/>
+                <a:cs typeface="Times New Roman" panose="02020603050405020304" pitchFamily="18" charset="0"/>
+              </a:rPr>
+              <a:t>不同的无线备份算法进行对比仿真，仍需要进一步完善实验环境。后续的工作需要对上述要素进行差异化处理，使得实验环境更加贴近真实的电力通信网网络场景，增加实验结果的说服力。</a:t>
+            </a:r>
+            <a:endParaRPr lang="en-US" altLang="zh-CN" sz="2400" dirty="0" smtClean="0">
+              <a:latin typeface="华文楷体" panose="02010600040101010101" pitchFamily="2" charset="-122"/>
+              <a:ea typeface="华文楷体" panose="02010600040101010101" pitchFamily="2" charset="-122"/>
+              <a:cs typeface="Times New Roman" panose="02020603050405020304" pitchFamily="18" charset="0"/>
+            </a:endParaRPr>
+          </a:p>
+          <a:p>
+            <a:pPr marL="0" indent="0" algn="just">
+              <a:buNone/>
+            </a:pPr>
+            <a:endParaRPr lang="en-US" altLang="zh-CN" sz="2400" dirty="0" smtClean="0">
               <a:latin typeface="华文楷体" panose="02010600040101010101" pitchFamily="2" charset="-122"/>
               <a:ea typeface="华文楷体" panose="02010600040101010101" pitchFamily="2" charset="-122"/>
               <a:cs typeface="Times New Roman" panose="02020603050405020304" pitchFamily="18" charset="0"/>
@@ -16437,8 +16459,8 @@
         </p:nvSpPr>
         <p:spPr>
           <a:xfrm>
-            <a:off x="11427785" y="6492875"/>
-            <a:ext cx="764215" cy="365125"/>
+            <a:off x="11427785" y="6691086"/>
+            <a:ext cx="764215" cy="166914"/>
           </a:xfrm>
         </p:spPr>
         <p:txBody>
@@ -16468,12 +16490,15 @@
               </a:solidFill>
             </a:endParaRPr>
           </a:p>
+          <a:p>
+            <a:endParaRPr lang="zh-CN" altLang="en-US" dirty="0"/>
+          </a:p>
         </p:txBody>
       </p:sp>
     </p:spTree>
     <p:extLst>
       <p:ext uri="{BB962C8B-B14F-4D97-AF65-F5344CB8AC3E}">
-        <p14:creationId xmlns:p14="http://schemas.microsoft.com/office/powerpoint/2010/main" val="731623277"/>
+        <p14:creationId xmlns:p14="http://schemas.microsoft.com/office/powerpoint/2010/main" val="3632487975"/>
       </p:ext>
     </p:extLst>
   </p:cSld>
@@ -16519,333 +16544,6 @@
         </p:nvSpPr>
         <p:spPr>
           <a:xfrm>
-            <a:off x="804593" y="627796"/>
-            <a:ext cx="10364451" cy="805219"/>
-          </a:xfrm>
-        </p:spPr>
-        <p:txBody>
-          <a:bodyPr/>
-          <a:lstStyle/>
-          <a:p>
-            <a:r>
-              <a:rPr lang="en-US" altLang="zh-CN" dirty="0" smtClean="0">
-                <a:latin typeface="隶书" panose="02010509060101010101" pitchFamily="49" charset="-122"/>
-                <a:ea typeface="隶书" panose="02010509060101010101" pitchFamily="49" charset="-122"/>
-              </a:rPr>
-              <a:t>5</a:t>
-            </a:r>
-            <a:r>
-              <a:rPr lang="zh-CN" altLang="en-US" dirty="0" smtClean="0">
-                <a:latin typeface="隶书" panose="02010509060101010101" pitchFamily="49" charset="-122"/>
-                <a:ea typeface="隶书" panose="02010509060101010101" pitchFamily="49" charset="-122"/>
-              </a:rPr>
-              <a:t>、展望</a:t>
-            </a:r>
-            <a:endParaRPr lang="zh-CN" altLang="en-US" dirty="0">
-              <a:latin typeface="隶书" panose="02010509060101010101" pitchFamily="49" charset="-122"/>
-              <a:ea typeface="隶书" panose="02010509060101010101" pitchFamily="49" charset="-122"/>
-            </a:endParaRPr>
-          </a:p>
-        </p:txBody>
-      </p:sp>
-      <p:sp>
-        <p:nvSpPr>
-          <p:cNvPr id="3" name="内容占位符 2"/>
-          <p:cNvSpPr>
-            <a:spLocks noGrp="1"/>
-          </p:cNvSpPr>
-          <p:nvPr>
-            <p:ph idx="1"/>
-          </p:nvPr>
-        </p:nvSpPr>
-        <p:spPr>
-          <a:xfrm>
-            <a:off x="804593" y="2090056"/>
-            <a:ext cx="10850378" cy="3695943"/>
-          </a:xfrm>
-        </p:spPr>
-        <p:txBody>
-          <a:bodyPr>
-            <a:normAutofit/>
-          </a:bodyPr>
-          <a:lstStyle/>
-          <a:p>
-            <a:pPr marL="0" indent="0" algn="just">
-              <a:buNone/>
-            </a:pPr>
-            <a:r>
-              <a:rPr lang="en-US" altLang="zh-CN" sz="2400" dirty="0" smtClean="0">
-                <a:latin typeface="华文楷体" panose="02010600040101010101" pitchFamily="2" charset="-122"/>
-                <a:ea typeface="华文楷体" panose="02010600040101010101" pitchFamily="2" charset="-122"/>
-                <a:cs typeface="Times New Roman" panose="02020603050405020304" pitchFamily="18" charset="0"/>
-              </a:rPr>
-              <a:t>1</a:t>
-            </a:r>
-            <a:r>
-              <a:rPr lang="zh-CN" altLang="en-US" sz="2400" dirty="0" smtClean="0">
-                <a:latin typeface="华文楷体" panose="02010600040101010101" pitchFamily="2" charset="-122"/>
-                <a:ea typeface="华文楷体" panose="02010600040101010101" pitchFamily="2" charset="-122"/>
-                <a:cs typeface="Times New Roman" panose="02020603050405020304" pitchFamily="18" charset="0"/>
-              </a:rPr>
-              <a:t>）在</a:t>
-            </a:r>
-            <a:r>
-              <a:rPr lang="zh-CN" altLang="en-US" sz="2400" dirty="0">
-                <a:latin typeface="华文楷体" panose="02010600040101010101" pitchFamily="2" charset="-122"/>
-                <a:ea typeface="华文楷体" panose="02010600040101010101" pitchFamily="2" charset="-122"/>
-                <a:cs typeface="Times New Roman" panose="02020603050405020304" pitchFamily="18" charset="0"/>
-              </a:rPr>
-              <a:t>仿真实验时</a:t>
-            </a:r>
-            <a:r>
-              <a:rPr lang="zh-CN" altLang="en-US" sz="2400" dirty="0" smtClean="0">
-                <a:latin typeface="华文楷体" panose="02010600040101010101" pitchFamily="2" charset="-122"/>
-                <a:ea typeface="华文楷体" panose="02010600040101010101" pitchFamily="2" charset="-122"/>
-                <a:cs typeface="Times New Roman" panose="02020603050405020304" pitchFamily="18" charset="0"/>
-              </a:rPr>
-              <a:t>，</a:t>
-            </a:r>
-            <a:r>
-              <a:rPr lang="zh-CN" altLang="en-US" sz="2400" dirty="0">
-                <a:latin typeface="华文楷体" panose="02010600040101010101" pitchFamily="2" charset="-122"/>
-                <a:ea typeface="华文楷体" panose="02010600040101010101" pitchFamily="2" charset="-122"/>
-                <a:cs typeface="Times New Roman" panose="02020603050405020304" pitchFamily="18" charset="0"/>
-              </a:rPr>
-              <a:t>仍</a:t>
-            </a:r>
-            <a:r>
-              <a:rPr lang="zh-CN" altLang="en-US" sz="2400" dirty="0" smtClean="0">
-                <a:latin typeface="华文楷体" panose="02010600040101010101" pitchFamily="2" charset="-122"/>
-                <a:ea typeface="华文楷体" panose="02010600040101010101" pitchFamily="2" charset="-122"/>
-                <a:cs typeface="Times New Roman" panose="02020603050405020304" pitchFamily="18" charset="0"/>
-              </a:rPr>
-              <a:t>需</a:t>
-            </a:r>
-            <a:r>
-              <a:rPr lang="zh-CN" altLang="en-US" sz="2400" dirty="0" smtClean="0">
-                <a:latin typeface="华文楷体" panose="02010600040101010101" pitchFamily="2" charset="-122"/>
-                <a:ea typeface="华文楷体" panose="02010600040101010101" pitchFamily="2" charset="-122"/>
-                <a:cs typeface="Times New Roman" panose="02020603050405020304" pitchFamily="18" charset="0"/>
-              </a:rPr>
-              <a:t>对</a:t>
-            </a:r>
-            <a:r>
-              <a:rPr lang="zh-CN" altLang="en-US" sz="2400" dirty="0" smtClean="0">
-                <a:latin typeface="华文楷体" panose="02010600040101010101" pitchFamily="2" charset="-122"/>
-                <a:ea typeface="华文楷体" panose="02010600040101010101" pitchFamily="2" charset="-122"/>
-                <a:cs typeface="Times New Roman" panose="02020603050405020304" pitchFamily="18" charset="0"/>
-              </a:rPr>
-              <a:t>仿真</a:t>
-            </a:r>
-            <a:r>
-              <a:rPr lang="zh-CN" altLang="en-US" sz="2400" dirty="0" smtClean="0">
-                <a:latin typeface="华文楷体" panose="02010600040101010101" pitchFamily="2" charset="-122"/>
-                <a:ea typeface="华文楷体" panose="02010600040101010101" pitchFamily="2" charset="-122"/>
-                <a:cs typeface="Times New Roman" panose="02020603050405020304" pitchFamily="18" charset="0"/>
-              </a:rPr>
-              <a:t>网络再进行多次</a:t>
-            </a:r>
-            <a:r>
-              <a:rPr lang="zh-CN" altLang="en-US" sz="2400" dirty="0">
-                <a:latin typeface="华文楷体" panose="02010600040101010101" pitchFamily="2" charset="-122"/>
-                <a:ea typeface="华文楷体" panose="02010600040101010101" pitchFamily="2" charset="-122"/>
-                <a:cs typeface="Times New Roman" panose="02020603050405020304" pitchFamily="18" charset="0"/>
-              </a:rPr>
-              <a:t>参数调整以获得更精确的数据，仍需要更多的仿真实验以证明结果。下一步工作需要考虑更多的网络的特征参数对网络的影响，对实际问题场景进行更合理精确地建模。</a:t>
-            </a:r>
-            <a:endParaRPr lang="en-US" altLang="zh-CN" sz="2400" dirty="0" smtClean="0">
-              <a:latin typeface="华文楷体" panose="02010600040101010101" pitchFamily="2" charset="-122"/>
-              <a:ea typeface="华文楷体" panose="02010600040101010101" pitchFamily="2" charset="-122"/>
-              <a:cs typeface="Times New Roman" panose="02020603050405020304" pitchFamily="18" charset="0"/>
-            </a:endParaRPr>
-          </a:p>
-          <a:p>
-            <a:pPr marL="0" indent="0" algn="just">
-              <a:buNone/>
-            </a:pPr>
-            <a:endParaRPr lang="en-US" altLang="zh-CN" sz="2400" dirty="0" smtClean="0">
-              <a:latin typeface="华文楷体" panose="02010600040101010101" pitchFamily="2" charset="-122"/>
-              <a:ea typeface="华文楷体" panose="02010600040101010101" pitchFamily="2" charset="-122"/>
-              <a:cs typeface="Times New Roman" panose="02020603050405020304" pitchFamily="18" charset="0"/>
-            </a:endParaRPr>
-          </a:p>
-          <a:p>
-            <a:pPr marL="0" indent="0" algn="just">
-              <a:buNone/>
-            </a:pPr>
-            <a:r>
-              <a:rPr lang="en-US" altLang="zh-CN" sz="2400" dirty="0" smtClean="0">
-                <a:latin typeface="华文楷体" panose="02010600040101010101" pitchFamily="2" charset="-122"/>
-                <a:ea typeface="华文楷体" panose="02010600040101010101" pitchFamily="2" charset="-122"/>
-                <a:cs typeface="Times New Roman" panose="02020603050405020304" pitchFamily="18" charset="0"/>
-              </a:rPr>
-              <a:t>2</a:t>
-            </a:r>
-            <a:r>
-              <a:rPr lang="zh-CN" altLang="en-US" sz="2400" dirty="0" smtClean="0">
-                <a:latin typeface="华文楷体" panose="02010600040101010101" pitchFamily="2" charset="-122"/>
-                <a:ea typeface="华文楷体" panose="02010600040101010101" pitchFamily="2" charset="-122"/>
-                <a:cs typeface="Times New Roman" panose="02020603050405020304" pitchFamily="18" charset="0"/>
-              </a:rPr>
-              <a:t>）此外</a:t>
-            </a:r>
-            <a:r>
-              <a:rPr lang="zh-CN" altLang="en-US" sz="2400" dirty="0">
-                <a:latin typeface="华文楷体" panose="02010600040101010101" pitchFamily="2" charset="-122"/>
-                <a:ea typeface="华文楷体" panose="02010600040101010101" pitchFamily="2" charset="-122"/>
-                <a:cs typeface="Times New Roman" panose="02020603050405020304" pitchFamily="18" charset="0"/>
-              </a:rPr>
-              <a:t>，在面向区域故障的电力通信网备份算法所模拟的仿真环境中</a:t>
-            </a:r>
-            <a:r>
-              <a:rPr lang="zh-CN" altLang="en-US" sz="2400" dirty="0" smtClean="0">
-                <a:latin typeface="华文楷体" panose="02010600040101010101" pitchFamily="2" charset="-122"/>
-                <a:ea typeface="华文楷体" panose="02010600040101010101" pitchFamily="2" charset="-122"/>
-                <a:cs typeface="Times New Roman" panose="02020603050405020304" pitchFamily="18" charset="0"/>
-              </a:rPr>
-              <a:t>，仍需对</a:t>
-            </a:r>
-            <a:r>
-              <a:rPr lang="zh-CN" altLang="en-US" sz="2400" dirty="0">
-                <a:latin typeface="华文楷体" panose="02010600040101010101" pitchFamily="2" charset="-122"/>
-                <a:ea typeface="华文楷体" panose="02010600040101010101" pitchFamily="2" charset="-122"/>
-                <a:cs typeface="Times New Roman" panose="02020603050405020304" pitchFamily="18" charset="0"/>
-              </a:rPr>
-              <a:t>不同的无线备份算法进行对比仿真，仍需要进一步完善实验环境。后续的工作需要对上述要素进行差异化处理，使得实验环境更加贴近真实的电力通信网网络场景，增加实验结果的说服力。</a:t>
-            </a:r>
-            <a:endParaRPr lang="en-US" altLang="zh-CN" sz="2400" dirty="0" smtClean="0">
-              <a:latin typeface="华文楷体" panose="02010600040101010101" pitchFamily="2" charset="-122"/>
-              <a:ea typeface="华文楷体" panose="02010600040101010101" pitchFamily="2" charset="-122"/>
-              <a:cs typeface="Times New Roman" panose="02020603050405020304" pitchFamily="18" charset="0"/>
-            </a:endParaRPr>
-          </a:p>
-          <a:p>
-            <a:pPr marL="0" indent="0" algn="just">
-              <a:buNone/>
-            </a:pPr>
-            <a:endParaRPr lang="en-US" altLang="zh-CN" sz="2400" dirty="0" smtClean="0">
-              <a:latin typeface="华文楷体" panose="02010600040101010101" pitchFamily="2" charset="-122"/>
-              <a:ea typeface="华文楷体" panose="02010600040101010101" pitchFamily="2" charset="-122"/>
-              <a:cs typeface="Times New Roman" panose="02020603050405020304" pitchFamily="18" charset="0"/>
-            </a:endParaRPr>
-          </a:p>
-          <a:p>
-            <a:pPr marL="0" indent="0" algn="just">
-              <a:buNone/>
-            </a:pPr>
-            <a:endParaRPr lang="zh-CN" altLang="en-US" sz="2400" dirty="0">
-              <a:latin typeface="华文楷体" panose="02010600040101010101" pitchFamily="2" charset="-122"/>
-              <a:ea typeface="华文楷体" panose="02010600040101010101" pitchFamily="2" charset="-122"/>
-            </a:endParaRPr>
-          </a:p>
-          <a:p>
-            <a:pPr marL="0" indent="0" algn="just">
-              <a:buNone/>
-            </a:pPr>
-            <a:endParaRPr lang="zh-CN" altLang="en-US" sz="2400" dirty="0">
-              <a:latin typeface="仿宋" panose="02010609060101010101" pitchFamily="49" charset="-122"/>
-              <a:ea typeface="仿宋" panose="02010609060101010101" pitchFamily="49" charset="-122"/>
-            </a:endParaRPr>
-          </a:p>
-        </p:txBody>
-      </p:sp>
-      <p:sp>
-        <p:nvSpPr>
-          <p:cNvPr id="4" name="灯片编号占位符 3"/>
-          <p:cNvSpPr>
-            <a:spLocks noGrp="1"/>
-          </p:cNvSpPr>
-          <p:nvPr>
-            <p:ph type="sldNum" sz="quarter" idx="12"/>
-          </p:nvPr>
-        </p:nvSpPr>
-        <p:spPr>
-          <a:xfrm>
-            <a:off x="11427785" y="6691086"/>
-            <a:ext cx="764215" cy="166914"/>
-          </a:xfrm>
-        </p:spPr>
-        <p:txBody>
-          <a:bodyPr/>
-          <a:lstStyle/>
-          <a:p>
-            <a:fld id="{13C36A8B-AC15-4E44-ABED-A70DEC4AE827}" type="slidenum">
-              <a:rPr lang="zh-CN" altLang="en-US" sz="1600">
-                <a:solidFill>
-                  <a:schemeClr val="tx1"/>
-                </a:solidFill>
-              </a:rPr>
-              <a:pPr/>
-              <a:t>18</a:t>
-            </a:fld>
-            <a:r>
-              <a:rPr lang="en-US" altLang="zh-CN" sz="1600" dirty="0" smtClean="0">
-                <a:solidFill>
-                  <a:schemeClr val="tx1"/>
-                </a:solidFill>
-              </a:rPr>
-              <a:t>/15</a:t>
-            </a:r>
-            <a:endParaRPr lang="zh-CN" altLang="en-US" sz="1600" dirty="0">
-              <a:solidFill>
-                <a:schemeClr val="tx1"/>
-              </a:solidFill>
-            </a:endParaRPr>
-          </a:p>
-          <a:p>
-            <a:endParaRPr lang="zh-CN" altLang="en-US" dirty="0"/>
-          </a:p>
-        </p:txBody>
-      </p:sp>
-    </p:spTree>
-    <p:extLst>
-      <p:ext uri="{BB962C8B-B14F-4D97-AF65-F5344CB8AC3E}">
-        <p14:creationId xmlns:p14="http://schemas.microsoft.com/office/powerpoint/2010/main" val="3632487975"/>
-      </p:ext>
-    </p:extLst>
-  </p:cSld>
-  <p:clrMapOvr>
-    <a:masterClrMapping/>
-  </p:clrMapOvr>
-  <p:timing>
-    <p:tnLst>
-      <p:par>
-        <p:cTn id="1" dur="indefinite" restart="never" nodeType="tmRoot"/>
-      </p:par>
-    </p:tnLst>
-  </p:timing>
-</p:sld>
-</file>
-
-<file path=ppt/slides/slide19.xml><?xml version="1.0" encoding="utf-8"?>
-<p:sld xmlns:a="http://schemas.openxmlformats.org/drawingml/2006/main" xmlns:r="http://schemas.openxmlformats.org/officeDocument/2006/relationships" xmlns:p="http://schemas.openxmlformats.org/presentationml/2006/main">
-  <p:cSld>
-    <p:spTree>
-      <p:nvGrpSpPr>
-        <p:cNvPr id="1" name=""/>
-        <p:cNvGrpSpPr/>
-        <p:nvPr/>
-      </p:nvGrpSpPr>
-      <p:grpSpPr>
-        <a:xfrm>
-          <a:off x="0" y="0"/>
-          <a:ext cx="0" cy="0"/>
-          <a:chOff x="0" y="0"/>
-          <a:chExt cx="0" cy="0"/>
-        </a:xfrm>
-      </p:grpSpPr>
-      <p:sp>
-        <p:nvSpPr>
-          <p:cNvPr id="2" name="标题 1"/>
-          <p:cNvSpPr>
-            <a:spLocks noGrp="1"/>
-          </p:cNvSpPr>
-          <p:nvPr>
-            <p:ph type="title"/>
-          </p:nvPr>
-        </p:nvSpPr>
-        <p:spPr>
-          <a:xfrm>
             <a:off x="887721" y="2733687"/>
             <a:ext cx="10364451" cy="805219"/>
           </a:xfrm>
@@ -16898,7 +16596,7 @@
                 </a:solidFill>
               </a:rPr>
               <a:pPr/>
-              <a:t>19</a:t>
+              <a:t>18</a:t>
             </a:fld>
             <a:r>
               <a:rPr lang="en-US" altLang="zh-CN" sz="1600" dirty="0" smtClean="0">
@@ -17475,11 +17173,7 @@
             </a:r>
             <a:r>
               <a:rPr lang="zh-CN" altLang="en-US" sz="2400" dirty="0" smtClean="0"/>
-              <a:t>面向级联故障和区域故障类型</a:t>
-            </a:r>
-            <a:r>
-              <a:rPr lang="zh-CN" altLang="en-US" sz="2400" dirty="0" smtClean="0"/>
-              <a:t>的</a:t>
+              <a:t>面向级联故障和区域故障类型的</a:t>
             </a:r>
             <a:r>
               <a:rPr lang="zh-CN" altLang="en-US" sz="2400" dirty="0"/>

--- a/2016111417_夏震_答辩PPT.pptx
+++ b/2016111417_夏震_答辩PPT.pptx
@@ -227,7 +227,7 @@
           <a:p>
             <a:fld id="{CF21178E-41DD-435F-9943-0C570A4E2608}" type="datetimeFigureOut">
               <a:rPr lang="zh-CN" altLang="en-US" smtClean="0"/>
-              <a:t>2019/5/25</a:t>
+              <a:t>2019/5/28</a:t>
             </a:fld>
             <a:endParaRPr lang="zh-CN" altLang="en-US"/>
           </a:p>
@@ -740,44 +740,20 @@
           <a:p>
             <a:r>
               <a:rPr lang="zh-CN" altLang="en-US" dirty="0" smtClean="0"/>
-              <a:t>提出的备份</a:t>
-            </a:r>
+              <a:t>提出的备份算法有效地提高了网络对区域故障的鲁棒性。本章所提出的算法在各种概率函数下均表现出更好的性能。这同算法的具体思路不同有很大的关系，比如仿真实验中的对比算法为传统的应对区域故障的故障容忍算法，其着力安放的定位地标在区域故障的故障半径较小的情况下表现尚可，但是随着破坏的加深，算法内部所分配的地标将出现大量的故障情况，具体的外在表现就是骤降式的网络崩坏。</a:t>
+            </a:r>
+            <a:endParaRPr lang="en-US" altLang="zh-CN" dirty="0" smtClean="0"/>
+          </a:p>
+          <a:p>
             <a:r>
               <a:rPr lang="zh-CN" altLang="en-US" dirty="0" smtClean="0"/>
-              <a:t>算法有效地提高了网络对区域故障的鲁棒性。本章所提出的算法在各种概率函数下均表现出更好的性能。这同算法的具体思路不同有很大的关系，比如仿真实验中的对比算法为传统的应对区域故障的故障容忍算法，其着力安放的定位地标在区域故障的故障半径较小的情况下表现尚可，但是随着破坏的加深，算法内部所分配的地标将出现大量的故障情况，具体的外在表现就是骤降式的网络崩坏。</a:t>
-            </a:r>
-            <a:endParaRPr lang="en-US" altLang="zh-CN" dirty="0" smtClean="0"/>
+              <a:t>另一种对比算法借助的是进行概率感知的方式，所以仿真中存在网络波动大、结果不准确的情况。本文提出的算法表现较好的原因主要是摈弃了传统的地理地标的方式，是通过对区域故障的采样模拟和根据链路的具体形态进行分析之后进行的针对性备份。</a:t>
+            </a:r>
           </a:p>
           <a:p>
             <a:r>
               <a:rPr lang="zh-CN" altLang="en-US" dirty="0" smtClean="0"/>
-              <a:t>另一种对比算法</a:t>
-            </a:r>
-            <a:r>
-              <a:rPr lang="zh-CN" altLang="en-US" dirty="0" smtClean="0"/>
-              <a:t>借助的是进行概率感知的方式，所以仿真中存在网络波动大、结果不准确的情况。本文提出</a:t>
-            </a:r>
-            <a:r>
-              <a:rPr lang="zh-CN" altLang="en-US" dirty="0" smtClean="0"/>
-              <a:t>的算法</a:t>
-            </a:r>
-            <a:r>
-              <a:rPr lang="zh-CN" altLang="en-US" dirty="0" smtClean="0"/>
-              <a:t>表现较好的原因主要是摈弃了传统的地理地标的方式，是通过对区域故障的采样模拟和根据链路的具体形态进行分析之后进行的针对性备份。</a:t>
-            </a:r>
-          </a:p>
-          <a:p>
-            <a:r>
-              <a:rPr lang="zh-CN" altLang="en-US" dirty="0" smtClean="0"/>
-              <a:t>    在区域故障的故障容忍方面</a:t>
-            </a:r>
-            <a:r>
-              <a:rPr lang="zh-CN" altLang="en-US" dirty="0" smtClean="0"/>
-              <a:t>，提出算法表现</a:t>
-            </a:r>
-            <a:r>
-              <a:rPr lang="zh-CN" altLang="en-US" dirty="0" smtClean="0"/>
-              <a:t>出比其他算法更高的性能。目前，在故障容忍领域中使用的算法要么对区域故障的分析不够充分，要么没有针对区域故障进行相应的优化。仿真实验已经展示出对比算法在故障半径较大的区域故障中的表现不佳</a:t>
+              <a:t>    在区域故障的故障容忍方面，提出算法表现出比其他算法更高的性能。目前，在故障容忍领域中使用的算法要么对区域故障的分析不够充分，要么没有针对区域故障进行相应的优化。仿真实验已经展示出对比算法在故障半径较大的区域故障中的表现不佳</a:t>
             </a:r>
             <a:r>
               <a:rPr lang="en-US" altLang="zh-CN" dirty="0" smtClean="0"/>
@@ -793,23 +769,7 @@
             </a:r>
             <a:r>
               <a:rPr lang="zh-CN" altLang="en-US" dirty="0" smtClean="0"/>
-              <a:t>，</a:t>
-            </a:r>
-            <a:r>
-              <a:rPr lang="zh-CN" altLang="en-US" dirty="0" smtClean="0"/>
-              <a:t>而本算法可以</a:t>
-            </a:r>
-            <a:r>
-              <a:rPr lang="zh-CN" altLang="en-US" dirty="0" smtClean="0"/>
-              <a:t>进行更准确的链路备份。特别地，可以通过调整网络拓扑的拓扑结构和区域故障概率函数的方式</a:t>
-            </a:r>
-            <a:r>
-              <a:rPr lang="zh-CN" altLang="en-US" dirty="0" smtClean="0"/>
-              <a:t>对算法</a:t>
-            </a:r>
-            <a:r>
-              <a:rPr lang="zh-CN" altLang="en-US" dirty="0" smtClean="0"/>
-              <a:t>的性能进行更深入的研究探讨。</a:t>
+              <a:t>，而本算法可以进行更准确的链路备份。特别地，可以通过调整网络拓扑的拓扑结构和区域故障概率函数的方式对算法的性能进行更深入的研究探讨。</a:t>
             </a:r>
           </a:p>
           <a:p>
@@ -1242,60 +1202,28 @@
           <a:p>
             <a:r>
               <a:rPr lang="zh-CN" altLang="en-US" dirty="0" smtClean="0"/>
-              <a:t>电力通信网的主要工作是协调电力</a:t>
-            </a:r>
+              <a:t>电力通信网的主要工作是协调电力系统的联合运转，并有力地保障了电力生产和电网调度自动化的通信需求。</a:t>
+            </a:r>
+            <a:endParaRPr lang="en-US" altLang="zh-CN" dirty="0" smtClean="0"/>
+          </a:p>
+          <a:p>
             <a:r>
               <a:rPr lang="zh-CN" altLang="en-US" dirty="0" smtClean="0"/>
-              <a:t>系统的</a:t>
-            </a:r>
+              <a:t>提高电力通信网的通信质量、增强电力通信网的可靠性十分重要，这是一个贯穿整个电力通信网生命周期的持续过程。</a:t>
+            </a:r>
+            <a:endParaRPr lang="en-US" altLang="zh-CN" dirty="0" smtClean="0"/>
+          </a:p>
+          <a:p>
             <a:r>
               <a:rPr lang="zh-CN" altLang="en-US" dirty="0" smtClean="0"/>
-              <a:t>联合运转，并有力地保障了电力生产和电网调度自动化的通信需求</a:t>
-            </a:r>
+              <a:t>故障容忍是在发生不同类型的故障时，故障处理系统可以为故障单元提供可替代组件以避免系统出错的处理机制。</a:t>
+            </a:r>
+            <a:endParaRPr lang="en-US" altLang="zh-CN" dirty="0" smtClean="0"/>
+          </a:p>
+          <a:p>
             <a:r>
               <a:rPr lang="zh-CN" altLang="en-US" dirty="0" smtClean="0"/>
-              <a:t>。</a:t>
-            </a:r>
-            <a:endParaRPr lang="en-US" altLang="zh-CN" dirty="0" smtClean="0"/>
-          </a:p>
-          <a:p>
-            <a:r>
-              <a:rPr lang="zh-CN" altLang="en-US" dirty="0" smtClean="0"/>
-              <a:t>提高</a:t>
-            </a:r>
-            <a:r>
-              <a:rPr lang="zh-CN" altLang="en-US" dirty="0" smtClean="0"/>
-              <a:t>电力通信网的通信质量、增强电力通信网的可靠性十分重要，这是一个贯穿整个电力通信网生命周期的持续过程</a:t>
-            </a:r>
-            <a:r>
-              <a:rPr lang="zh-CN" altLang="en-US" dirty="0" smtClean="0"/>
-              <a:t>。</a:t>
-            </a:r>
-            <a:endParaRPr lang="en-US" altLang="zh-CN" dirty="0" smtClean="0"/>
-          </a:p>
-          <a:p>
-            <a:r>
-              <a:rPr lang="zh-CN" altLang="en-US" dirty="0" smtClean="0"/>
-              <a:t>故障</a:t>
-            </a:r>
-            <a:r>
-              <a:rPr lang="zh-CN" altLang="en-US" dirty="0" smtClean="0"/>
-              <a:t>容忍是在发生不同类型的故障时，故障处理系统可以为故障单元提供可替代组件以避免系统出错的处理机制</a:t>
-            </a:r>
-            <a:r>
-              <a:rPr lang="zh-CN" altLang="en-US" dirty="0" smtClean="0"/>
-              <a:t>。</a:t>
-            </a:r>
-            <a:endParaRPr lang="en-US" altLang="zh-CN" dirty="0" smtClean="0"/>
-          </a:p>
-          <a:p>
-            <a:r>
-              <a:rPr lang="zh-CN" altLang="en-US" dirty="0" smtClean="0"/>
-              <a:t>故障</a:t>
-            </a:r>
-            <a:r>
-              <a:rPr lang="zh-CN" altLang="en-US" dirty="0" smtClean="0"/>
-              <a:t>容忍可以通过增强电力通信网的可靠性来保证电力通信网能继续提供服务，从而支撑着电网的安全运行。</a:t>
+              <a:t>故障容忍可以通过增强电力通信网的可靠性来保证电力通信网能继续提供服务，从而支撑着电网的安全运行。</a:t>
             </a:r>
           </a:p>
           <a:p>
@@ -1326,19 +1254,7 @@
                 <a:ea typeface="+mn-ea"/>
                 <a:cs typeface="+mn-cs"/>
               </a:rPr>
-              <a:t>电力通信网中的故障存在两种类型，区域故障和级联故障</a:t>
-            </a:r>
-            <a:r>
-              <a:rPr lang="zh-CN" altLang="en-US" sz="1200" kern="1200" dirty="0" smtClean="0">
-                <a:solidFill>
-                  <a:schemeClr val="tx1"/>
-                </a:solidFill>
-                <a:effectLst/>
-                <a:latin typeface="+mn-lt"/>
-                <a:ea typeface="+mn-ea"/>
-                <a:cs typeface="+mn-cs"/>
-              </a:rPr>
-              <a:t>。</a:t>
+              <a:t>电力通信网中的故障存在两种类型，区域故障和级联故障。</a:t>
             </a:r>
             <a:endParaRPr lang="en-US" altLang="zh-CN" sz="1200" kern="1200" dirty="0" smtClean="0">
               <a:solidFill>
@@ -1406,19 +1322,7 @@
                 <a:ea typeface="+mn-ea"/>
                 <a:cs typeface="+mn-cs"/>
               </a:rPr>
-              <a:t>电力通信网络的耦合特性是电力通信网研究的难点。电力通信基础设施和电力系统的高度互联互通导致了电力通信网与电力系统紧密耦合现象的出现，最终形成了与简单通信网络拓扑结构完全不同的互依耦合网络。当电力网络中的电站节点发生故障时，与该电站节点工作和业务紧密相连的电力通信网络中路由节点将失去电力供应源，这将会导致电力通信网的连通性遭到破坏。这连通性破坏又会引发调度中心对电站子站的具体电力调度失去应具有的精准网络控制调度能力。由于电力业务的高度时间敏感性和不能大规模存储电力系统状态的特点，这导致与故障节点相连的电力线路发生过载情况，从而引起电力网络中其余的电站发生电力过载现象，最终将会引起级联</a:t>
-            </a:r>
-            <a:r>
-              <a:rPr lang="zh-CN" altLang="zh-CN" sz="1200" kern="1200" dirty="0" smtClean="0">
-                <a:solidFill>
-                  <a:schemeClr val="tx1"/>
-                </a:solidFill>
-                <a:effectLst/>
-                <a:latin typeface="+mn-lt"/>
-                <a:ea typeface="+mn-ea"/>
-                <a:cs typeface="+mn-cs"/>
-              </a:rPr>
-              <a:t>故障。</a:t>
+              <a:t>电力通信网络的耦合特性是电力通信网研究的难点。电力通信基础设施和电力系统的高度互联互通导致了电力通信网与电力系统紧密耦合现象的出现，最终形成了与简单通信网络拓扑结构完全不同的互依耦合网络。当电力网络中的电站节点发生故障时，与该电站节点工作和业务紧密相连的电力通信网络中路由节点将失去电力供应源，这将会导致电力通信网的连通性遭到破坏。这连通性破坏又会引发调度中心对电站子站的具体电力调度失去应具有的精准网络控制调度能力。由于电力业务的高度时间敏感性和不能大规模存储电力系统状态的特点，这导致与故障节点相连的电力线路发生过载情况，从而引起电力网络中其余的电站发生电力过载现象，最终将会引起级联故障。</a:t>
             </a:r>
             <a:endParaRPr lang="en-US" altLang="zh-CN" sz="1200" kern="1200" dirty="0" smtClean="0">
               <a:solidFill>
@@ -1458,67 +1362,7 @@
                 <a:ea typeface="+mn-ea"/>
                 <a:cs typeface="+mn-cs"/>
               </a:rPr>
-              <a:t>如何</a:t>
-            </a:r>
-            <a:r>
-              <a:rPr lang="zh-CN" altLang="zh-CN" sz="1200" kern="1200" dirty="0" smtClean="0">
-                <a:solidFill>
-                  <a:schemeClr val="tx1"/>
-                </a:solidFill>
-                <a:effectLst/>
-                <a:latin typeface="+mn-lt"/>
-                <a:ea typeface="+mn-ea"/>
-                <a:cs typeface="+mn-cs"/>
-              </a:rPr>
-              <a:t>对电力通信网耦合网络的数学模型进行建模已经引起了国内外研究机构的广泛关注，并取得了一些在模型建立方面的研究</a:t>
-            </a:r>
-            <a:r>
-              <a:rPr lang="zh-CN" altLang="zh-CN" sz="1200" kern="1200" dirty="0" smtClean="0">
-                <a:solidFill>
-                  <a:schemeClr val="tx1"/>
-                </a:solidFill>
-                <a:effectLst/>
-                <a:latin typeface="+mn-lt"/>
-                <a:ea typeface="+mn-ea"/>
-                <a:cs typeface="+mn-cs"/>
-              </a:rPr>
-              <a:t>成果。</a:t>
-            </a:r>
-            <a:r>
-              <a:rPr lang="zh-CN" altLang="zh-CN" sz="1200" kern="1200" dirty="0" smtClean="0">
-                <a:solidFill>
-                  <a:schemeClr val="tx1"/>
-                </a:solidFill>
-                <a:effectLst/>
-                <a:latin typeface="+mn-lt"/>
-                <a:ea typeface="+mn-ea"/>
-                <a:cs typeface="+mn-cs"/>
-              </a:rPr>
-              <a:t>但是现存的关于可靠性、生存性和脆弱性研究的方法大多只关注互依耦合网络的外部特征，忽略了对耦合网络内部节点故障的</a:t>
-            </a:r>
-            <a:r>
-              <a:rPr lang="zh-CN" altLang="zh-CN" sz="1200" kern="1200" dirty="0" smtClean="0">
-                <a:solidFill>
-                  <a:schemeClr val="tx1"/>
-                </a:solidFill>
-                <a:effectLst/>
-                <a:latin typeface="+mn-lt"/>
-                <a:ea typeface="+mn-ea"/>
-                <a:cs typeface="+mn-cs"/>
-              </a:rPr>
-              <a:t>相关分析。</a:t>
-            </a:r>
-            <a:r>
-              <a:rPr lang="zh-CN" altLang="zh-CN" sz="1200" kern="1200" dirty="0" smtClean="0">
-                <a:solidFill>
-                  <a:schemeClr val="tx1"/>
-                </a:solidFill>
-                <a:effectLst/>
-                <a:latin typeface="+mn-lt"/>
-                <a:ea typeface="+mn-ea"/>
-                <a:cs typeface="+mn-cs"/>
-              </a:rPr>
-              <a:t>目前的研究方法很难对级联故障过程做出实时快速的响应，这将导致级联故障无法得到及时的处理，对网络造成更严重的破坏。</a:t>
+              <a:t>如何对电力通信网耦合网络的数学模型进行建模已经引起了国内外研究机构的广泛关注，并取得了一些在模型建立方面的研究成果。但是现存的关于可靠性、生存性和脆弱性研究的方法大多只关注互依耦合网络的外部特征，忽略了对耦合网络内部节点故障的相关分析。目前的研究方法很难对级联故障过程做出实时快速的响应，这将导致级联故障无法得到及时的处理，对网络造成更严重的破坏。</a:t>
             </a:r>
           </a:p>
           <a:p>
@@ -1531,31 +1375,7 @@
             </a:r>
             <a:r>
               <a:rPr lang="zh-CN" altLang="en-US" dirty="0" smtClean="0"/>
-              <a:t>处理方面，现有的大部分研究工作主要集中在减少单个或多个链路发生故障</a:t>
-            </a:r>
-            <a:r>
-              <a:rPr lang="zh-CN" altLang="en-US" dirty="0" smtClean="0"/>
-              <a:t>上。</a:t>
-            </a:r>
-            <a:r>
-              <a:rPr lang="zh-CN" altLang="en-US" dirty="0" smtClean="0"/>
-              <a:t>目前这一领域的研究主要关注在模型建模失败造成的影响以及网络基础设施对故障的脆弱性分析</a:t>
-            </a:r>
-            <a:r>
-              <a:rPr lang="zh-CN" altLang="en-US" dirty="0" smtClean="0"/>
-              <a:t>方面。</a:t>
-            </a:r>
-            <a:r>
-              <a:rPr lang="zh-CN" altLang="en-US" dirty="0" smtClean="0"/>
-              <a:t>对于具体的区域性范围的故障容忍策略依然考虑的不够完善。虽然此类随机性灾害的发生概率较小，但是波及和影响范围</a:t>
-            </a:r>
-            <a:r>
-              <a:rPr lang="zh-CN" altLang="en-US" dirty="0" smtClean="0"/>
-              <a:t>很大。</a:t>
-            </a:r>
-            <a:r>
-              <a:rPr lang="zh-CN" altLang="en-US" dirty="0" smtClean="0"/>
-              <a:t>目前网络运营商在发生大规模区域故障时提供服务连续性的典型方法是分配额外的备用链路。然而，因为主链路和备用链路都容易受到灾难引起的相同影响</a:t>
+              <a:t>处理方面，现有的大部分研究工作主要集中在减少单个或多个链路发生故障上。目前这一领域的研究主要关注在模型建模失败造成的影响以及网络基础设施对故障的脆弱性分析方面。对于具体的区域性范围的故障容忍策略依然考虑的不够完善。虽然此类随机性灾害的发生概率较小，但是波及和影响范围很大。目前网络运营商在发生大规模区域故障时提供服务连续性的典型方法是分配额外的备用链路。然而，因为主链路和备用链路都容易受到灾难引起的相同影响</a:t>
             </a:r>
             <a:r>
               <a:rPr lang="en-US" altLang="zh-CN" dirty="0" smtClean="0"/>
@@ -1571,13 +1391,8 @@
             </a:r>
             <a:r>
               <a:rPr lang="zh-CN" altLang="en-US" dirty="0" smtClean="0"/>
-              <a:t>，所以在物理上增加网络冗余效率很低并且成本很</a:t>
-            </a:r>
-            <a:r>
-              <a:rPr lang="zh-CN" altLang="en-US" dirty="0" smtClean="0"/>
-              <a:t>高。</a:t>
-            </a:r>
-            <a:endParaRPr lang="zh-CN" altLang="en-US" dirty="0" smtClean="0"/>
+              <a:t>，所以在物理上增加网络冗余效率很低并且成本很高。</a:t>
+            </a:r>
           </a:p>
           <a:p>
             <a:r>
@@ -1727,10 +1542,10 @@
                 <a:ea typeface="+mn-ea"/>
                 <a:cs typeface="+mn-cs"/>
               </a:rPr>
-              <a:t>有</a:t>
-            </a:r>
-            <a:r>
-              <a:rPr lang="zh-CN" altLang="en-US" sz="1200" kern="1200" dirty="0" smtClean="0">
+              <a:t>有研究通过</a:t>
+            </a:r>
+            <a:r>
+              <a:rPr lang="zh-CN" altLang="zh-CN" sz="1200" kern="1200" dirty="0" smtClean="0">
                 <a:solidFill>
                   <a:schemeClr val="tx1"/>
                 </a:solidFill>
@@ -1739,31 +1554,7 @@
                 <a:ea typeface="+mn-ea"/>
                 <a:cs typeface="+mn-cs"/>
               </a:rPr>
-              <a:t>研究通过</a:t>
-            </a:r>
-            <a:r>
-              <a:rPr lang="zh-CN" altLang="zh-CN" sz="1200" kern="1200" dirty="0" smtClean="0">
-                <a:solidFill>
-                  <a:schemeClr val="tx1"/>
-                </a:solidFill>
-                <a:effectLst/>
-                <a:latin typeface="+mn-lt"/>
-                <a:ea typeface="+mn-ea"/>
-                <a:cs typeface="+mn-cs"/>
-              </a:rPr>
-              <a:t>研究了同步数字体系光纤通信网络的拓扑演化过程。基于复杂网络理论提出了一种动态信息的网络脆弱性评估方法</a:t>
-            </a:r>
-            <a:r>
-              <a:rPr lang="zh-CN" altLang="zh-CN" sz="1200" kern="1200" dirty="0" smtClean="0">
-                <a:solidFill>
-                  <a:schemeClr val="tx1"/>
-                </a:solidFill>
-                <a:effectLst/>
-                <a:latin typeface="+mn-lt"/>
-                <a:ea typeface="+mn-ea"/>
-                <a:cs typeface="+mn-cs"/>
-              </a:rPr>
-              <a:t>。</a:t>
+              <a:t>研究了同步数字体系光纤通信网络的拓扑演化过程。基于复杂网络理论提出了一种动态信息的网络脆弱性评估方法。</a:t>
             </a:r>
             <a:endParaRPr lang="en-US" altLang="zh-CN" sz="1200" kern="1200" dirty="0" smtClean="0">
               <a:solidFill>
@@ -1786,10 +1577,10 @@
                 <a:ea typeface="+mn-ea"/>
                 <a:cs typeface="+mn-cs"/>
               </a:rPr>
-              <a:t>第二</a:t>
-            </a:r>
-            <a:r>
-              <a:rPr lang="zh-CN" altLang="zh-CN" sz="1200" kern="1200" dirty="0" smtClean="0">
+              <a:t>第二个方向是专注于通信服务，通过建立合理的安全评估系统来提高通信网络的鲁棒性。</a:t>
+            </a:r>
+            <a:r>
+              <a:rPr lang="zh-CN" altLang="en-US" sz="1200" kern="1200" dirty="0" smtClean="0">
                 <a:solidFill>
                   <a:schemeClr val="tx1"/>
                 </a:solidFill>
@@ -1798,10 +1589,10 @@
                 <a:ea typeface="+mn-ea"/>
                 <a:cs typeface="+mn-cs"/>
               </a:rPr>
-              <a:t>个方向是专注于通信服务，通过建立合理的安全评估系统来提高通信网络的鲁棒性。</a:t>
-            </a:r>
-            <a:r>
-              <a:rPr lang="zh-CN" altLang="en-US" sz="1200" kern="1200" dirty="0" smtClean="0">
+              <a:t>有研究</a:t>
+            </a:r>
+            <a:r>
+              <a:rPr lang="zh-CN" altLang="zh-CN" sz="1200" kern="1200" dirty="0" smtClean="0">
                 <a:solidFill>
                   <a:schemeClr val="tx1"/>
                 </a:solidFill>
@@ -1810,10 +1601,10 @@
                 <a:ea typeface="+mn-ea"/>
                 <a:cs typeface="+mn-cs"/>
               </a:rPr>
-              <a:t>有研究</a:t>
-            </a:r>
-            <a:r>
-              <a:rPr lang="zh-CN" altLang="zh-CN" sz="1200" kern="1200" dirty="0" smtClean="0">
+              <a:t>通过合理安排通信网络业务渠道和运营模式来平衡业务风险的概念</a:t>
+            </a:r>
+            <a:r>
+              <a:rPr lang="zh-CN" altLang="en-US" sz="1200" kern="1200" dirty="0" smtClean="0">
                 <a:solidFill>
                   <a:schemeClr val="tx1"/>
                 </a:solidFill>
@@ -1822,10 +1613,10 @@
                 <a:ea typeface="+mn-ea"/>
                 <a:cs typeface="+mn-cs"/>
               </a:rPr>
-              <a:t>通过合理安排通信网络业务渠道和运营模式来平衡业务风险的概念</a:t>
-            </a:r>
-            <a:r>
-              <a:rPr lang="zh-CN" altLang="en-US" sz="1200" kern="1200" dirty="0" smtClean="0">
+              <a:t>，并</a:t>
+            </a:r>
+            <a:r>
+              <a:rPr lang="zh-CN" altLang="zh-CN" sz="1200" kern="1200" dirty="0" smtClean="0">
                 <a:solidFill>
                   <a:schemeClr val="tx1"/>
                 </a:solidFill>
@@ -1834,10 +1625,12 @@
                 <a:ea typeface="+mn-ea"/>
                 <a:cs typeface="+mn-cs"/>
               </a:rPr>
-              <a:t>，并</a:t>
-            </a:r>
-            <a:r>
-              <a:rPr lang="zh-CN" altLang="zh-CN" sz="1200" kern="1200" dirty="0" smtClean="0">
+              <a:t>提出了一种基于电力通信网络可靠性的业务路由优化算法。但是，这种方法没有考虑到网格结构的特殊性。在该算法中，算法只是将电力通信网络简化为服务层中的简单路由拓扑。</a:t>
+            </a:r>
+          </a:p>
+          <a:p>
+            <a:r>
+              <a:rPr lang="zh-CN" altLang="en-US" sz="1200" kern="1200" dirty="0" smtClean="0">
                 <a:solidFill>
                   <a:schemeClr val="tx1"/>
                 </a:solidFill>
@@ -1846,12 +1639,10 @@
                 <a:ea typeface="+mn-ea"/>
                 <a:cs typeface="+mn-cs"/>
               </a:rPr>
-              <a:t>提出了一种基于电力通信网络可靠性的业务路由优化算法。但是，这种方法没有考虑到网格结构的特殊性。在该算法中，算法只是将电力通信网络简化为服务层中的简单路由拓扑。</a:t>
-            </a:r>
-          </a:p>
-          <a:p>
-            <a:r>
-              <a:rPr lang="zh-CN" altLang="en-US" sz="1200" kern="1200" dirty="0" smtClean="0">
+              <a:t>由于</a:t>
+            </a:r>
+            <a:r>
+              <a:rPr lang="zh-CN" altLang="zh-CN" sz="1200" kern="1200" dirty="0" smtClean="0">
                 <a:solidFill>
                   <a:schemeClr val="tx1"/>
                 </a:solidFill>
@@ -1860,55 +1651,7 @@
                 <a:ea typeface="+mn-ea"/>
                 <a:cs typeface="+mn-cs"/>
               </a:rPr>
-              <a:t>由于</a:t>
-            </a:r>
-            <a:r>
-              <a:rPr lang="zh-CN" altLang="zh-CN" sz="1200" kern="1200" dirty="0" smtClean="0">
-                <a:solidFill>
-                  <a:schemeClr val="tx1"/>
-                </a:solidFill>
-                <a:effectLst/>
-                <a:latin typeface="+mn-lt"/>
-                <a:ea typeface="+mn-ea"/>
-                <a:cs typeface="+mn-cs"/>
-              </a:rPr>
-              <a:t>电力</a:t>
-            </a:r>
-            <a:r>
-              <a:rPr lang="zh-CN" altLang="zh-CN" sz="1200" kern="1200" dirty="0" smtClean="0">
-                <a:solidFill>
-                  <a:schemeClr val="tx1"/>
-                </a:solidFill>
-                <a:effectLst/>
-                <a:latin typeface="+mn-lt"/>
-                <a:ea typeface="+mn-ea"/>
-                <a:cs typeface="+mn-cs"/>
-              </a:rPr>
-              <a:t>通信网络的拓扑结构十分复杂。通信服务的有效传输要依靠可靠的物理网络。因为电力通信业务广泛而复杂，所以网络中易受攻击的节点需要重点保护。虽然有些学者提出了通过添加多个物理上独立的拓扑改善网络结构的</a:t>
-            </a:r>
-            <a:r>
-              <a:rPr lang="zh-CN" altLang="zh-CN" sz="1200" kern="1200" dirty="0" smtClean="0">
-                <a:solidFill>
-                  <a:schemeClr val="tx1"/>
-                </a:solidFill>
-                <a:effectLst/>
-                <a:latin typeface="+mn-lt"/>
-                <a:ea typeface="+mn-ea"/>
-                <a:cs typeface="+mn-cs"/>
-              </a:rPr>
-              <a:t>想法，</a:t>
-            </a:r>
-            <a:r>
-              <a:rPr lang="zh-CN" altLang="zh-CN" sz="1200" kern="1200" dirty="0" smtClean="0">
-                <a:solidFill>
-                  <a:schemeClr val="tx1"/>
-                </a:solidFill>
-                <a:effectLst/>
-                <a:latin typeface="+mn-lt"/>
-                <a:ea typeface="+mn-ea"/>
-                <a:cs typeface="+mn-cs"/>
-              </a:rPr>
-              <a:t>但是缺乏对各种备份策略的比较研究。它们的有效性尚未在实际的电力通信网络中得到证实。虽然电网的拓扑结构已经得到了广泛的重视，但是仍然有必要继续深入分析电力通信网络拓扑，并比较现有备份策略的有效性。</a:t>
+              <a:t>电力通信网络的拓扑结构十分复杂。通信服务的有效传输要依靠可靠的物理网络。因为电力通信业务广泛而复杂，所以网络中易受攻击的节点需要重点保护。虽然有些学者提出了通过添加多个物理上独立的拓扑改善网络结构的想法，但是缺乏对各种备份策略的比较研究。它们的有效性尚未在实际的电力通信网络中得到证实。虽然电网的拓扑结构已经得到了广泛的重视，但是仍然有必要继续深入分析电力通信网络拓扑，并比较现有备份策略的有效性。</a:t>
             </a:r>
             <a:endParaRPr lang="en-US" altLang="zh-CN" sz="1200" kern="1200" dirty="0" smtClean="0">
               <a:solidFill>
@@ -2012,10 +1755,10 @@
                 <a:ea typeface="+mn-ea"/>
                 <a:cs typeface="+mn-cs"/>
               </a:rPr>
-              <a:t>大规模</a:t>
-            </a:r>
-            <a:r>
-              <a:rPr lang="zh-CN" altLang="zh-CN" sz="1200" kern="1200" dirty="0" smtClean="0">
+              <a:t>大规模地理位置相关故障的问题最近才引起人们的注意。区域故障是一种特殊的故障类型。现有的弹性网络设计的大部分工作主要集中在缓解孤立的单链路或多链路故障</a:t>
+            </a:r>
+            <a:r>
+              <a:rPr lang="en-US" altLang="zh-CN" sz="1200" kern="1200" dirty="0" smtClean="0">
                 <a:solidFill>
                   <a:schemeClr val="tx1"/>
                 </a:solidFill>
@@ -2024,10 +1767,10 @@
                 <a:ea typeface="+mn-ea"/>
                 <a:cs typeface="+mn-cs"/>
               </a:rPr>
-              <a:t>地理位置相关故障的问题最近才引起人们的注意。区域故障是一种特殊的故障类型。现有的弹性网络设计的大部分工作主要集中在缓解孤立的单链路或多链路故障</a:t>
-            </a:r>
-            <a:r>
-              <a:rPr lang="en-US" altLang="zh-CN" sz="1200" kern="1200" dirty="0" smtClean="0">
+              <a:t>[36]</a:t>
+            </a:r>
+            <a:r>
+              <a:rPr lang="zh-CN" altLang="zh-CN" sz="1200" kern="1200" dirty="0" smtClean="0">
                 <a:solidFill>
                   <a:schemeClr val="tx1"/>
                 </a:solidFill>
@@ -2036,8 +1779,10 @@
                 <a:ea typeface="+mn-ea"/>
                 <a:cs typeface="+mn-cs"/>
               </a:rPr>
-              <a:t>[36]</a:t>
-            </a:r>
+              <a:t>上。</a:t>
+            </a:r>
+          </a:p>
+          <a:p>
             <a:r>
               <a:rPr lang="zh-CN" altLang="zh-CN" sz="1200" kern="1200" dirty="0" smtClean="0">
                 <a:solidFill>
@@ -2048,45 +1793,7 @@
                 <a:ea typeface="+mn-ea"/>
                 <a:cs typeface="+mn-cs"/>
               </a:rPr>
-              <a:t>上。</a:t>
-            </a:r>
-          </a:p>
-          <a:p>
-            <a:r>
-              <a:rPr lang="zh-CN" altLang="zh-CN" sz="1200" kern="1200" dirty="0" smtClean="0">
-                <a:solidFill>
-                  <a:schemeClr val="tx1"/>
-                </a:solidFill>
-                <a:effectLst/>
-                <a:latin typeface="+mn-lt"/>
-                <a:ea typeface="+mn-ea"/>
-                <a:cs typeface="+mn-cs"/>
-              </a:rPr>
-              <a:t>该领域的研究主要涉及区域故障建模失败、测量其具体影响以及确定网络基础设施对区域故障的脆弱性</a:t>
-            </a:r>
-            <a:r>
-              <a:rPr lang="zh-CN" altLang="zh-CN" sz="1200" kern="1200" dirty="0" smtClean="0">
-                <a:solidFill>
-                  <a:schemeClr val="tx1"/>
-                </a:solidFill>
-                <a:effectLst/>
-                <a:latin typeface="+mn-lt"/>
-                <a:ea typeface="+mn-ea"/>
-                <a:cs typeface="+mn-cs"/>
-              </a:rPr>
-              <a:t>上，</a:t>
-            </a:r>
-            <a:r>
-              <a:rPr lang="zh-CN" altLang="zh-CN" sz="1200" kern="1200" dirty="0" smtClean="0">
-                <a:solidFill>
-                  <a:schemeClr val="tx1"/>
-                </a:solidFill>
-                <a:effectLst/>
-                <a:latin typeface="+mn-lt"/>
-                <a:ea typeface="+mn-ea"/>
-                <a:cs typeface="+mn-cs"/>
-              </a:rPr>
-              <a:t>对于具体的故障容忍策略考虑的仍不够完善。</a:t>
+              <a:t>该领域的研究主要涉及区域故障建模失败、测量其具体影响以及确定网络基础设施对区域故障的脆弱性上，对于具体的故障容忍策略考虑的仍不够完善。</a:t>
             </a:r>
           </a:p>
           <a:p>
@@ -2758,7 +2465,7 @@
           <a:p>
             <a:fld id="{ECF5C816-4069-4AEE-9D93-3A23DA05D637}" type="datetime1">
               <a:rPr lang="zh-CN" altLang="en-US" smtClean="0"/>
-              <a:t>2019/5/25</a:t>
+              <a:t>2019/5/28</a:t>
             </a:fld>
             <a:endParaRPr lang="zh-CN" altLang="en-US"/>
           </a:p>
@@ -2928,7 +2635,7 @@
           <a:p>
             <a:fld id="{0E681340-ABCF-486C-96DE-318D6FBC4FA7}" type="datetime1">
               <a:rPr lang="zh-CN" altLang="en-US" smtClean="0"/>
-              <a:t>2019/5/25</a:t>
+              <a:t>2019/5/28</a:t>
             </a:fld>
             <a:endParaRPr lang="zh-CN" altLang="en-US"/>
           </a:p>
@@ -3108,7 +2815,7 @@
           <a:p>
             <a:fld id="{9E174B88-74D6-46F4-8F34-2E0E03C3C400}" type="datetime1">
               <a:rPr lang="zh-CN" altLang="en-US" smtClean="0"/>
-              <a:t>2019/5/25</a:t>
+              <a:t>2019/5/28</a:t>
             </a:fld>
             <a:endParaRPr lang="zh-CN" altLang="en-US"/>
           </a:p>
@@ -3357,7 +3064,7 @@
           <a:p>
             <a:fld id="{908E3527-0DD3-4A09-80C5-DA19A0AD5C42}" type="datetime1">
               <a:rPr lang="zh-CN" altLang="en-US" smtClean="0"/>
-              <a:t>2019/5/25</a:t>
+              <a:t>2019/5/28</a:t>
             </a:fld>
             <a:endParaRPr lang="zh-CN" altLang="en-US"/>
           </a:p>
@@ -3624,7 +3331,7 @@
           <a:p>
             <a:fld id="{ADAAF654-8079-45E9-84AC-20ED6199853B}" type="datetime1">
               <a:rPr lang="zh-CN" altLang="en-US" smtClean="0"/>
-              <a:t>2019/5/25</a:t>
+              <a:t>2019/5/28</a:t>
             </a:fld>
             <a:endParaRPr lang="zh-CN" altLang="en-US"/>
           </a:p>
@@ -3953,7 +3660,7 @@
           <a:p>
             <a:fld id="{77655930-7E97-4B46-8442-954486FA878C}" type="datetime1">
               <a:rPr lang="zh-CN" altLang="en-US" smtClean="0"/>
-              <a:t>2019/5/25</a:t>
+              <a:t>2019/5/28</a:t>
             </a:fld>
             <a:endParaRPr lang="zh-CN" altLang="en-US"/>
           </a:p>
@@ -4276,7 +3983,7 @@
           <a:p>
             <a:fld id="{BB3C98FB-6AE2-405E-9967-BF664D34C1AE}" type="datetime1">
               <a:rPr lang="zh-CN" altLang="en-US" smtClean="0"/>
-              <a:t>2019/5/25</a:t>
+              <a:t>2019/5/28</a:t>
             </a:fld>
             <a:endParaRPr lang="zh-CN" altLang="en-US"/>
           </a:p>
@@ -4733,7 +4440,7 @@
           <a:p>
             <a:fld id="{01D2DD3E-6BBF-48CE-9C7C-85D764C0F7A5}" type="datetime1">
               <a:rPr lang="zh-CN" altLang="en-US" smtClean="0"/>
-              <a:t>2019/5/25</a:t>
+              <a:t>2019/5/28</a:t>
             </a:fld>
             <a:endParaRPr lang="zh-CN" altLang="en-US"/>
           </a:p>
@@ -4938,7 +4645,7 @@
           <a:p>
             <a:fld id="{50671B83-DF1A-4F21-8740-325E3CA6EF17}" type="datetime1">
               <a:rPr lang="zh-CN" altLang="en-US" smtClean="0"/>
-              <a:t>2019/5/25</a:t>
+              <a:t>2019/5/28</a:t>
             </a:fld>
             <a:endParaRPr lang="zh-CN" altLang="en-US"/>
           </a:p>
@@ -5115,7 +4822,7 @@
           <a:p>
             <a:fld id="{8BC83C03-7636-4D9F-88DD-556E7259EE98}" type="datetime1">
               <a:rPr lang="zh-CN" altLang="en-US" smtClean="0"/>
-              <a:t>2019/5/25</a:t>
+              <a:t>2019/5/28</a:t>
             </a:fld>
             <a:endParaRPr lang="zh-CN" altLang="en-US"/>
           </a:p>
@@ -5448,7 +5155,7 @@
           <a:p>
             <a:fld id="{1ECCBA08-A0B3-4620-A2C3-F2DD9D569B30}" type="datetime1">
               <a:rPr lang="zh-CN" altLang="en-US" smtClean="0"/>
-              <a:t>2019/5/25</a:t>
+              <a:t>2019/5/28</a:t>
             </a:fld>
             <a:endParaRPr lang="zh-CN" altLang="en-US"/>
           </a:p>
@@ -5700,7 +5407,7 @@
           <a:p>
             <a:fld id="{92EADDC0-6E4D-4283-B4C9-49D56ABD3972}" type="datetime1">
               <a:rPr lang="zh-CN" altLang="en-US" smtClean="0"/>
-              <a:t>2019/5/25</a:t>
+              <a:t>2019/5/28</a:t>
             </a:fld>
             <a:endParaRPr lang="zh-CN" altLang="en-US"/>
           </a:p>
@@ -5963,7 +5670,7 @@
           <a:p>
             <a:fld id="{F24597C5-EEC8-4488-924B-035721E8EA73}" type="datetime1">
               <a:rPr lang="zh-CN" altLang="en-US" smtClean="0"/>
-              <a:t>2019/5/25</a:t>
+              <a:t>2019/5/28</a:t>
             </a:fld>
             <a:endParaRPr lang="zh-CN" altLang="en-US"/>
           </a:p>
@@ -6301,7 +6008,7 @@
           <a:p>
             <a:fld id="{B0F66D72-7517-4FA1-91AC-4F5A6261A984}" type="datetime1">
               <a:rPr lang="zh-CN" altLang="en-US" smtClean="0"/>
-              <a:t>2019/5/25</a:t>
+              <a:t>2019/5/28</a:t>
             </a:fld>
             <a:endParaRPr lang="zh-CN" altLang="en-US"/>
           </a:p>
@@ -6702,7 +6409,7 @@
           <a:p>
             <a:fld id="{EA6F04A0-113C-45C3-ABD4-51214D8FACB9}" type="datetime1">
               <a:rPr lang="zh-CN" altLang="en-US" smtClean="0"/>
-              <a:t>2019/5/25</a:t>
+              <a:t>2019/5/28</a:t>
             </a:fld>
             <a:endParaRPr lang="zh-CN" altLang="en-US"/>
           </a:p>
@@ -7038,7 +6745,7 @@
           <a:p>
             <a:fld id="{7CBEC0B1-2615-4632-8F46-8A3E3C90A68E}" type="datetime1">
               <a:rPr lang="zh-CN" altLang="en-US" smtClean="0"/>
-              <a:t>2019/5/25</a:t>
+              <a:t>2019/5/28</a:t>
             </a:fld>
             <a:endParaRPr lang="zh-CN" altLang="en-US"/>
           </a:p>
@@ -7358,7 +7065,7 @@
           <a:p>
             <a:fld id="{99B4F46F-6241-4BBB-BE85-37F31B2F40D9}" type="datetime1">
               <a:rPr lang="zh-CN" altLang="en-US" smtClean="0"/>
-              <a:t>2019/5/25</a:t>
+              <a:t>2019/5/28</a:t>
             </a:fld>
             <a:endParaRPr lang="zh-CN" altLang="en-US"/>
           </a:p>
@@ -7755,7 +7462,7 @@
           <a:p>
             <a:fld id="{99B4F46F-6241-4BBB-BE85-37F31B2F40D9}" type="datetime1">
               <a:rPr lang="zh-CN" altLang="en-US" smtClean="0"/>
-              <a:t>2019/5/25</a:t>
+              <a:t>2019/5/28</a:t>
             </a:fld>
             <a:endParaRPr lang="zh-CN" altLang="en-US"/>
           </a:p>
@@ -8013,7 +7720,7 @@
           <a:p>
             <a:fld id="{786AA40F-68E2-4F91-B4AB-0F4C675E7E32}" type="datetime1">
               <a:rPr lang="zh-CN" altLang="en-US" smtClean="0"/>
-              <a:t>2019/5/25</a:t>
+              <a:t>2019/5/28</a:t>
             </a:fld>
             <a:endParaRPr lang="zh-CN" altLang="en-US"/>
           </a:p>
@@ -8275,7 +7982,7 @@
           <a:p>
             <a:fld id="{AAA0BC2F-8182-4510-8922-48DD90FFBB56}" type="datetime1">
               <a:rPr lang="zh-CN" altLang="en-US" smtClean="0"/>
-              <a:t>2019/5/25</a:t>
+              <a:t>2019/5/28</a:t>
             </a:fld>
             <a:endParaRPr lang="zh-CN" altLang="en-US"/>
           </a:p>
@@ -8608,7 +8315,7 @@
           <a:p>
             <a:fld id="{BED235AC-2D98-4AE0-8240-B1F63BC8F15D}" type="datetime1">
               <a:rPr lang="zh-CN" altLang="en-US" smtClean="0"/>
-              <a:t>2019/5/25</a:t>
+              <a:t>2019/5/28</a:t>
             </a:fld>
             <a:endParaRPr lang="zh-CN" altLang="en-US"/>
           </a:p>
@@ -8840,7 +8547,7 @@
           <a:p>
             <a:fld id="{56BAE1A5-D61A-4A97-B975-3826935A5778}" type="datetime1">
               <a:rPr lang="zh-CN" altLang="en-US" smtClean="0"/>
-              <a:t>2019/5/25</a:t>
+              <a:t>2019/5/28</a:t>
             </a:fld>
             <a:endParaRPr lang="zh-CN" altLang="en-US"/>
           </a:p>
@@ -9187,7 +8894,7 @@
           <a:p>
             <a:fld id="{1A7F2974-D89C-40EF-8045-F759EB6352F7}" type="datetime1">
               <a:rPr lang="zh-CN" altLang="en-US" smtClean="0"/>
-              <a:t>2019/5/25</a:t>
+              <a:t>2019/5/28</a:t>
             </a:fld>
             <a:endParaRPr lang="zh-CN" altLang="en-US"/>
           </a:p>
@@ -9305,7 +9012,7 @@
           <a:p>
             <a:fld id="{369B30D0-47FA-43F9-8F51-82475A1997B7}" type="datetime1">
               <a:rPr lang="zh-CN" altLang="en-US" smtClean="0"/>
-              <a:t>2019/5/25</a:t>
+              <a:t>2019/5/28</a:t>
             </a:fld>
             <a:endParaRPr lang="zh-CN" altLang="en-US"/>
           </a:p>
@@ -9423,7 +9130,7 @@
           <a:p>
             <a:fld id="{E69C9FD0-1859-49FE-8AA1-0DC11C6FDFA2}" type="datetime1">
               <a:rPr lang="zh-CN" altLang="en-US" smtClean="0"/>
-              <a:t>2019/5/25</a:t>
+              <a:t>2019/5/28</a:t>
             </a:fld>
             <a:endParaRPr lang="zh-CN" altLang="en-US"/>
           </a:p>
@@ -9707,7 +9414,7 @@
           <a:p>
             <a:fld id="{8354164D-D8A1-4AA8-90E4-682D2E7C888D}" type="datetime1">
               <a:rPr lang="zh-CN" altLang="en-US" smtClean="0"/>
-              <a:t>2019/5/25</a:t>
+              <a:t>2019/5/28</a:t>
             </a:fld>
             <a:endParaRPr lang="zh-CN" altLang="en-US"/>
           </a:p>
@@ -9971,7 +9678,7 @@
           <a:p>
             <a:fld id="{0A0971DD-4DB9-4A87-90E1-0AC8D03712E7}" type="datetime1">
               <a:rPr lang="zh-CN" altLang="en-US" smtClean="0"/>
-              <a:t>2019/5/25</a:t>
+              <a:t>2019/5/28</a:t>
             </a:fld>
             <a:endParaRPr lang="zh-CN" altLang="en-US"/>
           </a:p>
@@ -10185,7 +9892,7 @@
           <a:p>
             <a:fld id="{99B4F46F-6241-4BBB-BE85-37F31B2F40D9}" type="datetime1">
               <a:rPr lang="zh-CN" altLang="en-US" smtClean="0"/>
-              <a:t>2019/5/25</a:t>
+              <a:t>2019/5/28</a:t>
             </a:fld>
             <a:endParaRPr lang="zh-CN" altLang="en-US"/>
           </a:p>
@@ -12532,7 +12239,7 @@
           <a:p>
             <a:fld id="{99B4F46F-6241-4BBB-BE85-37F31B2F40D9}" type="datetime1">
               <a:rPr lang="zh-CN" altLang="en-US" smtClean="0"/>
-              <a:t>2019/5/25</a:t>
+              <a:t>2019/5/28</a:t>
             </a:fld>
             <a:endParaRPr lang="zh-CN" altLang="en-US"/>
           </a:p>
@@ -13192,7 +12899,7 @@
                 <a:latin typeface="宋体" panose="02010600030101010101" pitchFamily="2" charset="-122"/>
                 <a:ea typeface="宋体" panose="02010600030101010101" pitchFamily="2" charset="-122"/>
               </a:rPr>
-              <a:t>2019年5月25日</a:t>
+              <a:t>2019年5月28日</a:t>
             </a:fld>
             <a:endParaRPr lang="en-US" altLang="zh-CN" sz="1800" b="1" dirty="0" smtClean="0">
               <a:solidFill>
@@ -15728,9 +15435,9 @@
       </p:sp>
       <p:pic>
         <p:nvPicPr>
-          <p:cNvPr id="7" name="图片 6"/>
+          <p:cNvPr id="1026" name="图片 1"/>
           <p:cNvPicPr>
-            <a:picLocks noChangeAspect="1"/>
+            <a:picLocks noChangeAspect="1" noChangeArrowheads="1"/>
           </p:cNvPicPr>
           <p:nvPr/>
         </p:nvPicPr>
@@ -15742,18 +15449,42 @@
               </a:ext>
             </a:extLst>
           </a:blip>
+          <a:srcRect/>
           <a:stretch>
             <a:fillRect/>
           </a:stretch>
         </p:blipFill>
-        <p:spPr>
+        <p:spPr bwMode="auto">
           <a:xfrm>
-            <a:off x="7408235" y="1349375"/>
-            <a:ext cx="4019550" cy="5143500"/>
+            <a:off x="7409049" y="1377024"/>
+            <a:ext cx="4126679" cy="5004337"/>
           </a:xfrm>
           <a:prstGeom prst="rect">
             <a:avLst/>
           </a:prstGeom>
+          <a:noFill/>
+          <a:ln>
+            <a:noFill/>
+          </a:ln>
+          <a:extLst>
+            <a:ext uri="{909E8E84-426E-40DD-AFC4-6F175D3DCCD1}">
+              <a14:hiddenFill xmlns:a14="http://schemas.microsoft.com/office/drawing/2010/main">
+                <a:solidFill>
+                  <a:srgbClr val="FFFFFF"/>
+                </a:solidFill>
+              </a14:hiddenFill>
+            </a:ext>
+            <a:ext uri="{91240B29-F687-4F45-9708-019B960494DF}">
+              <a14:hiddenLine xmlns:a14="http://schemas.microsoft.com/office/drawing/2010/main" w="9525">
+                <a:solidFill>
+                  <a:srgbClr val="000000"/>
+                </a:solidFill>
+                <a:miter lim="800000"/>
+                <a:headEnd/>
+                <a:tailEnd/>
+              </a14:hiddenLine>
+            </a:ext>
+          </a:extLst>
         </p:spPr>
       </p:pic>
     </p:spTree>
@@ -16269,15 +16000,7 @@
                 <a:ea typeface="华文楷体" panose="02010600040101010101" pitchFamily="2" charset="-122"/>
                 <a:cs typeface="Times New Roman" panose="02020603050405020304" pitchFamily="18" charset="0"/>
               </a:rPr>
-              <a:t>）仿真实验部分仍</a:t>
-            </a:r>
-            <a:r>
-              <a:rPr lang="zh-CN" altLang="en-US" sz="2400" dirty="0" smtClean="0">
-                <a:latin typeface="华文楷体" panose="02010600040101010101" pitchFamily="2" charset="-122"/>
-                <a:ea typeface="华文楷体" panose="02010600040101010101" pitchFamily="2" charset="-122"/>
-                <a:cs typeface="Times New Roman" panose="02020603050405020304" pitchFamily="18" charset="0"/>
-              </a:rPr>
-              <a:t>需对仿真网络再进行多次</a:t>
+              <a:t>）仿真实验部分仍需对仿真网络再进行多次</a:t>
             </a:r>
             <a:r>
               <a:rPr lang="zh-CN" altLang="en-US" sz="2400" dirty="0">

--- a/2016111417_夏震_答辩PPT.pptx
+++ b/2016111417_夏震_答辩PPT.pptx
@@ -227,7 +227,7 @@
           <a:p>
             <a:fld id="{CF21178E-41DD-435F-9943-0C570A4E2608}" type="datetimeFigureOut">
               <a:rPr lang="zh-CN" altLang="en-US" smtClean="0"/>
-              <a:t>2019/5/28</a:t>
+              <a:t>2019/5/29</a:t>
             </a:fld>
             <a:endParaRPr lang="zh-CN" altLang="en-US"/>
           </a:p>
@@ -2465,7 +2465,7 @@
           <a:p>
             <a:fld id="{ECF5C816-4069-4AEE-9D93-3A23DA05D637}" type="datetime1">
               <a:rPr lang="zh-CN" altLang="en-US" smtClean="0"/>
-              <a:t>2019/5/28</a:t>
+              <a:t>2019/5/29</a:t>
             </a:fld>
             <a:endParaRPr lang="zh-CN" altLang="en-US"/>
           </a:p>
@@ -2635,7 +2635,7 @@
           <a:p>
             <a:fld id="{0E681340-ABCF-486C-96DE-318D6FBC4FA7}" type="datetime1">
               <a:rPr lang="zh-CN" altLang="en-US" smtClean="0"/>
-              <a:t>2019/5/28</a:t>
+              <a:t>2019/5/29</a:t>
             </a:fld>
             <a:endParaRPr lang="zh-CN" altLang="en-US"/>
           </a:p>
@@ -2815,7 +2815,7 @@
           <a:p>
             <a:fld id="{9E174B88-74D6-46F4-8F34-2E0E03C3C400}" type="datetime1">
               <a:rPr lang="zh-CN" altLang="en-US" smtClean="0"/>
-              <a:t>2019/5/28</a:t>
+              <a:t>2019/5/29</a:t>
             </a:fld>
             <a:endParaRPr lang="zh-CN" altLang="en-US"/>
           </a:p>
@@ -3064,7 +3064,7 @@
           <a:p>
             <a:fld id="{908E3527-0DD3-4A09-80C5-DA19A0AD5C42}" type="datetime1">
               <a:rPr lang="zh-CN" altLang="en-US" smtClean="0"/>
-              <a:t>2019/5/28</a:t>
+              <a:t>2019/5/29</a:t>
             </a:fld>
             <a:endParaRPr lang="zh-CN" altLang="en-US"/>
           </a:p>
@@ -3331,7 +3331,7 @@
           <a:p>
             <a:fld id="{ADAAF654-8079-45E9-84AC-20ED6199853B}" type="datetime1">
               <a:rPr lang="zh-CN" altLang="en-US" smtClean="0"/>
-              <a:t>2019/5/28</a:t>
+              <a:t>2019/5/29</a:t>
             </a:fld>
             <a:endParaRPr lang="zh-CN" altLang="en-US"/>
           </a:p>
@@ -3660,7 +3660,7 @@
           <a:p>
             <a:fld id="{77655930-7E97-4B46-8442-954486FA878C}" type="datetime1">
               <a:rPr lang="zh-CN" altLang="en-US" smtClean="0"/>
-              <a:t>2019/5/28</a:t>
+              <a:t>2019/5/29</a:t>
             </a:fld>
             <a:endParaRPr lang="zh-CN" altLang="en-US"/>
           </a:p>
@@ -3983,7 +3983,7 @@
           <a:p>
             <a:fld id="{BB3C98FB-6AE2-405E-9967-BF664D34C1AE}" type="datetime1">
               <a:rPr lang="zh-CN" altLang="en-US" smtClean="0"/>
-              <a:t>2019/5/28</a:t>
+              <a:t>2019/5/29</a:t>
             </a:fld>
             <a:endParaRPr lang="zh-CN" altLang="en-US"/>
           </a:p>
@@ -4440,7 +4440,7 @@
           <a:p>
             <a:fld id="{01D2DD3E-6BBF-48CE-9C7C-85D764C0F7A5}" type="datetime1">
               <a:rPr lang="zh-CN" altLang="en-US" smtClean="0"/>
-              <a:t>2019/5/28</a:t>
+              <a:t>2019/5/29</a:t>
             </a:fld>
             <a:endParaRPr lang="zh-CN" altLang="en-US"/>
           </a:p>
@@ -4645,7 +4645,7 @@
           <a:p>
             <a:fld id="{50671B83-DF1A-4F21-8740-325E3CA6EF17}" type="datetime1">
               <a:rPr lang="zh-CN" altLang="en-US" smtClean="0"/>
-              <a:t>2019/5/28</a:t>
+              <a:t>2019/5/29</a:t>
             </a:fld>
             <a:endParaRPr lang="zh-CN" altLang="en-US"/>
           </a:p>
@@ -4822,7 +4822,7 @@
           <a:p>
             <a:fld id="{8BC83C03-7636-4D9F-88DD-556E7259EE98}" type="datetime1">
               <a:rPr lang="zh-CN" altLang="en-US" smtClean="0"/>
-              <a:t>2019/5/28</a:t>
+              <a:t>2019/5/29</a:t>
             </a:fld>
             <a:endParaRPr lang="zh-CN" altLang="en-US"/>
           </a:p>
@@ -5155,7 +5155,7 @@
           <a:p>
             <a:fld id="{1ECCBA08-A0B3-4620-A2C3-F2DD9D569B30}" type="datetime1">
               <a:rPr lang="zh-CN" altLang="en-US" smtClean="0"/>
-              <a:t>2019/5/28</a:t>
+              <a:t>2019/5/29</a:t>
             </a:fld>
             <a:endParaRPr lang="zh-CN" altLang="en-US"/>
           </a:p>
@@ -5407,7 +5407,7 @@
           <a:p>
             <a:fld id="{92EADDC0-6E4D-4283-B4C9-49D56ABD3972}" type="datetime1">
               <a:rPr lang="zh-CN" altLang="en-US" smtClean="0"/>
-              <a:t>2019/5/28</a:t>
+              <a:t>2019/5/29</a:t>
             </a:fld>
             <a:endParaRPr lang="zh-CN" altLang="en-US"/>
           </a:p>
@@ -5670,7 +5670,7 @@
           <a:p>
             <a:fld id="{F24597C5-EEC8-4488-924B-035721E8EA73}" type="datetime1">
               <a:rPr lang="zh-CN" altLang="en-US" smtClean="0"/>
-              <a:t>2019/5/28</a:t>
+              <a:t>2019/5/29</a:t>
             </a:fld>
             <a:endParaRPr lang="zh-CN" altLang="en-US"/>
           </a:p>
@@ -6008,7 +6008,7 @@
           <a:p>
             <a:fld id="{B0F66D72-7517-4FA1-91AC-4F5A6261A984}" type="datetime1">
               <a:rPr lang="zh-CN" altLang="en-US" smtClean="0"/>
-              <a:t>2019/5/28</a:t>
+              <a:t>2019/5/29</a:t>
             </a:fld>
             <a:endParaRPr lang="zh-CN" altLang="en-US"/>
           </a:p>
@@ -6409,7 +6409,7 @@
           <a:p>
             <a:fld id="{EA6F04A0-113C-45C3-ABD4-51214D8FACB9}" type="datetime1">
               <a:rPr lang="zh-CN" altLang="en-US" smtClean="0"/>
-              <a:t>2019/5/28</a:t>
+              <a:t>2019/5/29</a:t>
             </a:fld>
             <a:endParaRPr lang="zh-CN" altLang="en-US"/>
           </a:p>
@@ -6745,7 +6745,7 @@
           <a:p>
             <a:fld id="{7CBEC0B1-2615-4632-8F46-8A3E3C90A68E}" type="datetime1">
               <a:rPr lang="zh-CN" altLang="en-US" smtClean="0"/>
-              <a:t>2019/5/28</a:t>
+              <a:t>2019/5/29</a:t>
             </a:fld>
             <a:endParaRPr lang="zh-CN" altLang="en-US"/>
           </a:p>
@@ -7065,7 +7065,7 @@
           <a:p>
             <a:fld id="{99B4F46F-6241-4BBB-BE85-37F31B2F40D9}" type="datetime1">
               <a:rPr lang="zh-CN" altLang="en-US" smtClean="0"/>
-              <a:t>2019/5/28</a:t>
+              <a:t>2019/5/29</a:t>
             </a:fld>
             <a:endParaRPr lang="zh-CN" altLang="en-US"/>
           </a:p>
@@ -7462,7 +7462,7 @@
           <a:p>
             <a:fld id="{99B4F46F-6241-4BBB-BE85-37F31B2F40D9}" type="datetime1">
               <a:rPr lang="zh-CN" altLang="en-US" smtClean="0"/>
-              <a:t>2019/5/28</a:t>
+              <a:t>2019/5/29</a:t>
             </a:fld>
             <a:endParaRPr lang="zh-CN" altLang="en-US"/>
           </a:p>
@@ -7720,7 +7720,7 @@
           <a:p>
             <a:fld id="{786AA40F-68E2-4F91-B4AB-0F4C675E7E32}" type="datetime1">
               <a:rPr lang="zh-CN" altLang="en-US" smtClean="0"/>
-              <a:t>2019/5/28</a:t>
+              <a:t>2019/5/29</a:t>
             </a:fld>
             <a:endParaRPr lang="zh-CN" altLang="en-US"/>
           </a:p>
@@ -7982,7 +7982,7 @@
           <a:p>
             <a:fld id="{AAA0BC2F-8182-4510-8922-48DD90FFBB56}" type="datetime1">
               <a:rPr lang="zh-CN" altLang="en-US" smtClean="0"/>
-              <a:t>2019/5/28</a:t>
+              <a:t>2019/5/29</a:t>
             </a:fld>
             <a:endParaRPr lang="zh-CN" altLang="en-US"/>
           </a:p>
@@ -8315,7 +8315,7 @@
           <a:p>
             <a:fld id="{BED235AC-2D98-4AE0-8240-B1F63BC8F15D}" type="datetime1">
               <a:rPr lang="zh-CN" altLang="en-US" smtClean="0"/>
-              <a:t>2019/5/28</a:t>
+              <a:t>2019/5/29</a:t>
             </a:fld>
             <a:endParaRPr lang="zh-CN" altLang="en-US"/>
           </a:p>
@@ -8547,7 +8547,7 @@
           <a:p>
             <a:fld id="{56BAE1A5-D61A-4A97-B975-3826935A5778}" type="datetime1">
               <a:rPr lang="zh-CN" altLang="en-US" smtClean="0"/>
-              <a:t>2019/5/28</a:t>
+              <a:t>2019/5/29</a:t>
             </a:fld>
             <a:endParaRPr lang="zh-CN" altLang="en-US"/>
           </a:p>
@@ -8894,7 +8894,7 @@
           <a:p>
             <a:fld id="{1A7F2974-D89C-40EF-8045-F759EB6352F7}" type="datetime1">
               <a:rPr lang="zh-CN" altLang="en-US" smtClean="0"/>
-              <a:t>2019/5/28</a:t>
+              <a:t>2019/5/29</a:t>
             </a:fld>
             <a:endParaRPr lang="zh-CN" altLang="en-US"/>
           </a:p>
@@ -9012,7 +9012,7 @@
           <a:p>
             <a:fld id="{369B30D0-47FA-43F9-8F51-82475A1997B7}" type="datetime1">
               <a:rPr lang="zh-CN" altLang="en-US" smtClean="0"/>
-              <a:t>2019/5/28</a:t>
+              <a:t>2019/5/29</a:t>
             </a:fld>
             <a:endParaRPr lang="zh-CN" altLang="en-US"/>
           </a:p>
@@ -9130,7 +9130,7 @@
           <a:p>
             <a:fld id="{E69C9FD0-1859-49FE-8AA1-0DC11C6FDFA2}" type="datetime1">
               <a:rPr lang="zh-CN" altLang="en-US" smtClean="0"/>
-              <a:t>2019/5/28</a:t>
+              <a:t>2019/5/29</a:t>
             </a:fld>
             <a:endParaRPr lang="zh-CN" altLang="en-US"/>
           </a:p>
@@ -9414,7 +9414,7 @@
           <a:p>
             <a:fld id="{8354164D-D8A1-4AA8-90E4-682D2E7C888D}" type="datetime1">
               <a:rPr lang="zh-CN" altLang="en-US" smtClean="0"/>
-              <a:t>2019/5/28</a:t>
+              <a:t>2019/5/29</a:t>
             </a:fld>
             <a:endParaRPr lang="zh-CN" altLang="en-US"/>
           </a:p>
@@ -9678,7 +9678,7 @@
           <a:p>
             <a:fld id="{0A0971DD-4DB9-4A87-90E1-0AC8D03712E7}" type="datetime1">
               <a:rPr lang="zh-CN" altLang="en-US" smtClean="0"/>
-              <a:t>2019/5/28</a:t>
+              <a:t>2019/5/29</a:t>
             </a:fld>
             <a:endParaRPr lang="zh-CN" altLang="en-US"/>
           </a:p>
@@ -9892,7 +9892,7 @@
           <a:p>
             <a:fld id="{99B4F46F-6241-4BBB-BE85-37F31B2F40D9}" type="datetime1">
               <a:rPr lang="zh-CN" altLang="en-US" smtClean="0"/>
-              <a:t>2019/5/28</a:t>
+              <a:t>2019/5/29</a:t>
             </a:fld>
             <a:endParaRPr lang="zh-CN" altLang="en-US"/>
           </a:p>
@@ -12239,7 +12239,7 @@
           <a:p>
             <a:fld id="{99B4F46F-6241-4BBB-BE85-37F31B2F40D9}" type="datetime1">
               <a:rPr lang="zh-CN" altLang="en-US" smtClean="0"/>
-              <a:t>2019/5/28</a:t>
+              <a:t>2019/5/29</a:t>
             </a:fld>
             <a:endParaRPr lang="zh-CN" altLang="en-US"/>
           </a:p>
@@ -12899,7 +12899,7 @@
                 <a:latin typeface="宋体" panose="02010600030101010101" pitchFamily="2" charset="-122"/>
                 <a:ea typeface="宋体" panose="02010600030101010101" pitchFamily="2" charset="-122"/>
               </a:rPr>
-              <a:t>2019年5月28日</a:t>
+              <a:t>2019年5月29日</a:t>
             </a:fld>
             <a:endParaRPr lang="en-US" altLang="zh-CN" sz="1800" b="1" dirty="0" smtClean="0">
               <a:solidFill>
@@ -12945,7 +12945,7 @@
                   <a:schemeClr val="tx1"/>
                 </a:solidFill>
               </a:rPr>
-              <a:t>/15</a:t>
+              <a:t>/18</a:t>
             </a:r>
             <a:endParaRPr lang="zh-CN" altLang="en-US" sz="1600" dirty="0">
               <a:solidFill>
@@ -13443,7 +13443,7 @@
                   <a:schemeClr val="tx1"/>
                 </a:solidFill>
               </a:rPr>
-              <a:t>/15</a:t>
+              <a:t>/18</a:t>
             </a:r>
             <a:endParaRPr lang="zh-CN" altLang="en-US" sz="1600" dirty="0">
               <a:solidFill>
@@ -14061,7 +14061,7 @@
                   <a:schemeClr val="tx1"/>
                 </a:solidFill>
               </a:rPr>
-              <a:t>/15</a:t>
+              <a:t>/18</a:t>
             </a:r>
             <a:endParaRPr lang="zh-CN" altLang="en-US" sz="1600" dirty="0">
               <a:solidFill>
@@ -14376,7 +14376,7 @@
                   <a:schemeClr val="tx1"/>
                 </a:solidFill>
               </a:rPr>
-              <a:t>/15</a:t>
+              <a:t>/18</a:t>
             </a:r>
             <a:endParaRPr lang="zh-CN" altLang="en-US" sz="1600" dirty="0">
               <a:solidFill>
@@ -14500,7 +14500,7 @@
                   <a:schemeClr val="tx1"/>
                 </a:solidFill>
               </a:rPr>
-              <a:t>/15</a:t>
+              <a:t>/18</a:t>
             </a:r>
             <a:endParaRPr lang="zh-CN" altLang="en-US" sz="1600" dirty="0">
               <a:solidFill>
@@ -14747,7 +14747,7 @@
                   <a:schemeClr val="tx1"/>
                 </a:solidFill>
               </a:rPr>
-              <a:t>/15</a:t>
+              <a:t>/18</a:t>
             </a:r>
             <a:endParaRPr lang="zh-CN" altLang="en-US" sz="1600" dirty="0">
               <a:solidFill>
@@ -15360,7 +15360,7 @@
                   <a:schemeClr val="tx1"/>
                 </a:solidFill>
               </a:rPr>
-              <a:t>/15</a:t>
+              <a:t>/18</a:t>
             </a:r>
             <a:endParaRPr lang="zh-CN" altLang="en-US" sz="1600" dirty="0">
               <a:solidFill>
@@ -15873,7 +15873,7 @@
                   <a:schemeClr val="tx1"/>
                 </a:solidFill>
               </a:rPr>
-              <a:t>/15</a:t>
+              <a:t>/18</a:t>
             </a:r>
             <a:endParaRPr lang="zh-CN" altLang="en-US" sz="1600" dirty="0">
               <a:solidFill>
@@ -16205,7 +16205,7 @@
                   <a:schemeClr val="tx1"/>
                 </a:solidFill>
               </a:rPr>
-              <a:t>/15</a:t>
+              <a:t>/18</a:t>
             </a:r>
             <a:endParaRPr lang="zh-CN" altLang="en-US" sz="1600" dirty="0">
               <a:solidFill>
@@ -16327,7 +16327,7 @@
                   <a:schemeClr val="tx1"/>
                 </a:solidFill>
               </a:rPr>
-              <a:t>/15</a:t>
+              <a:t>/18</a:t>
             </a:r>
             <a:endParaRPr lang="zh-CN" altLang="en-US" sz="1600" dirty="0">
               <a:solidFill>
@@ -16591,7 +16591,7 @@
                   <a:schemeClr val="tx1"/>
                 </a:solidFill>
               </a:rPr>
-              <a:t>/15</a:t>
+              <a:t>/18</a:t>
             </a:r>
             <a:endParaRPr lang="zh-CN" altLang="en-US" sz="1600" dirty="0">
               <a:solidFill>
@@ -16729,7 +16729,7 @@
                   <a:schemeClr val="tx1"/>
                 </a:solidFill>
               </a:rPr>
-              <a:t>/15</a:t>
+              <a:t>/18</a:t>
             </a:r>
             <a:endParaRPr lang="zh-CN" altLang="en-US" sz="1600" dirty="0">
               <a:solidFill>
@@ -17057,7 +17057,7 @@
                   <a:schemeClr val="tx1"/>
                 </a:solidFill>
               </a:rPr>
-              <a:t>/15</a:t>
+              <a:t>/18</a:t>
             </a:r>
             <a:endParaRPr lang="zh-CN" altLang="en-US" sz="1600" dirty="0">
               <a:solidFill>
@@ -17578,7 +17578,7 @@
                   <a:schemeClr val="tx1"/>
                 </a:solidFill>
               </a:rPr>
-              <a:t>/15</a:t>
+              <a:t>/18</a:t>
             </a:r>
             <a:endParaRPr lang="zh-CN" altLang="en-US" sz="1600" dirty="0">
               <a:solidFill>
@@ -17994,7 +17994,7 @@
                   <a:schemeClr val="tx1"/>
                 </a:solidFill>
               </a:rPr>
-              <a:t>/15</a:t>
+              <a:t>/18</a:t>
             </a:r>
             <a:endParaRPr lang="zh-CN" altLang="en-US" sz="1600" dirty="0">
               <a:solidFill>
@@ -18457,7 +18457,7 @@
                   <a:schemeClr val="tx1"/>
                 </a:solidFill>
               </a:rPr>
-              <a:t>/15</a:t>
+              <a:t>/18</a:t>
             </a:r>
             <a:endParaRPr lang="zh-CN" altLang="en-US" sz="1600" dirty="0">
               <a:solidFill>
@@ -18838,7 +18838,7 @@
                   <a:schemeClr val="tx1"/>
                 </a:solidFill>
               </a:rPr>
-              <a:t>/15</a:t>
+              <a:t>/18</a:t>
             </a:r>
             <a:endParaRPr lang="zh-CN" altLang="en-US" sz="1600" dirty="0">
               <a:solidFill>
@@ -19238,7 +19238,7 @@
                   <a:schemeClr val="tx1"/>
                 </a:solidFill>
               </a:rPr>
-              <a:t>/15</a:t>
+              <a:t>/18</a:t>
             </a:r>
             <a:endParaRPr lang="zh-CN" altLang="en-US" sz="1600" dirty="0">
               <a:solidFill>
